--- a/ift/assets/slides/ift615-02-Agents intelligents.pptx
+++ b/ift/assets/slides/ift615-02-Agents intelligents.pptx
@@ -217,13 +217,53 @@
 <file path=ppt/revisionInfo.xml><?xml version="1.0" encoding="utf-8"?>
 <p1510:revInfo xmlns:a="http://schemas.openxmlformats.org/drawingml/2006/main" xmlns:r="http://schemas.openxmlformats.org/officeDocument/2006/relationships" xmlns:p1510="http://schemas.microsoft.com/office/powerpoint/2015/10/main">
   <p1510:revLst>
-    <p1510:client id="{E6C3BF44-AE5B-4F72-B179-D9DE81FB27C2}" v="803" dt="2023-01-05T06:47:55.242"/>
+    <p1510:client id="{67131409-ABB7-4745-ACDC-412C8AB97B8A}" v="1" dt="2023-05-01T10:00:29.135"/>
   </p1510:revLst>
 </p1510:revInfo>
 </file>
 
 <file path=ppt/changesInfos/changesInfo1.xml><?xml version="1.0" encoding="utf-8"?>
 <pc:chgInfo xmlns:a="http://schemas.openxmlformats.org/drawingml/2006/main" xmlns:r="http://schemas.openxmlformats.org/officeDocument/2006/relationships" xmlns:ac="http://schemas.microsoft.com/office/drawing/2013/main/command" xmlns:pc="http://schemas.microsoft.com/office/powerpoint/2013/main/command">
+  <pc:docChgLst>
+    <pc:chgData name="Froduald Kabanza" userId="edf393d0-642b-4b9e-8c75-f62133241689" providerId="ADAL" clId="{67131409-ABB7-4745-ACDC-412C8AB97B8A}"/>
+    <pc:docChg chg="modSld">
+      <pc:chgData name="Froduald Kabanza" userId="edf393d0-642b-4b9e-8c75-f62133241689" providerId="ADAL" clId="{67131409-ABB7-4745-ACDC-412C8AB97B8A}" dt="2023-05-01T10:00:32.233" v="3" actId="1076"/>
+      <pc:docMkLst>
+        <pc:docMk/>
+      </pc:docMkLst>
+      <pc:sldChg chg="addSp modSp mod">
+        <pc:chgData name="Froduald Kabanza" userId="edf393d0-642b-4b9e-8c75-f62133241689" providerId="ADAL" clId="{67131409-ABB7-4745-ACDC-412C8AB97B8A}" dt="2023-05-01T10:00:32.233" v="3" actId="1076"/>
+        <pc:sldMkLst>
+          <pc:docMk/>
+          <pc:sldMk cId="0" sldId="585"/>
+        </pc:sldMkLst>
+        <pc:graphicFrameChg chg="mod">
+          <ac:chgData name="Froduald Kabanza" userId="edf393d0-642b-4b9e-8c75-f62133241689" providerId="ADAL" clId="{67131409-ABB7-4745-ACDC-412C8AB97B8A}" dt="2023-05-01T10:00:23.039" v="0" actId="1076"/>
+          <ac:graphicFrameMkLst>
+            <pc:docMk/>
+            <pc:sldMk cId="0" sldId="585"/>
+            <ac:graphicFrameMk id="2" creationId="{DF656727-1D37-0012-260E-66F332CBB7A1}"/>
+          </ac:graphicFrameMkLst>
+        </pc:graphicFrameChg>
+        <pc:picChg chg="add mod">
+          <ac:chgData name="Froduald Kabanza" userId="edf393d0-642b-4b9e-8c75-f62133241689" providerId="ADAL" clId="{67131409-ABB7-4745-ACDC-412C8AB97B8A}" dt="2023-05-01T10:00:32.233" v="3" actId="1076"/>
+          <ac:picMkLst>
+            <pc:docMk/>
+            <pc:sldMk cId="0" sldId="585"/>
+            <ac:picMk id="3" creationId="{569B6BC3-31F0-4339-75C1-397FAD701CD5}"/>
+          </ac:picMkLst>
+        </pc:picChg>
+        <pc:picChg chg="mod">
+          <ac:chgData name="Froduald Kabanza" userId="edf393d0-642b-4b9e-8c75-f62133241689" providerId="ADAL" clId="{67131409-ABB7-4745-ACDC-412C8AB97B8A}" dt="2023-05-01T10:00:27.353" v="1" actId="1076"/>
+          <ac:picMkLst>
+            <pc:docMk/>
+            <pc:sldMk cId="0" sldId="585"/>
+            <ac:picMk id="10" creationId="{00000000-0000-0000-0000-000000000000}"/>
+          </ac:picMkLst>
+        </pc:picChg>
+      </pc:sldChg>
+    </pc:docChg>
+  </pc:docChgLst>
   <pc:docChgLst>
     <pc:chgData name="Froduald Kabanza" userId="edf393d0-642b-4b9e-8c75-f62133241689" providerId="ADAL" clId="{E6C3BF44-AE5B-4F72-B179-D9DE81FB27C2}"/>
     <pc:docChg chg="undo custSel modSld sldOrd">
@@ -32133,7 +32173,7 @@
           <p:nvPr/>
         </p:nvPicPr>
         <p:blipFill>
-          <a:blip r:embed="rId4">
+          <a:blip r:embed="rId3">
             <a:extLst>
               <a:ext uri="{28A0092B-C50C-407E-A947-70E740481C1C}">
                 <a14:useLocalDpi xmlns:a14="http://schemas.microsoft.com/office/drawing/2010/main" val="0"/>
@@ -32187,7 +32227,7 @@
           <p:nvPr/>
         </p:nvPicPr>
         <p:blipFill>
-          <a:blip r:embed="rId5">
+          <a:blip r:embed="rId4">
             <a:extLst>
               <a:ext uri="{28A0092B-C50C-407E-A947-70E740481C1C}">
                 <a14:useLocalDpi xmlns:a14="http://schemas.microsoft.com/office/drawing/2010/main" val="0"/>
@@ -32228,14 +32268,14 @@
           <p:nvPr/>
         </p:nvPicPr>
         <p:blipFill>
-          <a:blip r:embed="rId6"/>
+          <a:blip r:embed="rId5"/>
           <a:stretch>
             <a:fillRect/>
           </a:stretch>
         </p:blipFill>
         <p:spPr>
           <a:xfrm>
-            <a:off x="5111712" y="4501135"/>
+            <a:off x="3581161" y="4612762"/>
             <a:ext cx="1319614" cy="878143"/>
           </a:xfrm>
           <a:prstGeom prst="rect">
@@ -32252,7 +32292,7 @@
           <p:nvPr/>
         </p:nvPicPr>
         <p:blipFill>
-          <a:blip r:embed="rId7" cstate="print">
+          <a:blip r:embed="rId6" cstate="print">
             <a:extLst>
               <a:ext uri="{28A0092B-C50C-407E-A947-70E740481C1C}">
                 <a14:useLocalDpi xmlns:a14="http://schemas.microsoft.com/office/drawing/2010/main" val="0"/>
@@ -32288,25 +32328,25 @@
           <p:nvPr>
             <p:extLst>
               <p:ext uri="{D42A27DB-BD31-4B8C-83A1-F6EECF244321}">
-                <p14:modId xmlns:p14="http://schemas.microsoft.com/office/powerpoint/2010/main" val="925259918"/>
+                <p14:modId xmlns:p14="http://schemas.microsoft.com/office/powerpoint/2010/main" val="3260928573"/>
               </p:ext>
             </p:extLst>
           </p:nvPr>
         </p:nvGraphicFramePr>
         <p:xfrm>
-          <a:off x="3111531" y="4385670"/>
+          <a:off x="2346256" y="4385670"/>
           <a:ext cx="980492" cy="1335064"/>
         </p:xfrm>
         <a:graphic>
           <a:graphicData uri="http://schemas.openxmlformats.org/presentationml/2006/ole">
             <mc:AlternateContent xmlns:mc="http://schemas.openxmlformats.org/markup-compatibility/2006">
               <mc:Choice xmlns:v="urn:schemas-microsoft-com:vml" Requires="v">
-                <p:oleObj spid="_x0000_s14337" name="Photo Editor Photo" r:id="rId8" imgW="1657581" imgH="2095793" progId="MSPhotoEd.3">
+                <p:oleObj name="Photo Editor Photo" r:id="rId7" imgW="1657581" imgH="2095793" progId="MSPhotoEd.3">
                   <p:embed/>
                 </p:oleObj>
               </mc:Choice>
               <mc:Fallback>
-                <p:oleObj name="Photo Editor Photo" r:id="rId8" imgW="1657581" imgH="2095793" progId="MSPhotoEd.3">
+                <p:oleObj name="Photo Editor Photo" r:id="rId7" imgW="1657581" imgH="2095793" progId="MSPhotoEd.3">
                   <p:embed/>
                   <p:pic>
                     <p:nvPicPr>
@@ -32323,7 +32363,7 @@
                       <p:nvPr/>
                     </p:nvPicPr>
                     <p:blipFill>
-                      <a:blip r:embed="rId9">
+                      <a:blip r:embed="rId8">
                         <a:extLst>
                           <a:ext uri="{28A0092B-C50C-407E-A947-70E740481C1C}">
                             <a14:useLocalDpi xmlns:a14="http://schemas.microsoft.com/office/drawing/2010/main" val="0"/>
@@ -32337,7 +32377,7 @@
                     </p:blipFill>
                     <p:spPr bwMode="auto">
                       <a:xfrm>
-                        <a:off x="3111531" y="4385670"/>
+                        <a:off x="2346256" y="4385670"/>
                         <a:ext cx="980492" cy="1335064"/>
                       </a:xfrm>
                       <a:prstGeom prst="rect">
@@ -32356,6 +32396,42 @@
           </a:graphicData>
         </a:graphic>
       </p:graphicFrame>
+      <p:pic>
+        <p:nvPicPr>
+          <p:cNvPr id="3" name="Graphic 2">
+            <a:extLst>
+              <a:ext uri="{FF2B5EF4-FFF2-40B4-BE49-F238E27FC236}">
+                <a16:creationId xmlns:a16="http://schemas.microsoft.com/office/drawing/2014/main" id="{569B6BC3-31F0-4339-75C1-397FAD701CD5}"/>
+              </a:ext>
+            </a:extLst>
+          </p:cNvPr>
+          <p:cNvPicPr>
+            <a:picLocks noChangeAspect="1"/>
+          </p:cNvPicPr>
+          <p:nvPr/>
+        </p:nvPicPr>
+        <p:blipFill>
+          <a:blip r:embed="rId9">
+            <a:extLst>
+              <a:ext uri="{96DAC541-7B7A-43D3-8B79-37D633B846F1}">
+                <asvg:svgBlip xmlns:asvg="http://schemas.microsoft.com/office/drawing/2016/SVG/main" r:embed="rId10"/>
+              </a:ext>
+            </a:extLst>
+          </a:blip>
+          <a:stretch>
+            <a:fillRect/>
+          </a:stretch>
+        </p:blipFill>
+        <p:spPr>
+          <a:xfrm>
+            <a:off x="5491475" y="4540923"/>
+            <a:ext cx="949982" cy="949982"/>
+          </a:xfrm>
+          <a:prstGeom prst="rect">
+            <a:avLst/>
+          </a:prstGeom>
+        </p:spPr>
+      </p:pic>
     </p:spTree>
   </p:cSld>
   <p:clrMapOvr>
@@ -50193,6 +50269,15 @@
 </file>
 
 <file path=customXml/item1.xml><?xml version="1.0" encoding="utf-8"?>
+<?mso-contentType ?>
+<FormTemplates xmlns="http://schemas.microsoft.com/sharepoint/v3/contenttype/forms">
+  <Display>DocumentLibraryForm</Display>
+  <Edit>DocumentLibraryForm</Edit>
+  <New>DocumentLibraryForm</New>
+</FormTemplates>
+</file>
+
+<file path=customXml/item2.xml><?xml version="1.0" encoding="utf-8"?>
 <ct:contentTypeSchema xmlns:ct="http://schemas.microsoft.com/office/2006/metadata/contentType" xmlns:ma="http://schemas.microsoft.com/office/2006/metadata/properties/metaAttributes" ct:_="" ma:_="" ma:contentTypeName="Document" ma:contentTypeID="0x01010081A5D1C58639CC438A0985A5163AD7E3" ma:contentTypeVersion="16" ma:contentTypeDescription="Crée un document." ma:contentTypeScope="" ma:versionID="adde1713dad0237bebe5b7f0a48ecfba">
   <xsd:schema xmlns:xsd="http://www.w3.org/2001/XMLSchema" xmlns:xs="http://www.w3.org/2001/XMLSchema" xmlns:p="http://schemas.microsoft.com/office/2006/metadata/properties" xmlns:ns2="be95ad7f-f2d3-4ad5-827d-a3392f6d419f" xmlns:ns3="461e6b72-1c26-445f-8625-322369705492" targetNamespace="http://schemas.microsoft.com/office/2006/metadata/properties" ma:root="true" ma:fieldsID="34d9627e19b6e0ed2eb421ed6e1fb46a" ns2:_="" ns3:_="">
     <xsd:import namespace="be95ad7f-f2d3-4ad5-827d-a3392f6d419f"/>
@@ -50429,7 +50514,7 @@
 </ct:contentTypeSchema>
 </file>
 
-<file path=customXml/item2.xml><?xml version="1.0" encoding="utf-8"?>
+<file path=customXml/item3.xml><?xml version="1.0" encoding="utf-8"?>
 <p:properties xmlns:p="http://schemas.microsoft.com/office/2006/metadata/properties" xmlns:xsi="http://www.w3.org/2001/XMLSchema-instance" xmlns:pc="http://schemas.microsoft.com/office/infopath/2007/PartnerControls">
   <documentManagement>
     <lcf76f155ced4ddcb4097134ff3c332f xmlns="be95ad7f-f2d3-4ad5-827d-a3392f6d419f">
@@ -50440,16 +50525,15 @@
 </p:properties>
 </file>
 
-<file path=customXml/item3.xml><?xml version="1.0" encoding="utf-8"?>
-<?mso-contentType ?>
-<FormTemplates xmlns="http://schemas.microsoft.com/sharepoint/v3/contenttype/forms">
-  <Display>DocumentLibraryForm</Display>
-  <Edit>DocumentLibraryForm</Edit>
-  <New>DocumentLibraryForm</New>
-</FormTemplates>
+<file path=customXml/itemProps1.xml><?xml version="1.0" encoding="utf-8"?>
+<ds:datastoreItem xmlns:ds="http://schemas.openxmlformats.org/officeDocument/2006/customXml" ds:itemID="{147315A1-4C45-4A17-9AA5-E4D1FDBC2B5D}">
+  <ds:schemaRefs>
+    <ds:schemaRef ds:uri="http://schemas.microsoft.com/sharepoint/v3/contenttype/forms"/>
+  </ds:schemaRefs>
+</ds:datastoreItem>
 </file>
 
-<file path=customXml/itemProps1.xml><?xml version="1.0" encoding="utf-8"?>
+<file path=customXml/itemProps2.xml><?xml version="1.0" encoding="utf-8"?>
 <ds:datastoreItem xmlns:ds="http://schemas.openxmlformats.org/officeDocument/2006/customXml" ds:itemID="{1BAFCA41-6E00-44C7-855C-BD28DE413355}">
   <ds:schemaRefs>
     <ds:schemaRef ds:uri="461e6b72-1c26-445f-8625-322369705492"/>
@@ -50468,7 +50552,7 @@
 </ds:datastoreItem>
 </file>
 
-<file path=customXml/itemProps2.xml><?xml version="1.0" encoding="utf-8"?>
+<file path=customXml/itemProps3.xml><?xml version="1.0" encoding="utf-8"?>
 <ds:datastoreItem xmlns:ds="http://schemas.openxmlformats.org/officeDocument/2006/customXml" ds:itemID="{4A913A9A-D462-4837-B7CA-94B378921D07}">
   <ds:schemaRefs>
     <ds:schemaRef ds:uri="461e6b72-1c26-445f-8625-322369705492"/>
@@ -50483,12 +50567,4 @@
     <ds:schemaRef ds:uri="http://www.w3.org/XML/1998/namespace"/>
   </ds:schemaRefs>
 </ds:datastoreItem>
-</file>
-
-<file path=customXml/itemProps3.xml><?xml version="1.0" encoding="utf-8"?>
-<ds:datastoreItem xmlns:ds="http://schemas.openxmlformats.org/officeDocument/2006/customXml" ds:itemID="{147315A1-4C45-4A17-9AA5-E4D1FDBC2B5D}">
-  <ds:schemaRefs>
-    <ds:schemaRef ds:uri="http://schemas.microsoft.com/sharepoint/v3/contenttype/forms"/>
-  </ds:schemaRefs>
-</ds:datastoreItem>
 </file>
--- a/ift/assets/slides/ift615-02-Agents intelligents.pptx
+++ b/ift/assets/slides/ift615-02-Agents intelligents.pptx
@@ -50278,8 +50278,8 @@
 </file>
 
 <file path=customXml/item2.xml><?xml version="1.0" encoding="utf-8"?>
-<ct:contentTypeSchema xmlns:ct="http://schemas.microsoft.com/office/2006/metadata/contentType" xmlns:ma="http://schemas.microsoft.com/office/2006/metadata/properties/metaAttributes" ct:_="" ma:_="" ma:contentTypeName="Document" ma:contentTypeID="0x01010081A5D1C58639CC438A0985A5163AD7E3" ma:contentTypeVersion="16" ma:contentTypeDescription="Crée un document." ma:contentTypeScope="" ma:versionID="adde1713dad0237bebe5b7f0a48ecfba">
-  <xsd:schema xmlns:xsd="http://www.w3.org/2001/XMLSchema" xmlns:xs="http://www.w3.org/2001/XMLSchema" xmlns:p="http://schemas.microsoft.com/office/2006/metadata/properties" xmlns:ns2="be95ad7f-f2d3-4ad5-827d-a3392f6d419f" xmlns:ns3="461e6b72-1c26-445f-8625-322369705492" targetNamespace="http://schemas.microsoft.com/office/2006/metadata/properties" ma:root="true" ma:fieldsID="34d9627e19b6e0ed2eb421ed6e1fb46a" ns2:_="" ns3:_="">
+<ct:contentTypeSchema xmlns:ct="http://schemas.microsoft.com/office/2006/metadata/contentType" xmlns:ma="http://schemas.microsoft.com/office/2006/metadata/properties/metaAttributes" ct:_="" ma:_="" ma:contentTypeName="Document" ma:contentTypeID="0x01010081A5D1C58639CC438A0985A5163AD7E3" ma:contentTypeVersion="17" ma:contentTypeDescription="Crée un document." ma:contentTypeScope="" ma:versionID="7795556d6530b0b9480380495134c4db">
+  <xsd:schema xmlns:xsd="http://www.w3.org/2001/XMLSchema" xmlns:xs="http://www.w3.org/2001/XMLSchema" xmlns:p="http://schemas.microsoft.com/office/2006/metadata/properties" xmlns:ns2="be95ad7f-f2d3-4ad5-827d-a3392f6d419f" xmlns:ns3="461e6b72-1c26-445f-8625-322369705492" targetNamespace="http://schemas.microsoft.com/office/2006/metadata/properties" ma:root="true" ma:fieldsID="9d9b2d3b47b01b6398608d65909208f7" ns2:_="" ns3:_="">
     <xsd:import namespace="be95ad7f-f2d3-4ad5-827d-a3392f6d419f"/>
     <xsd:import namespace="461e6b72-1c26-445f-8625-322369705492"/>
     <xsd:element name="properties">
@@ -50302,6 +50302,7 @@
                 <xsd:element ref="ns2:lcf76f155ced4ddcb4097134ff3c332f" minOccurs="0"/>
                 <xsd:element ref="ns3:TaxCatchAll" minOccurs="0"/>
                 <xsd:element ref="ns2:MediaServiceLocation" minOccurs="0"/>
+                <xsd:element ref="ns2:MediaServiceObjectDetectorVersions" minOccurs="0"/>
               </xsd:all>
             </xsd:complexType>
           </xsd:element>
@@ -50369,6 +50370,11 @@
       </xsd:complexType>
     </xsd:element>
     <xsd:element name="MediaServiceLocation" ma:index="22" nillable="true" ma:displayName="Location" ma:internalName="MediaServiceLocation" ma:readOnly="true">
+      <xsd:simpleType>
+        <xsd:restriction base="dms:Text"/>
+      </xsd:simpleType>
+    </xsd:element>
+    <xsd:element name="MediaServiceObjectDetectorVersions" ma:index="23" nillable="true" ma:displayName="MediaServiceObjectDetectorVersions" ma:hidden="true" ma:indexed="true" ma:internalName="MediaServiceObjectDetectorVersions" ma:readOnly="true">
       <xsd:simpleType>
         <xsd:restriction base="dms:Text"/>
       </xsd:simpleType>
@@ -50534,22 +50540,7 @@
 </file>
 
 <file path=customXml/itemProps2.xml><?xml version="1.0" encoding="utf-8"?>
-<ds:datastoreItem xmlns:ds="http://schemas.openxmlformats.org/officeDocument/2006/customXml" ds:itemID="{1BAFCA41-6E00-44C7-855C-BD28DE413355}">
-  <ds:schemaRefs>
-    <ds:schemaRef ds:uri="461e6b72-1c26-445f-8625-322369705492"/>
-    <ds:schemaRef ds:uri="be95ad7f-f2d3-4ad5-827d-a3392f6d419f"/>
-    <ds:schemaRef ds:uri="http://purl.org/dc/elements/1.1/"/>
-    <ds:schemaRef ds:uri="http://purl.org/dc/terms/"/>
-    <ds:schemaRef ds:uri="http://schemas.microsoft.com/internal/obd"/>
-    <ds:schemaRef ds:uri="http://schemas.microsoft.com/office/2006/documentManagement/types"/>
-    <ds:schemaRef ds:uri="http://schemas.microsoft.com/office/2006/metadata/contentType"/>
-    <ds:schemaRef ds:uri="http://schemas.microsoft.com/office/2006/metadata/properties"/>
-    <ds:schemaRef ds:uri="http://schemas.microsoft.com/office/2006/metadata/properties/metaAttributes"/>
-    <ds:schemaRef ds:uri="http://schemas.microsoft.com/office/infopath/2007/PartnerControls"/>
-    <ds:schemaRef ds:uri="http://schemas.openxmlformats.org/package/2006/metadata/core-properties"/>
-    <ds:schemaRef ds:uri="http://www.w3.org/2001/XMLSchema"/>
-  </ds:schemaRefs>
-</ds:datastoreItem>
+<ds:datastoreItem xmlns:ds="http://schemas.openxmlformats.org/officeDocument/2006/customXml" ds:itemID="{3AE2BDF9-DC1F-42CD-93C5-FE22D243215C}"/>
 </file>
 
 <file path=customXml/itemProps3.xml><?xml version="1.0" encoding="utf-8"?>

--- a/ift/assets/slides/ift615-02-Agents intelligents.pptx
+++ b/ift/assets/slides/ift615-02-Agents intelligents.pptx
@@ -5,10 +5,10 @@
     <p:sldMasterId id="2147483724" r:id="rId4"/>
   </p:sldMasterIdLst>
   <p:notesMasterIdLst>
-    <p:notesMasterId r:id="rId46"/>
+    <p:notesMasterId r:id="rId45"/>
   </p:notesMasterIdLst>
   <p:handoutMasterIdLst>
-    <p:handoutMasterId r:id="rId47"/>
+    <p:handoutMasterId r:id="rId46"/>
   </p:handoutMasterIdLst>
   <p:sldIdLst>
     <p:sldId id="625" r:id="rId5"/>
@@ -31,27 +31,26 @@
     <p:sldId id="633" r:id="rId22"/>
     <p:sldId id="634" r:id="rId23"/>
     <p:sldId id="636" r:id="rId24"/>
-    <p:sldId id="641" r:id="rId25"/>
-    <p:sldId id="600" r:id="rId26"/>
-    <p:sldId id="601" r:id="rId27"/>
-    <p:sldId id="602" r:id="rId28"/>
-    <p:sldId id="603" r:id="rId29"/>
-    <p:sldId id="604" r:id="rId30"/>
-    <p:sldId id="605" r:id="rId31"/>
-    <p:sldId id="635" r:id="rId32"/>
-    <p:sldId id="607" r:id="rId33"/>
-    <p:sldId id="608" r:id="rId34"/>
-    <p:sldId id="609" r:id="rId35"/>
-    <p:sldId id="610" r:id="rId36"/>
-    <p:sldId id="611" r:id="rId37"/>
-    <p:sldId id="612" r:id="rId38"/>
-    <p:sldId id="614" r:id="rId39"/>
-    <p:sldId id="615" r:id="rId40"/>
-    <p:sldId id="616" r:id="rId41"/>
-    <p:sldId id="640" r:id="rId42"/>
-    <p:sldId id="627" r:id="rId43"/>
-    <p:sldId id="628" r:id="rId44"/>
-    <p:sldId id="637" r:id="rId45"/>
+    <p:sldId id="600" r:id="rId25"/>
+    <p:sldId id="601" r:id="rId26"/>
+    <p:sldId id="602" r:id="rId27"/>
+    <p:sldId id="603" r:id="rId28"/>
+    <p:sldId id="604" r:id="rId29"/>
+    <p:sldId id="605" r:id="rId30"/>
+    <p:sldId id="635" r:id="rId31"/>
+    <p:sldId id="607" r:id="rId32"/>
+    <p:sldId id="608" r:id="rId33"/>
+    <p:sldId id="609" r:id="rId34"/>
+    <p:sldId id="610" r:id="rId35"/>
+    <p:sldId id="611" r:id="rId36"/>
+    <p:sldId id="612" r:id="rId37"/>
+    <p:sldId id="614" r:id="rId38"/>
+    <p:sldId id="615" r:id="rId39"/>
+    <p:sldId id="616" r:id="rId40"/>
+    <p:sldId id="640" r:id="rId41"/>
+    <p:sldId id="627" r:id="rId42"/>
+    <p:sldId id="628" r:id="rId43"/>
+    <p:sldId id="637" r:id="rId44"/>
   </p:sldIdLst>
   <p:sldSz cx="9144000" cy="6858000" type="letter"/>
   <p:notesSz cx="6858000" cy="9296400"/>
@@ -217,7 +216,7 @@
 <file path=ppt/revisionInfo.xml><?xml version="1.0" encoding="utf-8"?>
 <p1510:revInfo xmlns:a="http://schemas.openxmlformats.org/drawingml/2006/main" xmlns:r="http://schemas.openxmlformats.org/officeDocument/2006/relationships" xmlns:p1510="http://schemas.microsoft.com/office/powerpoint/2015/10/main">
   <p1510:revLst>
-    <p1510:client id="{67131409-ABB7-4745-ACDC-412C8AB97B8A}" v="1" dt="2023-05-01T10:00:29.135"/>
+    <p1510:client id="{2F2AC28D-930E-4DD3-AF73-99AD6D1E6131}" v="1" dt="2024-01-10T22:52:14.804"/>
   </p1510:revLst>
 </p1510:revInfo>
 </file>
@@ -1133,6 +1132,414 @@
             <ac:spMk id="7" creationId="{A37505B0-180D-473D-86F6-CD1AA1891B8D}"/>
           </ac:spMkLst>
         </pc:spChg>
+      </pc:sldChg>
+    </pc:docChg>
+  </pc:docChgLst>
+  <pc:docChgLst>
+    <pc:chgData name="Froduald Kabanza" userId="edf393d0-642b-4b9e-8c75-f62133241689" providerId="ADAL" clId="{2F2AC28D-930E-4DD3-AF73-99AD6D1E6131}"/>
+    <pc:docChg chg="undo custSel delSld modSld">
+      <pc:chgData name="Froduald Kabanza" userId="edf393d0-642b-4b9e-8c75-f62133241689" providerId="ADAL" clId="{2F2AC28D-930E-4DD3-AF73-99AD6D1E6131}" dt="2024-01-10T23:07:20.280" v="258" actId="729"/>
+      <pc:docMkLst>
+        <pc:docMk/>
+      </pc:docMkLst>
+      <pc:sldChg chg="modSp mod modShow modNotes">
+        <pc:chgData name="Froduald Kabanza" userId="edf393d0-642b-4b9e-8c75-f62133241689" providerId="ADAL" clId="{2F2AC28D-930E-4DD3-AF73-99AD6D1E6131}" dt="2024-01-10T23:01:53.012" v="253" actId="20577"/>
+        <pc:sldMkLst>
+          <pc:docMk/>
+          <pc:sldMk cId="0" sldId="584"/>
+        </pc:sldMkLst>
+        <pc:spChg chg="mod">
+          <ac:chgData name="Froduald Kabanza" userId="edf393d0-642b-4b9e-8c75-f62133241689" providerId="ADAL" clId="{2F2AC28D-930E-4DD3-AF73-99AD6D1E6131}" dt="2024-01-10T23:01:53.012" v="253" actId="20577"/>
+          <ac:spMkLst>
+            <pc:docMk/>
+            <pc:sldMk cId="0" sldId="584"/>
+            <ac:spMk id="5123" creationId="{00000000-0000-0000-0000-000000000000}"/>
+          </ac:spMkLst>
+        </pc:spChg>
+      </pc:sldChg>
+      <pc:sldChg chg="mod modShow">
+        <pc:chgData name="Froduald Kabanza" userId="edf393d0-642b-4b9e-8c75-f62133241689" providerId="ADAL" clId="{2F2AC28D-930E-4DD3-AF73-99AD6D1E6131}" dt="2024-01-10T23:00:03.418" v="250" actId="729"/>
+        <pc:sldMkLst>
+          <pc:docMk/>
+          <pc:sldMk cId="0" sldId="585"/>
+        </pc:sldMkLst>
+      </pc:sldChg>
+      <pc:sldChg chg="mod modShow">
+        <pc:chgData name="Froduald Kabanza" userId="edf393d0-642b-4b9e-8c75-f62133241689" providerId="ADAL" clId="{2F2AC28D-930E-4DD3-AF73-99AD6D1E6131}" dt="2024-01-10T23:06:23.966" v="255" actId="729"/>
+        <pc:sldMkLst>
+          <pc:docMk/>
+          <pc:sldMk cId="0" sldId="586"/>
+        </pc:sldMkLst>
+      </pc:sldChg>
+      <pc:sldChg chg="mod modShow">
+        <pc:chgData name="Froduald Kabanza" userId="edf393d0-642b-4b9e-8c75-f62133241689" providerId="ADAL" clId="{2F2AC28D-930E-4DD3-AF73-99AD6D1E6131}" dt="2024-01-10T23:06:30.372" v="256" actId="729"/>
+        <pc:sldMkLst>
+          <pc:docMk/>
+          <pc:sldMk cId="0" sldId="587"/>
+        </pc:sldMkLst>
+      </pc:sldChg>
+      <pc:sldChg chg="mod modShow">
+        <pc:chgData name="Froduald Kabanza" userId="edf393d0-642b-4b9e-8c75-f62133241689" providerId="ADAL" clId="{2F2AC28D-930E-4DD3-AF73-99AD6D1E6131}" dt="2024-01-10T23:06:30.372" v="256" actId="729"/>
+        <pc:sldMkLst>
+          <pc:docMk/>
+          <pc:sldMk cId="0" sldId="588"/>
+        </pc:sldMkLst>
+      </pc:sldChg>
+      <pc:sldChg chg="mod modShow">
+        <pc:chgData name="Froduald Kabanza" userId="edf393d0-642b-4b9e-8c75-f62133241689" providerId="ADAL" clId="{2F2AC28D-930E-4DD3-AF73-99AD6D1E6131}" dt="2024-01-10T23:06:30.372" v="256" actId="729"/>
+        <pc:sldMkLst>
+          <pc:docMk/>
+          <pc:sldMk cId="0" sldId="589"/>
+        </pc:sldMkLst>
+      </pc:sldChg>
+      <pc:sldChg chg="mod modShow">
+        <pc:chgData name="Froduald Kabanza" userId="edf393d0-642b-4b9e-8c75-f62133241689" providerId="ADAL" clId="{2F2AC28D-930E-4DD3-AF73-99AD6D1E6131}" dt="2024-01-10T23:06:30.372" v="256" actId="729"/>
+        <pc:sldMkLst>
+          <pc:docMk/>
+          <pc:sldMk cId="0" sldId="591"/>
+        </pc:sldMkLst>
+      </pc:sldChg>
+      <pc:sldChg chg="modSp mod modShow">
+        <pc:chgData name="Froduald Kabanza" userId="edf393d0-642b-4b9e-8c75-f62133241689" providerId="ADAL" clId="{2F2AC28D-930E-4DD3-AF73-99AD6D1E6131}" dt="2024-01-10T23:06:53.393" v="257" actId="729"/>
+        <pc:sldMkLst>
+          <pc:docMk/>
+          <pc:sldMk cId="0" sldId="592"/>
+        </pc:sldMkLst>
+        <pc:spChg chg="mod">
+          <ac:chgData name="Froduald Kabanza" userId="edf393d0-642b-4b9e-8c75-f62133241689" providerId="ADAL" clId="{2F2AC28D-930E-4DD3-AF73-99AD6D1E6131}" dt="2024-01-10T22:50:53.433" v="237" actId="20577"/>
+          <ac:spMkLst>
+            <pc:docMk/>
+            <pc:sldMk cId="0" sldId="592"/>
+            <ac:spMk id="14338" creationId="{00000000-0000-0000-0000-000000000000}"/>
+          </ac:spMkLst>
+        </pc:spChg>
+      </pc:sldChg>
+      <pc:sldChg chg="mod modShow">
+        <pc:chgData name="Froduald Kabanza" userId="edf393d0-642b-4b9e-8c75-f62133241689" providerId="ADAL" clId="{2F2AC28D-930E-4DD3-AF73-99AD6D1E6131}" dt="2024-01-10T23:00:03.418" v="250" actId="729"/>
+        <pc:sldMkLst>
+          <pc:docMk/>
+          <pc:sldMk cId="0" sldId="593"/>
+        </pc:sldMkLst>
+      </pc:sldChg>
+      <pc:sldChg chg="modSp mod modShow">
+        <pc:chgData name="Froduald Kabanza" userId="edf393d0-642b-4b9e-8c75-f62133241689" providerId="ADAL" clId="{2F2AC28D-930E-4DD3-AF73-99AD6D1E6131}" dt="2024-01-10T23:00:03.418" v="250" actId="729"/>
+        <pc:sldMkLst>
+          <pc:docMk/>
+          <pc:sldMk cId="0" sldId="597"/>
+        </pc:sldMkLst>
+        <pc:spChg chg="mod">
+          <ac:chgData name="Froduald Kabanza" userId="edf393d0-642b-4b9e-8c75-f62133241689" providerId="ADAL" clId="{2F2AC28D-930E-4DD3-AF73-99AD6D1E6131}" dt="2024-01-10T22:51:33.511" v="240" actId="20577"/>
+          <ac:spMkLst>
+            <pc:docMk/>
+            <pc:sldMk cId="0" sldId="597"/>
+            <ac:spMk id="17410" creationId="{00000000-0000-0000-0000-000000000000}"/>
+          </ac:spMkLst>
+        </pc:spChg>
+      </pc:sldChg>
+      <pc:sldChg chg="mod modShow">
+        <pc:chgData name="Froduald Kabanza" userId="edf393d0-642b-4b9e-8c75-f62133241689" providerId="ADAL" clId="{2F2AC28D-930E-4DD3-AF73-99AD6D1E6131}" dt="2024-01-10T23:00:03.418" v="250" actId="729"/>
+        <pc:sldMkLst>
+          <pc:docMk/>
+          <pc:sldMk cId="0" sldId="600"/>
+        </pc:sldMkLst>
+      </pc:sldChg>
+      <pc:sldChg chg="mod modShow">
+        <pc:chgData name="Froduald Kabanza" userId="edf393d0-642b-4b9e-8c75-f62133241689" providerId="ADAL" clId="{2F2AC28D-930E-4DD3-AF73-99AD6D1E6131}" dt="2024-01-10T23:00:03.418" v="250" actId="729"/>
+        <pc:sldMkLst>
+          <pc:docMk/>
+          <pc:sldMk cId="0" sldId="601"/>
+        </pc:sldMkLst>
+      </pc:sldChg>
+      <pc:sldChg chg="mod modShow">
+        <pc:chgData name="Froduald Kabanza" userId="edf393d0-642b-4b9e-8c75-f62133241689" providerId="ADAL" clId="{2F2AC28D-930E-4DD3-AF73-99AD6D1E6131}" dt="2024-01-10T23:00:03.418" v="250" actId="729"/>
+        <pc:sldMkLst>
+          <pc:docMk/>
+          <pc:sldMk cId="0" sldId="602"/>
+        </pc:sldMkLst>
+      </pc:sldChg>
+      <pc:sldChg chg="mod modShow">
+        <pc:chgData name="Froduald Kabanza" userId="edf393d0-642b-4b9e-8c75-f62133241689" providerId="ADAL" clId="{2F2AC28D-930E-4DD3-AF73-99AD6D1E6131}" dt="2024-01-10T23:00:03.418" v="250" actId="729"/>
+        <pc:sldMkLst>
+          <pc:docMk/>
+          <pc:sldMk cId="0" sldId="603"/>
+        </pc:sldMkLst>
+      </pc:sldChg>
+      <pc:sldChg chg="mod modShow">
+        <pc:chgData name="Froduald Kabanza" userId="edf393d0-642b-4b9e-8c75-f62133241689" providerId="ADAL" clId="{2F2AC28D-930E-4DD3-AF73-99AD6D1E6131}" dt="2024-01-10T23:00:03.418" v="250" actId="729"/>
+        <pc:sldMkLst>
+          <pc:docMk/>
+          <pc:sldMk cId="0" sldId="604"/>
+        </pc:sldMkLst>
+      </pc:sldChg>
+      <pc:sldChg chg="mod modShow">
+        <pc:chgData name="Froduald Kabanza" userId="edf393d0-642b-4b9e-8c75-f62133241689" providerId="ADAL" clId="{2F2AC28D-930E-4DD3-AF73-99AD6D1E6131}" dt="2024-01-10T23:00:03.418" v="250" actId="729"/>
+        <pc:sldMkLst>
+          <pc:docMk/>
+          <pc:sldMk cId="0" sldId="605"/>
+        </pc:sldMkLst>
+      </pc:sldChg>
+      <pc:sldChg chg="mod modShow">
+        <pc:chgData name="Froduald Kabanza" userId="edf393d0-642b-4b9e-8c75-f62133241689" providerId="ADAL" clId="{2F2AC28D-930E-4DD3-AF73-99AD6D1E6131}" dt="2024-01-10T23:00:03.418" v="250" actId="729"/>
+        <pc:sldMkLst>
+          <pc:docMk/>
+          <pc:sldMk cId="0" sldId="607"/>
+        </pc:sldMkLst>
+      </pc:sldChg>
+      <pc:sldChg chg="mod modShow">
+        <pc:chgData name="Froduald Kabanza" userId="edf393d0-642b-4b9e-8c75-f62133241689" providerId="ADAL" clId="{2F2AC28D-930E-4DD3-AF73-99AD6D1E6131}" dt="2024-01-10T23:00:03.418" v="250" actId="729"/>
+        <pc:sldMkLst>
+          <pc:docMk/>
+          <pc:sldMk cId="0" sldId="608"/>
+        </pc:sldMkLst>
+      </pc:sldChg>
+      <pc:sldChg chg="mod modShow">
+        <pc:chgData name="Froduald Kabanza" userId="edf393d0-642b-4b9e-8c75-f62133241689" providerId="ADAL" clId="{2F2AC28D-930E-4DD3-AF73-99AD6D1E6131}" dt="2024-01-10T23:00:03.418" v="250" actId="729"/>
+        <pc:sldMkLst>
+          <pc:docMk/>
+          <pc:sldMk cId="0" sldId="609"/>
+        </pc:sldMkLst>
+      </pc:sldChg>
+      <pc:sldChg chg="mod modShow">
+        <pc:chgData name="Froduald Kabanza" userId="edf393d0-642b-4b9e-8c75-f62133241689" providerId="ADAL" clId="{2F2AC28D-930E-4DD3-AF73-99AD6D1E6131}" dt="2024-01-10T23:00:03.418" v="250" actId="729"/>
+        <pc:sldMkLst>
+          <pc:docMk/>
+          <pc:sldMk cId="0" sldId="610"/>
+        </pc:sldMkLst>
+      </pc:sldChg>
+      <pc:sldChg chg="mod modShow">
+        <pc:chgData name="Froduald Kabanza" userId="edf393d0-642b-4b9e-8c75-f62133241689" providerId="ADAL" clId="{2F2AC28D-930E-4DD3-AF73-99AD6D1E6131}" dt="2024-01-10T23:00:03.418" v="250" actId="729"/>
+        <pc:sldMkLst>
+          <pc:docMk/>
+          <pc:sldMk cId="0" sldId="611"/>
+        </pc:sldMkLst>
+      </pc:sldChg>
+      <pc:sldChg chg="mod modShow">
+        <pc:chgData name="Froduald Kabanza" userId="edf393d0-642b-4b9e-8c75-f62133241689" providerId="ADAL" clId="{2F2AC28D-930E-4DD3-AF73-99AD6D1E6131}" dt="2024-01-10T23:00:03.418" v="250" actId="729"/>
+        <pc:sldMkLst>
+          <pc:docMk/>
+          <pc:sldMk cId="0" sldId="612"/>
+        </pc:sldMkLst>
+      </pc:sldChg>
+      <pc:sldChg chg="mod modShow">
+        <pc:chgData name="Froduald Kabanza" userId="edf393d0-642b-4b9e-8c75-f62133241689" providerId="ADAL" clId="{2F2AC28D-930E-4DD3-AF73-99AD6D1E6131}" dt="2024-01-10T23:00:03.418" v="250" actId="729"/>
+        <pc:sldMkLst>
+          <pc:docMk/>
+          <pc:sldMk cId="0" sldId="614"/>
+        </pc:sldMkLst>
+      </pc:sldChg>
+      <pc:sldChg chg="mod modShow">
+        <pc:chgData name="Froduald Kabanza" userId="edf393d0-642b-4b9e-8c75-f62133241689" providerId="ADAL" clId="{2F2AC28D-930E-4DD3-AF73-99AD6D1E6131}" dt="2024-01-10T23:00:03.418" v="250" actId="729"/>
+        <pc:sldMkLst>
+          <pc:docMk/>
+          <pc:sldMk cId="0" sldId="615"/>
+        </pc:sldMkLst>
+      </pc:sldChg>
+      <pc:sldChg chg="mod modShow">
+        <pc:chgData name="Froduald Kabanza" userId="edf393d0-642b-4b9e-8c75-f62133241689" providerId="ADAL" clId="{2F2AC28D-930E-4DD3-AF73-99AD6D1E6131}" dt="2024-01-10T23:00:03.418" v="250" actId="729"/>
+        <pc:sldMkLst>
+          <pc:docMk/>
+          <pc:sldMk cId="0" sldId="616"/>
+        </pc:sldMkLst>
+      </pc:sldChg>
+      <pc:sldChg chg="mod modShow">
+        <pc:chgData name="Froduald Kabanza" userId="edf393d0-642b-4b9e-8c75-f62133241689" providerId="ADAL" clId="{2F2AC28D-930E-4DD3-AF73-99AD6D1E6131}" dt="2024-01-10T23:06:30.372" v="256" actId="729"/>
+        <pc:sldMkLst>
+          <pc:docMk/>
+          <pc:sldMk cId="0" sldId="618"/>
+        </pc:sldMkLst>
+      </pc:sldChg>
+      <pc:sldChg chg="mod modShow">
+        <pc:chgData name="Froduald Kabanza" userId="edf393d0-642b-4b9e-8c75-f62133241689" providerId="ADAL" clId="{2F2AC28D-930E-4DD3-AF73-99AD6D1E6131}" dt="2024-01-10T23:00:03.418" v="250" actId="729"/>
+        <pc:sldMkLst>
+          <pc:docMk/>
+          <pc:sldMk cId="0" sldId="625"/>
+        </pc:sldMkLst>
+      </pc:sldChg>
+      <pc:sldChg chg="modSp mod modShow">
+        <pc:chgData name="Froduald Kabanza" userId="edf393d0-642b-4b9e-8c75-f62133241689" providerId="ADAL" clId="{2F2AC28D-930E-4DD3-AF73-99AD6D1E6131}" dt="2024-01-10T23:00:03.418" v="250" actId="729"/>
+        <pc:sldMkLst>
+          <pc:docMk/>
+          <pc:sldMk cId="0" sldId="627"/>
+        </pc:sldMkLst>
+        <pc:spChg chg="mod">
+          <ac:chgData name="Froduald Kabanza" userId="edf393d0-642b-4b9e-8c75-f62133241689" providerId="ADAL" clId="{2F2AC28D-930E-4DD3-AF73-99AD6D1E6131}" dt="2024-01-10T22:59:50.130" v="248" actId="20577"/>
+          <ac:spMkLst>
+            <pc:docMk/>
+            <pc:sldMk cId="0" sldId="627"/>
+            <ac:spMk id="114690" creationId="{00000000-0000-0000-0000-000000000000}"/>
+          </ac:spMkLst>
+        </pc:spChg>
+      </pc:sldChg>
+      <pc:sldChg chg="modSp mod modShow">
+        <pc:chgData name="Froduald Kabanza" userId="edf393d0-642b-4b9e-8c75-f62133241689" providerId="ADAL" clId="{2F2AC28D-930E-4DD3-AF73-99AD6D1E6131}" dt="2024-01-10T23:00:03.418" v="250" actId="729"/>
+        <pc:sldMkLst>
+          <pc:docMk/>
+          <pc:sldMk cId="0" sldId="628"/>
+        </pc:sldMkLst>
+        <pc:spChg chg="mod">
+          <ac:chgData name="Froduald Kabanza" userId="edf393d0-642b-4b9e-8c75-f62133241689" providerId="ADAL" clId="{2F2AC28D-930E-4DD3-AF73-99AD6D1E6131}" dt="2024-01-10T22:42:26.134" v="71" actId="20577"/>
+          <ac:spMkLst>
+            <pc:docMk/>
+            <pc:sldMk cId="0" sldId="628"/>
+            <ac:spMk id="45059" creationId="{00000000-0000-0000-0000-000000000000}"/>
+          </ac:spMkLst>
+        </pc:spChg>
+      </pc:sldChg>
+      <pc:sldChg chg="modSp mod modShow">
+        <pc:chgData name="Froduald Kabanza" userId="edf393d0-642b-4b9e-8c75-f62133241689" providerId="ADAL" clId="{2F2AC28D-930E-4DD3-AF73-99AD6D1E6131}" dt="2024-01-10T23:07:20.280" v="258" actId="729"/>
+        <pc:sldMkLst>
+          <pc:docMk/>
+          <pc:sldMk cId="0" sldId="629"/>
+        </pc:sldMkLst>
+        <pc:spChg chg="mod">
+          <ac:chgData name="Froduald Kabanza" userId="edf393d0-642b-4b9e-8c75-f62133241689" providerId="ADAL" clId="{2F2AC28D-930E-4DD3-AF73-99AD6D1E6131}" dt="2024-01-10T22:52:14.804" v="241"/>
+          <ac:spMkLst>
+            <pc:docMk/>
+            <pc:sldMk cId="0" sldId="629"/>
+            <ac:spMk id="18434" creationId="{00000000-0000-0000-0000-000000000000}"/>
+          </ac:spMkLst>
+        </pc:spChg>
+      </pc:sldChg>
+      <pc:sldChg chg="modSp mod modShow">
+        <pc:chgData name="Froduald Kabanza" userId="edf393d0-642b-4b9e-8c75-f62133241689" providerId="ADAL" clId="{2F2AC28D-930E-4DD3-AF73-99AD6D1E6131}" dt="2024-01-10T23:07:20.280" v="258" actId="729"/>
+        <pc:sldMkLst>
+          <pc:docMk/>
+          <pc:sldMk cId="0" sldId="630"/>
+        </pc:sldMkLst>
+        <pc:spChg chg="mod">
+          <ac:chgData name="Froduald Kabanza" userId="edf393d0-642b-4b9e-8c75-f62133241689" providerId="ADAL" clId="{2F2AC28D-930E-4DD3-AF73-99AD6D1E6131}" dt="2024-01-10T22:52:14.804" v="241"/>
+          <ac:spMkLst>
+            <pc:docMk/>
+            <pc:sldMk cId="0" sldId="630"/>
+            <ac:spMk id="19458" creationId="{00000000-0000-0000-0000-000000000000}"/>
+          </ac:spMkLst>
+        </pc:spChg>
+      </pc:sldChg>
+      <pc:sldChg chg="modSp mod modShow modNotes">
+        <pc:chgData name="Froduald Kabanza" userId="edf393d0-642b-4b9e-8c75-f62133241689" providerId="ADAL" clId="{2F2AC28D-930E-4DD3-AF73-99AD6D1E6131}" dt="2024-01-10T23:07:20.280" v="258" actId="729"/>
+        <pc:sldMkLst>
+          <pc:docMk/>
+          <pc:sldMk cId="0" sldId="631"/>
+        </pc:sldMkLst>
+        <pc:spChg chg="mod">
+          <ac:chgData name="Froduald Kabanza" userId="edf393d0-642b-4b9e-8c75-f62133241689" providerId="ADAL" clId="{2F2AC28D-930E-4DD3-AF73-99AD6D1E6131}" dt="2024-01-10T22:52:14.804" v="241"/>
+          <ac:spMkLst>
+            <pc:docMk/>
+            <pc:sldMk cId="0" sldId="631"/>
+            <ac:spMk id="20482" creationId="{00000000-0000-0000-0000-000000000000}"/>
+          </ac:spMkLst>
+        </pc:spChg>
+      </pc:sldChg>
+      <pc:sldChg chg="modSp mod modShow">
+        <pc:chgData name="Froduald Kabanza" userId="edf393d0-642b-4b9e-8c75-f62133241689" providerId="ADAL" clId="{2F2AC28D-930E-4DD3-AF73-99AD6D1E6131}" dt="2024-01-10T23:07:20.280" v="258" actId="729"/>
+        <pc:sldMkLst>
+          <pc:docMk/>
+          <pc:sldMk cId="0" sldId="632"/>
+        </pc:sldMkLst>
+        <pc:spChg chg="mod">
+          <ac:chgData name="Froduald Kabanza" userId="edf393d0-642b-4b9e-8c75-f62133241689" providerId="ADAL" clId="{2F2AC28D-930E-4DD3-AF73-99AD6D1E6131}" dt="2024-01-10T22:52:14.804" v="241"/>
+          <ac:spMkLst>
+            <pc:docMk/>
+            <pc:sldMk cId="0" sldId="632"/>
+            <ac:spMk id="21506" creationId="{00000000-0000-0000-0000-000000000000}"/>
+          </ac:spMkLst>
+        </pc:spChg>
+      </pc:sldChg>
+      <pc:sldChg chg="modSp mod modShow">
+        <pc:chgData name="Froduald Kabanza" userId="edf393d0-642b-4b9e-8c75-f62133241689" providerId="ADAL" clId="{2F2AC28D-930E-4DD3-AF73-99AD6D1E6131}" dt="2024-01-10T23:07:20.280" v="258" actId="729"/>
+        <pc:sldMkLst>
+          <pc:docMk/>
+          <pc:sldMk cId="0" sldId="633"/>
+        </pc:sldMkLst>
+        <pc:spChg chg="mod">
+          <ac:chgData name="Froduald Kabanza" userId="edf393d0-642b-4b9e-8c75-f62133241689" providerId="ADAL" clId="{2F2AC28D-930E-4DD3-AF73-99AD6D1E6131}" dt="2024-01-10T22:52:14.804" v="241"/>
+          <ac:spMkLst>
+            <pc:docMk/>
+            <pc:sldMk cId="0" sldId="633"/>
+            <ac:spMk id="22530" creationId="{00000000-0000-0000-0000-000000000000}"/>
+          </ac:spMkLst>
+        </pc:spChg>
+      </pc:sldChg>
+      <pc:sldChg chg="modSp mod modShow">
+        <pc:chgData name="Froduald Kabanza" userId="edf393d0-642b-4b9e-8c75-f62133241689" providerId="ADAL" clId="{2F2AC28D-930E-4DD3-AF73-99AD6D1E6131}" dt="2024-01-10T23:07:20.280" v="258" actId="729"/>
+        <pc:sldMkLst>
+          <pc:docMk/>
+          <pc:sldMk cId="0" sldId="634"/>
+        </pc:sldMkLst>
+        <pc:spChg chg="mod">
+          <ac:chgData name="Froduald Kabanza" userId="edf393d0-642b-4b9e-8c75-f62133241689" providerId="ADAL" clId="{2F2AC28D-930E-4DD3-AF73-99AD6D1E6131}" dt="2024-01-10T22:52:14.804" v="241"/>
+          <ac:spMkLst>
+            <pc:docMk/>
+            <pc:sldMk cId="0" sldId="634"/>
+            <ac:spMk id="23554" creationId="{00000000-0000-0000-0000-000000000000}"/>
+          </ac:spMkLst>
+        </pc:spChg>
+      </pc:sldChg>
+      <pc:sldChg chg="mod modShow">
+        <pc:chgData name="Froduald Kabanza" userId="edf393d0-642b-4b9e-8c75-f62133241689" providerId="ADAL" clId="{2F2AC28D-930E-4DD3-AF73-99AD6D1E6131}" dt="2024-01-10T23:00:03.418" v="250" actId="729"/>
+        <pc:sldMkLst>
+          <pc:docMk/>
+          <pc:sldMk cId="0" sldId="635"/>
+        </pc:sldMkLst>
+      </pc:sldChg>
+      <pc:sldChg chg="modSp mod modShow">
+        <pc:chgData name="Froduald Kabanza" userId="edf393d0-642b-4b9e-8c75-f62133241689" providerId="ADAL" clId="{2F2AC28D-930E-4DD3-AF73-99AD6D1E6131}" dt="2024-01-10T23:07:20.280" v="258" actId="729"/>
+        <pc:sldMkLst>
+          <pc:docMk/>
+          <pc:sldMk cId="0" sldId="636"/>
+        </pc:sldMkLst>
+        <pc:spChg chg="mod">
+          <ac:chgData name="Froduald Kabanza" userId="edf393d0-642b-4b9e-8c75-f62133241689" providerId="ADAL" clId="{2F2AC28D-930E-4DD3-AF73-99AD6D1E6131}" dt="2024-01-10T22:52:14.804" v="241"/>
+          <ac:spMkLst>
+            <pc:docMk/>
+            <pc:sldMk cId="0" sldId="636"/>
+            <ac:spMk id="24578" creationId="{00000000-0000-0000-0000-000000000000}"/>
+          </ac:spMkLst>
+        </pc:spChg>
+        <pc:spChg chg="mod">
+          <ac:chgData name="Froduald Kabanza" userId="edf393d0-642b-4b9e-8c75-f62133241689" providerId="ADAL" clId="{2F2AC28D-930E-4DD3-AF73-99AD6D1E6131}" dt="2024-01-10T22:52:14.804" v="241"/>
+          <ac:spMkLst>
+            <pc:docMk/>
+            <pc:sldMk cId="0" sldId="636"/>
+            <ac:spMk id="86018" creationId="{00000000-0000-0000-0000-000000000000}"/>
+          </ac:spMkLst>
+        </pc:spChg>
+      </pc:sldChg>
+      <pc:sldChg chg="mod modShow">
+        <pc:chgData name="Froduald Kabanza" userId="edf393d0-642b-4b9e-8c75-f62133241689" providerId="ADAL" clId="{2F2AC28D-930E-4DD3-AF73-99AD6D1E6131}" dt="2024-01-10T23:00:03.418" v="250" actId="729"/>
+        <pc:sldMkLst>
+          <pc:docMk/>
+          <pc:sldMk cId="0" sldId="637"/>
+        </pc:sldMkLst>
+      </pc:sldChg>
+      <pc:sldChg chg="mod modShow">
+        <pc:chgData name="Froduald Kabanza" userId="edf393d0-642b-4b9e-8c75-f62133241689" providerId="ADAL" clId="{2F2AC28D-930E-4DD3-AF73-99AD6D1E6131}" dt="2024-01-10T23:00:03.418" v="250" actId="729"/>
+        <pc:sldMkLst>
+          <pc:docMk/>
+          <pc:sldMk cId="493503005" sldId="638"/>
+        </pc:sldMkLst>
+      </pc:sldChg>
+      <pc:sldChg chg="modSp mod modShow">
+        <pc:chgData name="Froduald Kabanza" userId="edf393d0-642b-4b9e-8c75-f62133241689" providerId="ADAL" clId="{2F2AC28D-930E-4DD3-AF73-99AD6D1E6131}" dt="2024-01-10T23:00:03.418" v="250" actId="729"/>
+        <pc:sldMkLst>
+          <pc:docMk/>
+          <pc:sldMk cId="2769775885" sldId="640"/>
+        </pc:sldMkLst>
+        <pc:spChg chg="mod">
+          <ac:chgData name="Froduald Kabanza" userId="edf393d0-642b-4b9e-8c75-f62133241689" providerId="ADAL" clId="{2F2AC28D-930E-4DD3-AF73-99AD6D1E6131}" dt="2024-01-10T22:52:14.804" v="241"/>
+          <ac:spMkLst>
+            <pc:docMk/>
+            <pc:sldMk cId="2769775885" sldId="640"/>
+            <ac:spMk id="41987" creationId="{00000000-0000-0000-0000-000000000000}"/>
+          </ac:spMkLst>
+        </pc:spChg>
+      </pc:sldChg>
+      <pc:sldChg chg="del mod modShow">
+        <pc:chgData name="Froduald Kabanza" userId="edf393d0-642b-4b9e-8c75-f62133241689" providerId="ADAL" clId="{2F2AC28D-930E-4DD3-AF73-99AD6D1E6131}" dt="2024-01-10T22:52:43.546" v="242" actId="2696"/>
+        <pc:sldMkLst>
+          <pc:docMk/>
+          <pc:sldMk cId="2928516051" sldId="641"/>
+        </pc:sldMkLst>
       </pc:sldChg>
     </pc:docChg>
   </pc:docChgLst>
@@ -3384,71 +3791,57 @@
           <a:lstStyle/>
           <a:p>
             <a:r>
-              <a:rPr lang="fr-CA" altLang="en-US">
+              <a:rPr lang="fr-CA" altLang="en-US" dirty="0">
                 <a:latin typeface="Arial" pitchFamily="34" charset="0"/>
                 <a:ea typeface="ＭＳ Ｐゴシック" pitchFamily="34" charset="-128"/>
               </a:rPr>
-              <a:t>Exemple d</a:t>
-            </a:r>
-            <a:r>
-              <a:rPr lang="fr-CA" altLang="fr-FR">
+              <a:t>Exemple d’un environnement épisodiques</a:t>
+            </a:r>
+            <a:r>
+              <a:rPr lang="fr-FR" altLang="en-US" dirty="0">
                 <a:latin typeface="Arial" pitchFamily="34" charset="0"/>
                 <a:ea typeface="ＭＳ Ｐゴシック" pitchFamily="34" charset="-128"/>
               </a:rPr>
+              <a:t> :</a:t>
+            </a:r>
+            <a:r>
+              <a:rPr lang="fr-CA" altLang="en-US" dirty="0">
+                <a:latin typeface="Arial" pitchFamily="34" charset="0"/>
+                <a:ea typeface="ＭＳ Ｐゴシック" pitchFamily="34" charset="-128"/>
+              </a:rPr>
+              <a:t> analyse d</a:t>
+            </a:r>
+            <a:r>
+              <a:rPr lang="fr-CA" altLang="fr-FR" dirty="0">
+                <a:latin typeface="Arial" pitchFamily="34" charset="0"/>
+                <a:ea typeface="ＭＳ Ｐゴシック" pitchFamily="34" charset="-128"/>
+              </a:rPr>
               <a:t>’</a:t>
             </a:r>
             <a:r>
-              <a:rPr lang="fr-CA" altLang="en-US">
+              <a:rPr lang="fr-CA" altLang="en-US" dirty="0">
                 <a:latin typeface="Arial" pitchFamily="34" charset="0"/>
                 <a:ea typeface="ＭＳ Ｐゴシック" pitchFamily="34" charset="-128"/>
               </a:rPr>
-              <a:t>environnement épisodiques</a:t>
-            </a:r>
-            <a:r>
-              <a:rPr lang="fr-FR" altLang="en-US">
+              <a:t>images pour un robot qui prend des pièces d</a:t>
+            </a:r>
+            <a:r>
+              <a:rPr lang="fr-CA" altLang="fr-FR" dirty="0">
                 <a:latin typeface="Arial" pitchFamily="34" charset="0"/>
                 <a:ea typeface="ＭＳ Ｐゴシック" pitchFamily="34" charset="-128"/>
               </a:rPr>
-              <a:t> :</a:t>
-            </a:r>
-            <a:r>
-              <a:rPr lang="fr-CA" altLang="en-US">
+              <a:t>’</a:t>
+            </a:r>
+            <a:r>
+              <a:rPr lang="fr-CA" altLang="en-US" dirty="0">
                 <a:latin typeface="Arial" pitchFamily="34" charset="0"/>
                 <a:ea typeface="ＭＳ Ｐゴシック" pitchFamily="34" charset="-128"/>
               </a:rPr>
-              <a:t> analyse d</a:t>
-            </a:r>
-            <a:r>
-              <a:rPr lang="fr-CA" altLang="fr-FR">
-                <a:latin typeface="Arial" pitchFamily="34" charset="0"/>
-                <a:ea typeface="ＭＳ Ｐゴシック" pitchFamily="34" charset="-128"/>
-              </a:rPr>
-              <a:t>’</a:t>
-            </a:r>
-            <a:r>
-              <a:rPr lang="fr-CA" altLang="en-US">
-                <a:latin typeface="Arial" pitchFamily="34" charset="0"/>
-                <a:ea typeface="ＭＳ Ｐゴシック" pitchFamily="34" charset="-128"/>
-              </a:rPr>
-              <a:t>images pour un robot qui prend des pièces d</a:t>
-            </a:r>
-            <a:r>
-              <a:rPr lang="fr-CA" altLang="fr-FR">
-                <a:latin typeface="Arial" pitchFamily="34" charset="0"/>
-                <a:ea typeface="ＭＳ Ｐゴシック" pitchFamily="34" charset="-128"/>
-              </a:rPr>
-              <a:t>’</a:t>
-            </a:r>
-            <a:r>
-              <a:rPr lang="fr-CA" altLang="en-US">
-                <a:latin typeface="Arial" pitchFamily="34" charset="0"/>
-                <a:ea typeface="ＭＳ Ｐゴシック" pitchFamily="34" charset="-128"/>
-              </a:rPr>
               <a:t>un convoi et les mets ailleurs ou qui analyse la qualité des pièces usinées.</a:t>
             </a:r>
           </a:p>
           <a:p>
-            <a:endParaRPr lang="fr-CA" altLang="en-US">
+            <a:endParaRPr lang="fr-CA" altLang="en-US" dirty="0">
               <a:latin typeface="Arial" pitchFamily="34" charset="0"/>
               <a:ea typeface="ＭＳ Ｐゴシック" pitchFamily="34" charset="-128"/>
             </a:endParaRPr>
@@ -3831,14 +4224,14 @@
           <a:lstStyle/>
           <a:p>
             <a:r>
-              <a:rPr lang="fr-CA" altLang="en-US" b="1">
+              <a:rPr lang="fr-CA" altLang="en-US" b="1" dirty="0">
                 <a:latin typeface="Arial" pitchFamily="34" charset="0"/>
                 <a:ea typeface="ＭＳ Ｐゴシック" pitchFamily="34" charset="-128"/>
               </a:rPr>
               <a:t>Agents intelligents</a:t>
             </a:r>
             <a:r>
-              <a:rPr lang="fr-CA" altLang="en-US">
+              <a:rPr lang="fr-CA" altLang="en-US" dirty="0">
                 <a:latin typeface="Arial" pitchFamily="34" charset="0"/>
                 <a:ea typeface="ＭＳ Ｐゴシック" pitchFamily="34" charset="-128"/>
               </a:rPr>
@@ -3847,7 +4240,7 @@
           </a:p>
           <a:p>
             <a:r>
-              <a:rPr lang="fr-CA" altLang="en-US">
+              <a:rPr lang="fr-CA" altLang="en-US" dirty="0">
                 <a:latin typeface="Arial" pitchFamily="34" charset="0"/>
                 <a:ea typeface="ＭＳ Ｐゴシック" pitchFamily="34" charset="-128"/>
               </a:rPr>
@@ -3855,14 +4248,14 @@
             </a:r>
           </a:p>
           <a:p>
-            <a:endParaRPr lang="fr-CA" altLang="en-US">
+            <a:endParaRPr lang="fr-CA" altLang="en-US" dirty="0">
               <a:latin typeface="Arial" pitchFamily="34" charset="0"/>
               <a:ea typeface="ＭＳ Ｐゴシック" pitchFamily="34" charset="-128"/>
             </a:endParaRPr>
           </a:p>
           <a:p>
             <a:r>
-              <a:rPr lang="fr-CA" altLang="en-US" b="1">
+              <a:rPr lang="fr-CA" altLang="en-US" b="1" dirty="0">
                 <a:latin typeface="Arial" pitchFamily="34" charset="0"/>
                 <a:ea typeface="ＭＳ Ｐゴシック" pitchFamily="34" charset="-128"/>
               </a:rPr>
@@ -3871,7 +4264,7 @@
           </a:p>
           <a:p>
             <a:r>
-              <a:rPr lang="fr-CA" altLang="en-US">
+              <a:rPr lang="fr-CA" altLang="en-US" dirty="0">
                 <a:latin typeface="Arial" pitchFamily="34" charset="0"/>
                 <a:ea typeface="ＭＳ Ｐゴシック" pitchFamily="34" charset="-128"/>
               </a:rPr>
@@ -3879,14 +4272,14 @@
             </a:r>
           </a:p>
           <a:p>
-            <a:endParaRPr lang="fr-CA" altLang="en-US">
+            <a:endParaRPr lang="fr-CA" altLang="en-US" dirty="0">
               <a:latin typeface="Arial" pitchFamily="34" charset="0"/>
               <a:ea typeface="ＭＳ Ｐゴシック" pitchFamily="34" charset="-128"/>
             </a:endParaRPr>
           </a:p>
           <a:p>
             <a:r>
-              <a:rPr lang="fr-CA" altLang="en-US" b="1">
+              <a:rPr lang="fr-CA" altLang="en-US" b="1" dirty="0">
                 <a:latin typeface="Arial" pitchFamily="34" charset="0"/>
                 <a:ea typeface="ＭＳ Ｐゴシック" pitchFamily="34" charset="-128"/>
               </a:rPr>
@@ -3895,7 +4288,7 @@
           </a:p>
           <a:p>
             <a:r>
-              <a:rPr lang="fr-CA" altLang="en-US">
+              <a:rPr lang="fr-CA" altLang="en-US" dirty="0">
                 <a:latin typeface="Arial" pitchFamily="34" charset="0"/>
                 <a:ea typeface="ＭＳ Ｐゴシック" pitchFamily="34" charset="-128"/>
               </a:rPr>
@@ -3903,38 +4296,38 @@
             </a:r>
           </a:p>
           <a:p>
-            <a:endParaRPr lang="fr-CA" altLang="en-US" b="1">
+            <a:endParaRPr lang="fr-CA" altLang="en-US" b="1" dirty="0">
               <a:latin typeface="Arial" pitchFamily="34" charset="0"/>
               <a:ea typeface="ＭＳ Ｐゴシック" pitchFamily="34" charset="-128"/>
             </a:endParaRPr>
           </a:p>
           <a:p>
             <a:r>
-              <a:rPr lang="fr-CA" altLang="en-US" b="1">
+              <a:rPr lang="fr-CA" altLang="en-US" b="1" dirty="0">
                 <a:latin typeface="Arial" pitchFamily="34" charset="0"/>
                 <a:ea typeface="ＭＳ Ｐゴシック" pitchFamily="34" charset="-128"/>
               </a:rPr>
-              <a:t>Types d’environnements:</a:t>
-            </a:r>
-          </a:p>
-          <a:p>
-            <a:r>
-              <a:rPr lang="fr-CA" altLang="en-US">
+              <a:t>Types d’un environnements:</a:t>
+            </a:r>
+          </a:p>
+          <a:p>
+            <a:r>
+              <a:rPr lang="fr-CA" altLang="en-US" dirty="0">
                 <a:latin typeface="Arial" pitchFamily="34" charset="0"/>
                 <a:ea typeface="ＭＳ Ｐゴシック" pitchFamily="34" charset="-128"/>
               </a:rPr>
-              <a:t>Le façon dont un agent se comporte dépend de la nature de son environnement. Certains environnements sont plus difficiles que d’autres. Nous allons voir différents types d’environnements selon des propriétés assez générales qui les caractérisent.</a:t>
-            </a:r>
-          </a:p>
-          <a:p>
-            <a:endParaRPr lang="fr-CA" altLang="en-US">
+              <a:t>Le façon dont un agent se comporte dépend de la nature de son environnement. Certains environnements sont plus difficiles que d’autres. Nous allons voir différents types d’un environnements selon des propriétés assez générales qui les caractérisent.</a:t>
+            </a:r>
+          </a:p>
+          <a:p>
+            <a:endParaRPr lang="fr-CA" altLang="en-US" dirty="0">
               <a:latin typeface="Arial" pitchFamily="34" charset="0"/>
               <a:ea typeface="ＭＳ Ｐゴシック" pitchFamily="34" charset="-128"/>
             </a:endParaRPr>
           </a:p>
           <a:p>
             <a:r>
-              <a:rPr lang="fr-CA" altLang="en-US" b="1">
+              <a:rPr lang="fr-CA" altLang="en-US" b="1" dirty="0">
                 <a:latin typeface="Arial" pitchFamily="34" charset="0"/>
                 <a:ea typeface="ＭＳ Ｐゴシック" pitchFamily="34" charset="-128"/>
               </a:rPr>
@@ -3943,7 +4336,7 @@
           </a:p>
           <a:p>
             <a:r>
-              <a:rPr lang="fr-CA" altLang="en-US">
+              <a:rPr lang="fr-CA" altLang="en-US" dirty="0">
                 <a:latin typeface="Arial" pitchFamily="34" charset="0"/>
                 <a:ea typeface="ＭＳ Ｐゴシック" pitchFamily="34" charset="-128"/>
               </a:rPr>
@@ -3951,41 +4344,41 @@
             </a:r>
           </a:p>
           <a:p>
-            <a:endParaRPr lang="fr-CA" altLang="en-US">
+            <a:endParaRPr lang="fr-CA" altLang="en-US" dirty="0">
               <a:latin typeface="Arial" pitchFamily="34" charset="0"/>
               <a:ea typeface="ＭＳ Ｐゴシック" pitchFamily="34" charset="-128"/>
             </a:endParaRPr>
           </a:p>
           <a:p>
             <a:r>
-              <a:rPr lang="fr-CA" altLang="ko-KR" b="1">
+              <a:rPr lang="fr-CA" altLang="ko-KR" b="1" dirty="0">
                 <a:latin typeface="Arial" pitchFamily="34" charset="0"/>
                 <a:ea typeface="Gulim" pitchFamily="34" charset="-127"/>
               </a:rPr>
               <a:t>Exemple:</a:t>
             </a:r>
-            <a:endParaRPr lang="fr-CA" altLang="en-US" b="1">
+            <a:endParaRPr lang="fr-CA" altLang="en-US" b="1" dirty="0">
               <a:latin typeface="Arial" pitchFamily="34" charset="0"/>
               <a:ea typeface="ＭＳ Ｐゴシック" pitchFamily="34" charset="-128"/>
             </a:endParaRPr>
           </a:p>
           <a:p>
             <a:r>
-              <a:rPr lang="fr-CA" altLang="en-US">
+              <a:rPr lang="fr-CA" altLang="en-US" dirty="0">
                 <a:latin typeface="Arial" pitchFamily="34" charset="0"/>
                 <a:ea typeface="ＭＳ Ｐゴシック" pitchFamily="34" charset="-128"/>
               </a:rPr>
               <a:t>Nous terminerons par un exemple simple d’agent qui servira plus tard dans le cours: le monde des </a:t>
             </a:r>
             <a:r>
-              <a:rPr lang="fr-CA" altLang="en-US" i="1">
+              <a:rPr lang="fr-CA" altLang="en-US" i="1" dirty="0" err="1">
                 <a:latin typeface="Arial" pitchFamily="34" charset="0"/>
                 <a:ea typeface="ＭＳ Ｐゴシック" pitchFamily="34" charset="-128"/>
               </a:rPr>
               <a:t>wumpus</a:t>
             </a:r>
             <a:r>
-              <a:rPr lang="fr-CA" altLang="en-US">
+              <a:rPr lang="fr-CA" altLang="en-US" dirty="0">
                 <a:latin typeface="Arial" pitchFamily="34" charset="0"/>
                 <a:ea typeface="ＭＳ Ｐゴシック" pitchFamily="34" charset="-128"/>
               </a:rPr>
@@ -3993,7 +4386,7 @@
             </a:r>
           </a:p>
           <a:p>
-            <a:endParaRPr lang="en-CA" altLang="en-US">
+            <a:endParaRPr lang="en-CA" altLang="en-US" dirty="0">
               <a:latin typeface="Arial" pitchFamily="34" charset="0"/>
               <a:ea typeface="ＭＳ Ｐゴシック" pitchFamily="34" charset="-128"/>
             </a:endParaRPr>
@@ -7061,7 +7454,7 @@
             <a:fld id="{E3A619DD-6D68-43E3-9DC6-CADF258102C0}" type="slidenum">
               <a:rPr lang="en-US" altLang="ko-KR"/>
               <a:pPr/>
-              <a:t>41</a:t>
+              <a:t>40</a:t>
             </a:fld>
             <a:endParaRPr lang="en-US" altLang="ko-KR"/>
           </a:p>
@@ -10985,13 +11378,13 @@
           <a:p>
             <a:pPr eaLnBrk="1" hangingPunct="1"/>
             <a:r>
-              <a:rPr lang="fr-CA" altLang="en-US">
+              <a:rPr lang="fr-CA" altLang="en-US" dirty="0">
                 <a:latin typeface="Arial" pitchFamily="34" charset="0"/>
                 <a:ea typeface="ＭＳ Ｐゴシック" pitchFamily="34" charset="-128"/>
               </a:rPr>
-              <a:t>Modèle PEAS</a:t>
-            </a:r>
-            <a:endParaRPr lang="en-CA" altLang="en-US">
+              <a:t>Composantes principales d’un agent</a:t>
+            </a:r>
+            <a:endParaRPr lang="en-CA" altLang="en-US" dirty="0">
               <a:latin typeface="Arial" pitchFamily="34" charset="0"/>
               <a:ea typeface="ＭＳ Ｐゴシック" pitchFamily="34" charset="-128"/>
             </a:endParaRPr>
@@ -14058,27 +14451,27 @@
           <a:p>
             <a:pPr eaLnBrk="1" hangingPunct="1"/>
             <a:r>
-              <a:rPr lang="fr-CA" altLang="en-US">
+              <a:rPr lang="fr-CA" altLang="en-US" dirty="0">
                 <a:latin typeface="Arial" pitchFamily="34" charset="0"/>
                 <a:ea typeface="ＭＳ Ｐゴシック" pitchFamily="34" charset="-128"/>
               </a:rPr>
               <a:t>Caractéristiques d</a:t>
             </a:r>
             <a:r>
-              <a:rPr lang="fr-CA" altLang="fr-FR">
+              <a:rPr lang="fr-CA" altLang="fr-FR" dirty="0">
                 <a:latin typeface="Arial" pitchFamily="34" charset="0"/>
                 <a:ea typeface="ＭＳ Ｐゴシック" pitchFamily="34" charset="-128"/>
               </a:rPr>
-              <a:t>’</a:t>
-            </a:r>
-            <a:r>
-              <a:rPr lang="fr-CA" altLang="en-US">
+              <a:t>’un </a:t>
+            </a:r>
+            <a:r>
+              <a:rPr lang="fr-CA" altLang="en-US" dirty="0">
                 <a:latin typeface="Arial" pitchFamily="34" charset="0"/>
                 <a:ea typeface="ＭＳ Ｐゴシック" pitchFamily="34" charset="-128"/>
               </a:rPr>
               <a:t>environnement</a:t>
             </a:r>
-            <a:endParaRPr lang="en-CA" altLang="en-US">
+            <a:endParaRPr lang="en-CA" altLang="en-US" dirty="0">
               <a:latin typeface="Arial" pitchFamily="34" charset="0"/>
               <a:ea typeface="ＭＳ Ｐゴシック" pitchFamily="34" charset="-128"/>
             </a:endParaRPr>
@@ -14102,7 +14495,7 @@
           <a:p>
             <a:pPr eaLnBrk="1" hangingPunct="1"/>
             <a:r>
-              <a:rPr lang="fr-CA" altLang="en-US" sz="1800">
+              <a:rPr lang="fr-CA" altLang="en-US" sz="1800" dirty="0">
                 <a:ea typeface="ＭＳ Ｐゴシック" pitchFamily="34" charset="-128"/>
               </a:rPr>
               <a:t>Différents problèmes auront des environnements avec des caractéristiques différentes</a:t>
@@ -14110,26 +14503,26 @@
           </a:p>
           <a:p>
             <a:pPr eaLnBrk="1" hangingPunct="1"/>
-            <a:endParaRPr lang="fr-CA" altLang="en-US" sz="1800">
+            <a:endParaRPr lang="fr-CA" altLang="en-US" sz="1800" dirty="0">
               <a:ea typeface="ＭＳ Ｐゴシック" pitchFamily="34" charset="-128"/>
             </a:endParaRPr>
           </a:p>
           <a:p>
             <a:pPr eaLnBrk="1" hangingPunct="1"/>
             <a:r>
-              <a:rPr lang="fr-CA" altLang="en-US" sz="1800" b="1">
+              <a:rPr lang="fr-CA" altLang="en-US" sz="1800" b="1" dirty="0">
                 <a:ea typeface="ＭＳ Ｐゴシック" pitchFamily="34" charset="-128"/>
               </a:rPr>
               <a:t>Caractéristiques que l</a:t>
             </a:r>
             <a:r>
-              <a:rPr lang="fr-CA" altLang="fr-FR" sz="1800" b="1">
+              <a:rPr lang="fr-CA" altLang="fr-FR" sz="1800" b="1" dirty="0">
                 <a:ea typeface="ＭＳ Ｐゴシック" pitchFamily="34" charset="-128"/>
               </a:rPr>
               <a:t>’</a:t>
             </a:r>
             <a:r>
-              <a:rPr lang="fr-CA" altLang="en-US" sz="1800" b="1">
+              <a:rPr lang="fr-CA" altLang="en-US" sz="1800" b="1" dirty="0">
                 <a:ea typeface="ＭＳ Ｐゴシック" pitchFamily="34" charset="-128"/>
               </a:rPr>
               <a:t>on distingue:</a:t>
@@ -14138,13 +14531,13 @@
           <a:p>
             <a:pPr lvl="1" eaLnBrk="1" hangingPunct="1"/>
             <a:r>
-              <a:rPr lang="fr-CA" altLang="en-US" b="1">
+              <a:rPr lang="fr-CA" altLang="en-US" b="1" dirty="0">
                 <a:ea typeface="ＭＳ Ｐゴシック" pitchFamily="34" charset="-128"/>
               </a:rPr>
               <a:t>Complètement observable </a:t>
             </a:r>
             <a:r>
-              <a:rPr lang="fr-CA" altLang="en-US">
+              <a:rPr lang="fr-CA" altLang="en-US" dirty="0">
                 <a:ea typeface="ＭＳ Ｐゴシック" pitchFamily="34" charset="-128"/>
               </a:rPr>
               <a:t>(vs. partiellement observable)</a:t>
@@ -14153,13 +14546,13 @@
           <a:p>
             <a:pPr lvl="1" eaLnBrk="1" hangingPunct="1"/>
             <a:r>
-              <a:rPr lang="fr-CA" altLang="en-US" b="1">
+              <a:rPr lang="fr-CA" altLang="en-US" b="1" dirty="0">
                 <a:ea typeface="ＭＳ Ｐゴシック" pitchFamily="34" charset="-128"/>
               </a:rPr>
               <a:t>Déterministe</a:t>
             </a:r>
             <a:r>
-              <a:rPr lang="fr-CA" altLang="en-US">
+              <a:rPr lang="fr-CA" altLang="en-US" dirty="0">
                 <a:ea typeface="ＭＳ Ｐゴシック" pitchFamily="34" charset="-128"/>
               </a:rPr>
               <a:t> (vs. stochastique)</a:t>
@@ -14168,13 +14561,13 @@
           <a:p>
             <a:pPr lvl="1" eaLnBrk="1" hangingPunct="1"/>
             <a:r>
-              <a:rPr lang="fr-CA" altLang="en-US" b="1">
+              <a:rPr lang="fr-CA" altLang="en-US" b="1" dirty="0">
                 <a:ea typeface="ＭＳ Ｐゴシック" pitchFamily="34" charset="-128"/>
               </a:rPr>
               <a:t>Épisodique</a:t>
             </a:r>
             <a:r>
-              <a:rPr lang="fr-CA" altLang="en-US">
+              <a:rPr lang="fr-CA" altLang="en-US" dirty="0">
                 <a:ea typeface="ＭＳ Ｐゴシック" pitchFamily="34" charset="-128"/>
               </a:rPr>
               <a:t> (vs. séquentiel)</a:t>
@@ -14183,13 +14576,13 @@
           <a:p>
             <a:pPr lvl="1" eaLnBrk="1" hangingPunct="1"/>
             <a:r>
-              <a:rPr lang="fr-CA" altLang="en-US" b="1">
+              <a:rPr lang="fr-CA" altLang="en-US" b="1" dirty="0">
                 <a:ea typeface="ＭＳ Ｐゴシック" pitchFamily="34" charset="-128"/>
               </a:rPr>
               <a:t>Statique</a:t>
             </a:r>
             <a:r>
-              <a:rPr lang="fr-CA" altLang="en-US">
+              <a:rPr lang="fr-CA" altLang="en-US" dirty="0">
                 <a:ea typeface="ＭＳ Ｐゴシック" pitchFamily="34" charset="-128"/>
               </a:rPr>
               <a:t> (vs. dynamique)</a:t>
@@ -14198,13 +14591,13 @@
           <a:p>
             <a:pPr lvl="1" eaLnBrk="1" hangingPunct="1"/>
             <a:r>
-              <a:rPr lang="fr-CA" altLang="en-US" b="1">
+              <a:rPr lang="fr-CA" altLang="en-US" b="1" dirty="0">
                 <a:ea typeface="ＭＳ Ｐゴシック" pitchFamily="34" charset="-128"/>
               </a:rPr>
               <a:t>Discret</a:t>
             </a:r>
             <a:r>
-              <a:rPr lang="fr-CA" altLang="en-US">
+              <a:rPr lang="fr-CA" altLang="en-US" dirty="0">
                 <a:ea typeface="ＭＳ Ｐゴシック" pitchFamily="34" charset="-128"/>
               </a:rPr>
               <a:t> (vs. continu)</a:t>
@@ -14213,13 +14606,13 @@
           <a:p>
             <a:pPr lvl="1" eaLnBrk="1" hangingPunct="1"/>
             <a:r>
-              <a:rPr lang="fr-CA" altLang="en-US" b="1">
+              <a:rPr lang="fr-CA" altLang="en-US" b="1" dirty="0">
                 <a:ea typeface="ＭＳ Ｐゴシック" pitchFamily="34" charset="-128"/>
               </a:rPr>
               <a:t>Agent unique </a:t>
             </a:r>
             <a:r>
-              <a:rPr lang="fr-CA" altLang="en-US">
+              <a:rPr lang="fr-CA" altLang="en-US" dirty="0">
                 <a:ea typeface="ＭＳ Ｐゴシック" pitchFamily="34" charset="-128"/>
               </a:rPr>
               <a:t>(vs. multi-agent)</a:t>
@@ -15006,27 +15399,13 @@
           <a:p>
             <a:pPr eaLnBrk="1" hangingPunct="1"/>
             <a:r>
-              <a:rPr lang="fr-CA" altLang="en-US">
+              <a:rPr lang="fr-CA" altLang="en-US" dirty="0">
                 <a:latin typeface="Arial" pitchFamily="34" charset="0"/>
                 <a:ea typeface="ＭＳ Ｐゴシック" pitchFamily="34" charset="-128"/>
               </a:rPr>
-              <a:t>Caractéristiques d</a:t>
-            </a:r>
-            <a:r>
-              <a:rPr lang="fr-CA" altLang="fr-FR">
-                <a:latin typeface="Arial" pitchFamily="34" charset="0"/>
-                <a:ea typeface="ＭＳ Ｐゴシック" pitchFamily="34" charset="-128"/>
-              </a:rPr>
-              <a:t>’</a:t>
-            </a:r>
-            <a:r>
-              <a:rPr lang="fr-CA" altLang="en-US">
-                <a:latin typeface="Arial" pitchFamily="34" charset="0"/>
-                <a:ea typeface="ＭＳ Ｐゴシック" pitchFamily="34" charset="-128"/>
-              </a:rPr>
-              <a:t>environnement</a:t>
-            </a:r>
-            <a:endParaRPr lang="en-CA" altLang="en-US">
+              <a:t>Caractéristiques d’un environnement</a:t>
+            </a:r>
+            <a:endParaRPr lang="en-CA" altLang="en-US" dirty="0">
               <a:latin typeface="Arial" pitchFamily="34" charset="0"/>
               <a:ea typeface="ＭＳ Ｐゴシック" pitchFamily="34" charset="-128"/>
             </a:endParaRPr>
@@ -15951,27 +16330,13 @@
           <a:p>
             <a:pPr eaLnBrk="1" hangingPunct="1"/>
             <a:r>
-              <a:rPr lang="fr-CA" altLang="en-US">
+              <a:rPr lang="fr-CA" altLang="en-US" dirty="0">
                 <a:latin typeface="Arial" pitchFamily="34" charset="0"/>
                 <a:ea typeface="ＭＳ Ｐゴシック" pitchFamily="34" charset="-128"/>
               </a:rPr>
-              <a:t>Caractéristiques d</a:t>
-            </a:r>
-            <a:r>
-              <a:rPr lang="fr-CA" altLang="fr-FR">
-                <a:latin typeface="Arial" pitchFamily="34" charset="0"/>
-                <a:ea typeface="ＭＳ Ｐゴシック" pitchFamily="34" charset="-128"/>
-              </a:rPr>
-              <a:t>’</a:t>
-            </a:r>
-            <a:r>
-              <a:rPr lang="fr-CA" altLang="en-US">
-                <a:latin typeface="Arial" pitchFamily="34" charset="0"/>
-                <a:ea typeface="ＭＳ Ｐゴシック" pitchFamily="34" charset="-128"/>
-              </a:rPr>
-              <a:t>environnement</a:t>
-            </a:r>
-            <a:endParaRPr lang="en-CA" altLang="en-US">
+              <a:t>Caractéristiques d’un environnement</a:t>
+            </a:r>
+            <a:endParaRPr lang="en-CA" altLang="en-US" dirty="0">
               <a:latin typeface="Arial" pitchFamily="34" charset="0"/>
               <a:ea typeface="ＭＳ Ｐゴシック" pitchFamily="34" charset="-128"/>
             </a:endParaRPr>
@@ -16941,27 +17306,13 @@
           <a:p>
             <a:pPr eaLnBrk="1" hangingPunct="1"/>
             <a:r>
-              <a:rPr lang="fr-CA" altLang="en-US">
+              <a:rPr lang="fr-CA" altLang="en-US" dirty="0">
                 <a:latin typeface="Arial" pitchFamily="34" charset="0"/>
                 <a:ea typeface="ＭＳ Ｐゴシック" pitchFamily="34" charset="-128"/>
               </a:rPr>
-              <a:t>Caractéristiques d</a:t>
-            </a:r>
-            <a:r>
-              <a:rPr lang="fr-CA" altLang="fr-FR">
-                <a:latin typeface="Arial" pitchFamily="34" charset="0"/>
-                <a:ea typeface="ＭＳ Ｐゴシック" pitchFamily="34" charset="-128"/>
-              </a:rPr>
-              <a:t>’</a:t>
-            </a:r>
-            <a:r>
-              <a:rPr lang="fr-CA" altLang="en-US">
-                <a:latin typeface="Arial" pitchFamily="34" charset="0"/>
-                <a:ea typeface="ＭＳ Ｐゴシック" pitchFamily="34" charset="-128"/>
-              </a:rPr>
-              <a:t>environnement</a:t>
-            </a:r>
-            <a:endParaRPr lang="en-CA" altLang="en-US">
+              <a:t>Caractéristiques d’un environnement</a:t>
+            </a:r>
+            <a:endParaRPr lang="en-CA" altLang="en-US" dirty="0">
               <a:latin typeface="Arial" pitchFamily="34" charset="0"/>
               <a:ea typeface="ＭＳ Ｐゴシック" pitchFamily="34" charset="-128"/>
             </a:endParaRPr>
@@ -17964,27 +18315,13 @@
           <a:p>
             <a:pPr eaLnBrk="1" hangingPunct="1"/>
             <a:r>
-              <a:rPr lang="fr-CA" altLang="en-US">
+              <a:rPr lang="fr-CA" altLang="en-US" dirty="0">
                 <a:latin typeface="Arial" pitchFamily="34" charset="0"/>
                 <a:ea typeface="ＭＳ Ｐゴシック" pitchFamily="34" charset="-128"/>
               </a:rPr>
-              <a:t>Caractéristiques d</a:t>
-            </a:r>
-            <a:r>
-              <a:rPr lang="fr-CA" altLang="fr-FR">
-                <a:latin typeface="Arial" pitchFamily="34" charset="0"/>
-                <a:ea typeface="ＭＳ Ｐゴシック" pitchFamily="34" charset="-128"/>
-              </a:rPr>
-              <a:t>’</a:t>
-            </a:r>
-            <a:r>
-              <a:rPr lang="fr-CA" altLang="en-US">
-                <a:latin typeface="Arial" pitchFamily="34" charset="0"/>
-                <a:ea typeface="ＭＳ Ｐゴシック" pitchFamily="34" charset="-128"/>
-              </a:rPr>
-              <a:t>environnement</a:t>
-            </a:r>
-            <a:endParaRPr lang="en-CA" altLang="en-US">
+              <a:t>Caractéristiques d’un environnement</a:t>
+            </a:r>
+            <a:endParaRPr lang="en-CA" altLang="en-US" dirty="0">
               <a:latin typeface="Arial" pitchFamily="34" charset="0"/>
               <a:ea typeface="ＭＳ Ｐゴシック" pitchFamily="34" charset="-128"/>
             </a:endParaRPr>
@@ -18915,27 +19252,13 @@
           <a:p>
             <a:pPr eaLnBrk="1" hangingPunct="1"/>
             <a:r>
-              <a:rPr lang="fr-CA" altLang="en-US">
+              <a:rPr lang="fr-CA" altLang="en-US" dirty="0">
                 <a:latin typeface="Arial" pitchFamily="34" charset="0"/>
                 <a:ea typeface="ＭＳ Ｐゴシック" pitchFamily="34" charset="-128"/>
               </a:rPr>
-              <a:t>Caractéristiques d</a:t>
-            </a:r>
-            <a:r>
-              <a:rPr lang="fr-CA" altLang="fr-FR">
-                <a:latin typeface="Arial" pitchFamily="34" charset="0"/>
-                <a:ea typeface="ＭＳ Ｐゴシック" pitchFamily="34" charset="-128"/>
-              </a:rPr>
-              <a:t>’</a:t>
-            </a:r>
-            <a:r>
-              <a:rPr lang="fr-CA" altLang="en-US">
-                <a:latin typeface="Arial" pitchFamily="34" charset="0"/>
-                <a:ea typeface="ＭＳ Ｐゴシック" pitchFamily="34" charset="-128"/>
-              </a:rPr>
-              <a:t>environnement</a:t>
-            </a:r>
-            <a:endParaRPr lang="en-CA" altLang="en-US">
+              <a:t>Caractéristiques d’un environnement</a:t>
+            </a:r>
+            <a:endParaRPr lang="en-CA" altLang="en-US" dirty="0">
               <a:latin typeface="Arial" pitchFamily="34" charset="0"/>
               <a:ea typeface="ＭＳ Ｐゴシック" pitchFamily="34" charset="-128"/>
             </a:endParaRPr>
@@ -19894,27 +20217,13 @@
           <a:p>
             <a:pPr eaLnBrk="1" hangingPunct="1"/>
             <a:r>
-              <a:rPr lang="fr-CA" altLang="en-US">
+              <a:rPr lang="fr-CA" altLang="en-US" dirty="0">
                 <a:latin typeface="Arial" pitchFamily="34" charset="0"/>
                 <a:ea typeface="ＭＳ Ｐゴシック" pitchFamily="34" charset="-128"/>
               </a:rPr>
-              <a:t>Caractéristiques d</a:t>
-            </a:r>
-            <a:r>
-              <a:rPr lang="fr-CA" altLang="fr-FR">
-                <a:latin typeface="Arial" pitchFamily="34" charset="0"/>
-                <a:ea typeface="ＭＳ Ｐゴシック" pitchFamily="34" charset="-128"/>
-              </a:rPr>
-              <a:t>’</a:t>
-            </a:r>
-            <a:r>
-              <a:rPr lang="fr-CA" altLang="en-US">
-                <a:latin typeface="Arial" pitchFamily="34" charset="0"/>
-                <a:ea typeface="ＭＳ Ｐゴシック" pitchFamily="34" charset="-128"/>
-              </a:rPr>
-              <a:t>environnement</a:t>
-            </a:r>
-            <a:endParaRPr lang="en-CA" altLang="en-US">
+              <a:t>Caractéristiques d’un environnement</a:t>
+            </a:r>
+            <a:endParaRPr lang="en-CA" altLang="en-US" dirty="0">
               <a:latin typeface="Arial" pitchFamily="34" charset="0"/>
               <a:ea typeface="ＭＳ Ｐゴシック" pitchFamily="34" charset="-128"/>
             </a:endParaRPr>
@@ -20821,7 +21130,7 @@
           <a:p>
             <a:pPr eaLnBrk="1" hangingPunct="1"/>
             <a:r>
-              <a:rPr lang="fr-FR" altLang="en-US">
+              <a:rPr lang="fr-FR" altLang="en-US" dirty="0">
                 <a:ea typeface="ＭＳ Ｐゴシック" pitchFamily="34" charset="-128"/>
               </a:rPr>
               <a:t>Agents intelligents</a:t>
@@ -20830,100 +21139,79 @@
           <a:p>
             <a:pPr eaLnBrk="1" hangingPunct="1"/>
             <a:r>
-              <a:rPr lang="fr-FR" altLang="en-US">
-                <a:ea typeface="ＭＳ Ｐゴシック" pitchFamily="34" charset="-128"/>
-              </a:rPr>
-              <a:t>Rationalité</a:t>
-            </a:r>
-          </a:p>
-          <a:p>
-            <a:pPr eaLnBrk="1" hangingPunct="1"/>
-            <a:r>
-              <a:rPr lang="fr-FR" altLang="en-US">
-                <a:ea typeface="ＭＳ Ｐゴシック" pitchFamily="34" charset="-128"/>
-              </a:rPr>
-              <a:t>Modèle générique PEAS de conception des agents</a:t>
+              <a:rPr lang="fr-FR" altLang="en-US" dirty="0">
+                <a:ea typeface="ＭＳ Ｐゴシック" pitchFamily="34" charset="-128"/>
+              </a:rPr>
+              <a:t>Composantes principales d’un agent intelligent</a:t>
             </a:r>
           </a:p>
           <a:p>
             <a:pPr lvl="1" eaLnBrk="1" hangingPunct="1"/>
             <a:r>
-              <a:rPr lang="fr-FR" altLang="en-US">
+              <a:rPr lang="fr-FR" altLang="en-US" dirty="0">
                 <a:ea typeface="ＭＳ Ｐゴシック" pitchFamily="34" charset="-128"/>
               </a:rPr>
               <a:t>mesure de </a:t>
             </a:r>
             <a:r>
-              <a:rPr lang="fr-FR" altLang="en-US" b="1" i="1">
+              <a:rPr lang="fr-FR" altLang="en-US" b="1" i="1" dirty="0">
                 <a:ea typeface="ＭＳ Ｐゴシック" pitchFamily="34" charset="-128"/>
               </a:rPr>
               <a:t>Performance</a:t>
             </a:r>
             <a:r>
-              <a:rPr lang="fr-FR" altLang="en-US" i="1">
+              <a:rPr lang="fr-FR" altLang="en-US" i="1" dirty="0">
                 <a:ea typeface="ＭＳ Ｐゴシック" pitchFamily="34" charset="-128"/>
               </a:rPr>
               <a:t>, modélisation de l’</a:t>
             </a:r>
             <a:r>
-              <a:rPr lang="fr-FR" altLang="en-US" b="1" i="1">
+              <a:rPr lang="fr-FR" altLang="en-US" b="1" i="1" dirty="0">
                 <a:ea typeface="ＭＳ Ｐゴシック" pitchFamily="34" charset="-128"/>
               </a:rPr>
               <a:t>Environnement</a:t>
             </a:r>
             <a:r>
-              <a:rPr lang="fr-FR" altLang="en-US" i="1">
+              <a:rPr lang="fr-FR" altLang="en-US" i="1" dirty="0">
                 <a:ea typeface="ＭＳ Ｐゴシック" pitchFamily="34" charset="-128"/>
               </a:rPr>
               <a:t>, et l’implémentation des </a:t>
             </a:r>
             <a:r>
-              <a:rPr lang="fr-FR" altLang="en-US" b="1" i="1">
+              <a:rPr lang="fr-FR" altLang="en-US" b="1" i="1" dirty="0">
                 <a:ea typeface="ＭＳ Ｐゴシック" pitchFamily="34" charset="-128"/>
               </a:rPr>
               <a:t>Actionneurs</a:t>
             </a:r>
             <a:r>
-              <a:rPr lang="fr-FR" altLang="en-US" i="1">
+              <a:rPr lang="fr-FR" altLang="en-US" i="1" dirty="0">
                 <a:ea typeface="ＭＳ Ｐゴシック" pitchFamily="34" charset="-128"/>
               </a:rPr>
               <a:t> ainsi que des </a:t>
             </a:r>
             <a:r>
-              <a:rPr lang="fr-FR" altLang="en-US" b="1" i="1">
+              <a:rPr lang="fr-FR" altLang="en-US" b="1" i="1" dirty="0">
                 <a:ea typeface="ＭＳ Ｐゴシック" pitchFamily="34" charset="-128"/>
               </a:rPr>
               <a:t>Senseurs</a:t>
             </a:r>
-            <a:endParaRPr lang="fr-FR" altLang="en-US" b="1">
+            <a:endParaRPr lang="fr-FR" altLang="en-US" b="1" dirty="0">
               <a:ea typeface="ＭＳ Ｐゴシック" pitchFamily="34" charset="-128"/>
             </a:endParaRPr>
           </a:p>
           <a:p>
             <a:pPr eaLnBrk="1" hangingPunct="1"/>
             <a:r>
-              <a:rPr lang="fr-FR" altLang="en-US">
-                <a:ea typeface="ＭＳ Ｐゴシック" pitchFamily="34" charset="-128"/>
-              </a:rPr>
-              <a:t>Types d</a:t>
-            </a:r>
-            <a:r>
-              <a:rPr lang="fr-FR" altLang="fr-FR">
-                <a:ea typeface="ＭＳ Ｐゴシック" pitchFamily="34" charset="-128"/>
-              </a:rPr>
-              <a:t>’</a:t>
-            </a:r>
-            <a:r>
-              <a:rPr lang="fr-FR" altLang="en-US">
-                <a:ea typeface="ＭＳ Ｐゴシック" pitchFamily="34" charset="-128"/>
-              </a:rPr>
-              <a:t>environnements</a:t>
+              <a:rPr lang="fr-FR" altLang="en-US" dirty="0">
+                <a:ea typeface="ＭＳ Ｐゴシック" pitchFamily="34" charset="-128"/>
+              </a:rPr>
+              <a:t>Types d’environnements</a:t>
             </a:r>
           </a:p>
           <a:p>
             <a:pPr lvl="1" eaLnBrk="1" hangingPunct="1"/>
             <a:r>
-              <a:rPr lang="fr-FR" altLang="en-US">
+              <a:rPr lang="fr-FR" altLang="en-US" dirty="0">
                 <a:ea typeface="ＭＳ Ｐゴシック" pitchFamily="34" charset="-128"/>
               </a:rPr>
               <a:t>Déterministe, stochastique, etc.</a:t>
@@ -20932,61 +21220,49 @@
           <a:p>
             <a:pPr eaLnBrk="1" hangingPunct="1"/>
             <a:r>
-              <a:rPr lang="fr-FR" altLang="en-US">
-                <a:ea typeface="ＭＳ Ｐゴシック" pitchFamily="34" charset="-128"/>
-              </a:rPr>
-              <a:t>Types d</a:t>
-            </a:r>
-            <a:r>
-              <a:rPr lang="fr-FR" altLang="fr-FR">
-                <a:ea typeface="ＭＳ Ｐゴシック" pitchFamily="34" charset="-128"/>
-              </a:rPr>
-              <a:t>’</a:t>
-            </a:r>
-            <a:r>
-              <a:rPr lang="fr-FR" altLang="en-US">
-                <a:ea typeface="ＭＳ Ｐゴシック" pitchFamily="34" charset="-128"/>
-              </a:rPr>
-              <a:t>agents</a:t>
+              <a:rPr lang="fr-FR" altLang="en-US" dirty="0">
+                <a:ea typeface="ＭＳ Ｐゴシック" pitchFamily="34" charset="-128"/>
+              </a:rPr>
+              <a:t>Types d’architectures pour les agents intelligent</a:t>
             </a:r>
           </a:p>
           <a:p>
             <a:pPr lvl="1" eaLnBrk="1" hangingPunct="1"/>
             <a:r>
-              <a:rPr lang="fr-FR" altLang="en-US">
-                <a:ea typeface="ＭＳ Ｐゴシック" pitchFamily="34" charset="-128"/>
-              </a:rPr>
-              <a:t>Reflex, orienté-but, orienté-utilité, etc.</a:t>
+              <a:rPr lang="fr-FR" altLang="en-US" dirty="0">
+                <a:ea typeface="ＭＳ Ｐゴシック" pitchFamily="34" charset="-128"/>
+              </a:rPr>
+              <a:t>Reflex, orienté-but, orienté-utilité, avec une capacité d’apprentissage</a:t>
             </a:r>
           </a:p>
           <a:p>
             <a:pPr eaLnBrk="1" hangingPunct="1"/>
             <a:r>
-              <a:rPr lang="fr-FR" altLang="en-US">
+              <a:rPr lang="fr-FR" altLang="en-US" dirty="0">
                 <a:ea typeface="ＭＳ Ｐゴシック" pitchFamily="34" charset="-128"/>
               </a:rPr>
               <a:t>Exemple – Le monde des </a:t>
             </a:r>
             <a:r>
-              <a:rPr lang="fr-FR" altLang="en-US" err="1">
+              <a:rPr lang="fr-FR" altLang="en-US" dirty="0" err="1">
                 <a:ea typeface="ＭＳ Ｐゴシック" pitchFamily="34" charset="-128"/>
               </a:rPr>
               <a:t>wumpus</a:t>
             </a:r>
             <a:r>
-              <a:rPr lang="fr-FR" altLang="en-US">
+              <a:rPr lang="fr-FR" altLang="en-US" dirty="0">
                 <a:ea typeface="ＭＳ Ｐゴシック" pitchFamily="34" charset="-128"/>
               </a:rPr>
               <a:t> (</a:t>
             </a:r>
             <a:r>
-              <a:rPr lang="fr-FR" altLang="en-US" err="1">
+              <a:rPr lang="fr-FR" altLang="en-US" dirty="0" err="1">
                 <a:ea typeface="ＭＳ Ｐゴシック" pitchFamily="34" charset="-128"/>
               </a:rPr>
               <a:t>Wumpus</a:t>
             </a:r>
             <a:r>
-              <a:rPr lang="fr-FR" altLang="en-US">
+              <a:rPr lang="fr-FR" altLang="en-US" dirty="0">
                 <a:ea typeface="ＭＳ Ｐゴシック" pitchFamily="34" charset="-128"/>
               </a:rPr>
               <a:t> world)</a:t>
@@ -21774,27 +22050,13 @@
           <a:p>
             <a:pPr eaLnBrk="1" hangingPunct="1"/>
             <a:r>
-              <a:rPr lang="fr-CA" altLang="en-US">
+              <a:rPr lang="fr-CA" altLang="en-US" dirty="0">
                 <a:latin typeface="Arial" pitchFamily="34" charset="0"/>
                 <a:ea typeface="ＭＳ Ｐゴシック" pitchFamily="34" charset="-128"/>
               </a:rPr>
-              <a:t>Caractéristiques d</a:t>
-            </a:r>
-            <a:r>
-              <a:rPr lang="fr-CA" altLang="fr-FR">
-                <a:latin typeface="Arial" pitchFamily="34" charset="0"/>
-                <a:ea typeface="ＭＳ Ｐゴシック" pitchFamily="34" charset="-128"/>
-              </a:rPr>
-              <a:t>’</a:t>
-            </a:r>
-            <a:r>
-              <a:rPr lang="fr-CA" altLang="en-US">
-                <a:latin typeface="Arial" pitchFamily="34" charset="0"/>
-                <a:ea typeface="ＭＳ Ｐゴシック" pitchFamily="34" charset="-128"/>
-              </a:rPr>
-              <a:t>environnement</a:t>
-            </a:r>
-            <a:endParaRPr lang="en-CA" altLang="en-US">
+              <a:t>Caractéristiques d’un environnement</a:t>
+            </a:r>
+            <a:endParaRPr lang="en-CA" altLang="en-US" dirty="0">
               <a:latin typeface="Arial" pitchFamily="34" charset="0"/>
               <a:ea typeface="ＭＳ Ｐゴシック" pitchFamily="34" charset="-128"/>
             </a:endParaRPr>
@@ -21820,19 +22082,19 @@
               <a:defRPr/>
             </a:pPr>
             <a:r>
-              <a:rPr lang="fr-CA" sz="1800">
+              <a:rPr lang="fr-CA" sz="1800" dirty="0">
                 <a:ea typeface="ＭＳ Ｐゴシック" pitchFamily="34" charset="-128"/>
               </a:rPr>
               <a:t>Parfois, plus d</a:t>
             </a:r>
             <a:r>
-              <a:rPr lang="fr-CA" altLang="fr-FR" sz="1800">
+              <a:rPr lang="fr-CA" altLang="fr-FR" sz="1800" dirty="0">
                 <a:ea typeface="ＭＳ Ｐゴシック" pitchFamily="34" charset="-128"/>
               </a:rPr>
               <a:t>’</a:t>
             </a:r>
             <a:r>
-              <a:rPr lang="fr-CA" sz="1800">
+              <a:rPr lang="fr-CA" sz="1800" dirty="0">
                 <a:ea typeface="ＭＳ Ｐゴシック" pitchFamily="34" charset="-128"/>
               </a:rPr>
               <a:t>une caractéristique est appropriée</a:t>
@@ -21844,7 +22106,7 @@
               <a:buNone/>
               <a:defRPr/>
             </a:pPr>
-            <a:endParaRPr lang="fr-CA" sz="1600">
+            <a:endParaRPr lang="fr-CA" sz="1600" dirty="0">
               <a:ea typeface="ＭＳ Ｐゴシック" pitchFamily="34" charset="-128"/>
             </a:endParaRPr>
           </a:p>
@@ -21853,19 +22115,19 @@
               <a:defRPr/>
             </a:pPr>
             <a:r>
-              <a:rPr lang="fr-CA" sz="1800">
+              <a:rPr lang="fr-CA" sz="1800" dirty="0">
                 <a:ea typeface="ＭＳ Ｐゴシック" pitchFamily="34" charset="-128"/>
               </a:rPr>
               <a:t>Déplacement d</a:t>
             </a:r>
             <a:r>
-              <a:rPr lang="fr-CA" altLang="fr-FR" sz="1800">
+              <a:rPr lang="fr-CA" altLang="fr-FR" sz="1800" dirty="0">
                 <a:ea typeface="ＭＳ Ｐゴシック" pitchFamily="34" charset="-128"/>
               </a:rPr>
               <a:t>’</a:t>
             </a:r>
             <a:r>
-              <a:rPr lang="fr-CA" sz="1800">
+              <a:rPr lang="fr-CA" sz="1800" dirty="0">
                 <a:ea typeface="ＭＳ Ｐゴシック" pitchFamily="34" charset="-128"/>
               </a:rPr>
               <a:t>un robot</a:t>
@@ -21876,7 +22138,7 @@
               <a:defRPr/>
             </a:pPr>
             <a:r>
-              <a:rPr lang="fr-CA" sz="1600">
+              <a:rPr lang="fr-CA" sz="1600" dirty="0">
                 <a:ea typeface="ＭＳ Ｐゴシック" pitchFamily="34" charset="-128"/>
               </a:rPr>
               <a:t>si seul dans un environnement, ses déplacements sont théoriquement déterministes (la physique mécanique est déterministe)</a:t>
@@ -21887,19 +22149,19 @@
               <a:defRPr/>
             </a:pPr>
             <a:r>
-              <a:rPr lang="fr-CA" sz="1600">
+              <a:rPr lang="fr-CA" sz="1600" dirty="0">
                 <a:ea typeface="ＭＳ Ｐゴシック" pitchFamily="34" charset="-128"/>
               </a:rPr>
               <a:t>par contre, puisqu</a:t>
             </a:r>
             <a:r>
-              <a:rPr lang="fr-CA" altLang="fr-FR" sz="1600">
+              <a:rPr lang="fr-CA" altLang="fr-FR" sz="1600" dirty="0">
                 <a:ea typeface="ＭＳ Ｐゴシック" pitchFamily="34" charset="-128"/>
               </a:rPr>
               <a:t>’</a:t>
             </a:r>
             <a:r>
-              <a:rPr lang="fr-CA" sz="1600">
+              <a:rPr lang="fr-CA" sz="1600" dirty="0">
                 <a:ea typeface="ＭＳ Ｐゴシック" pitchFamily="34" charset="-128"/>
               </a:rPr>
               <a:t>un robot ne contrôle pas parfaitement ses mouvements, on préfère normalement modéliser comme stochastique</a:t>
@@ -21909,7 +22171,7 @@
             <a:pPr lvl="1" eaLnBrk="1" hangingPunct="1">
               <a:defRPr/>
             </a:pPr>
-            <a:endParaRPr lang="fr-CA" sz="1600">
+            <a:endParaRPr lang="fr-CA" sz="1600" dirty="0">
               <a:ea typeface="ＭＳ Ｐゴシック" pitchFamily="34" charset="-128"/>
             </a:endParaRPr>
           </a:p>
@@ -21918,25 +22180,13 @@
               <a:defRPr/>
             </a:pPr>
             <a:r>
-              <a:rPr lang="fr-CA" sz="1800">
-                <a:ea typeface="ＭＳ Ｐゴシック" pitchFamily="34" charset="-128"/>
-              </a:rPr>
-              <a:t>On identifie souvent les caractéristiques d</a:t>
-            </a:r>
-            <a:r>
-              <a:rPr lang="fr-CA" altLang="fr-FR" sz="1800">
-                <a:ea typeface="ＭＳ Ｐゴシック" pitchFamily="34" charset="-128"/>
-              </a:rPr>
-              <a:t>’</a:t>
-            </a:r>
-            <a:r>
-              <a:rPr lang="fr-CA" sz="1800">
-                <a:ea typeface="ＭＳ Ｐゴシック" pitchFamily="34" charset="-128"/>
-              </a:rPr>
-              <a:t>environnement en réfléchissant à </a:t>
-            </a:r>
-            <a:r>
-              <a:rPr lang="fr-CA" sz="1800" b="1">
+              <a:rPr lang="fr-CA" sz="1800" dirty="0">
+                <a:ea typeface="ＭＳ Ｐゴシック" pitchFamily="34" charset="-128"/>
+              </a:rPr>
+              <a:t>On identifie souvent les caractéristiques d’un environnement en réfléchissant à </a:t>
+            </a:r>
+            <a:r>
+              <a:rPr lang="fr-CA" sz="1800" b="1" dirty="0">
                 <a:ea typeface="ＭＳ Ｐゴシック" pitchFamily="34" charset="-128"/>
               </a:rPr>
               <a:t>comment on programmerait/simulerait cet environnement</a:t>
@@ -22633,1631 +22883,6 @@
 </file>
 
 <file path=ppt/slides/slide21.xml><?xml version="1.0" encoding="utf-8"?>
-<p:sld xmlns:a="http://schemas.openxmlformats.org/drawingml/2006/main" xmlns:r="http://schemas.openxmlformats.org/officeDocument/2006/relationships" xmlns:p="http://schemas.openxmlformats.org/presentationml/2006/main">
-  <p:cSld>
-    <p:spTree>
-      <p:nvGrpSpPr>
-        <p:cNvPr id="1" name=""/>
-        <p:cNvGrpSpPr/>
-        <p:nvPr/>
-      </p:nvGrpSpPr>
-      <p:grpSpPr>
-        <a:xfrm>
-          <a:off x="0" y="0"/>
-          <a:ext cx="0" cy="0"/>
-          <a:chOff x="0" y="0"/>
-          <a:chExt cx="0" cy="0"/>
-        </a:xfrm>
-      </p:grpSpPr>
-      <p:cxnSp>
-        <p:nvCxnSpPr>
-          <p:cNvPr id="2" name="Straight Connector 1">
-            <a:extLst>
-              <a:ext uri="{FF2B5EF4-FFF2-40B4-BE49-F238E27FC236}">
-                <a16:creationId xmlns:a16="http://schemas.microsoft.com/office/drawing/2014/main" id="{8A60757F-2EFB-D9AA-0958-207BB999BD32}"/>
-              </a:ext>
-            </a:extLst>
-          </p:cNvPr>
-          <p:cNvCxnSpPr/>
-          <p:nvPr/>
-        </p:nvCxnSpPr>
-        <p:spPr>
-          <a:xfrm>
-            <a:off x="0" y="0"/>
-            <a:ext cx="914400" cy="0"/>
-          </a:xfrm>
-          <a:prstGeom prst="line">
-            <a:avLst/>
-          </a:prstGeom>
-          <a:ln w="0" cap="flat" cmpd="sng" algn="ctr">
-            <a:solidFill>
-              <a:srgbClr val="FBFFFF"/>
-            </a:solidFill>
-            <a:prstDash val="solid"/>
-            <a:round/>
-            <a:headEnd type="none" w="med" len="med"/>
-            <a:tailEnd type="none" w="med" len="med"/>
-          </a:ln>
-          <a:effectLst/>
-          <a:extLst>
-            <a:ext uri="{AF507438-7753-43E0-B8FC-AC1667EBCBE1}">
-              <a14:hiddenEffects xmlns:a14="http://schemas.microsoft.com/office/drawing/2010/main">
-                <a:effectLst>
-                  <a:outerShdw blurRad="40000" rotWithShape="0">
-                    <a:srgbClr val="000000"/>
-                  </a:outerShdw>
-                </a:effectLst>
-              </a14:hiddenEffects>
-            </a:ext>
-          </a:extLst>
-        </p:spPr>
-        <p:style>
-          <a:lnRef idx="2">
-            <a:schemeClr val="accent1"/>
-          </a:lnRef>
-          <a:fillRef idx="0">
-            <a:schemeClr val="accent1"/>
-          </a:fillRef>
-          <a:effectRef idx="1">
-            <a:schemeClr val="accent1"/>
-          </a:effectRef>
-          <a:fontRef idx="minor">
-            <a:schemeClr val="tx1"/>
-          </a:fontRef>
-        </p:style>
-      </p:cxnSp>
-      <p:sp>
-        <p:nvSpPr>
-          <p:cNvPr id="11267" name="Rectangle 3"/>
-          <p:cNvSpPr>
-            <a:spLocks noGrp="1" noChangeArrowheads="1"/>
-          </p:cNvSpPr>
-          <p:nvPr>
-            <p:ph type="title"/>
-          </p:nvPr>
-        </p:nvSpPr>
-        <p:spPr>
-          <a:xfrm>
-            <a:off x="898993" y="570888"/>
-            <a:ext cx="6535271" cy="659921"/>
-          </a:xfrm>
-        </p:spPr>
-        <p:txBody>
-          <a:bodyPr/>
-          <a:lstStyle/>
-          <a:p>
-            <a:pPr eaLnBrk="1" hangingPunct="1"/>
-            <a:r>
-              <a:rPr lang="fr-CA" altLang="en-US">
-                <a:latin typeface="Arial" pitchFamily="34" charset="0"/>
-                <a:ea typeface="ＭＳ Ｐゴシック" pitchFamily="34" charset="-128"/>
-              </a:rPr>
-              <a:t>Rappel - Problèmes à résoudre</a:t>
-            </a:r>
-          </a:p>
-        </p:txBody>
-      </p:sp>
-      <p:sp>
-        <p:nvSpPr>
-          <p:cNvPr id="11269" name="Espace réservé du pied de page 15"/>
-          <p:cNvSpPr>
-            <a:spLocks noGrp="1"/>
-          </p:cNvSpPr>
-          <p:nvPr>
-            <p:ph type="ftr" sz="quarter" idx="11"/>
-          </p:nvPr>
-        </p:nvSpPr>
-        <p:spPr bwMode="auto">
-          <a:noFill/>
-          <a:extLst>
-            <a:ext uri="{909E8E84-426E-40DD-AFC4-6F175D3DCCD1}">
-              <a14:hiddenFill xmlns:a14="http://schemas.microsoft.com/office/drawing/2010/main">
-                <a:solidFill>
-                  <a:srgbClr val="FFFFFF"/>
-                </a:solidFill>
-              </a14:hiddenFill>
-            </a:ext>
-            <a:ext uri="{91240B29-F687-4F45-9708-019B960494DF}">
-              <a14:hiddenLine xmlns:a14="http://schemas.microsoft.com/office/drawing/2010/main" w="9525">
-                <a:solidFill>
-                  <a:srgbClr val="000000"/>
-                </a:solidFill>
-                <a:miter lim="800000"/>
-                <a:headEnd/>
-                <a:tailEnd/>
-              </a14:hiddenLine>
-            </a:ext>
-          </a:extLst>
-        </p:spPr>
-        <p:txBody>
-          <a:bodyPr wrap="square" numCol="1" anchorCtr="0" compatLnSpc="1">
-            <a:prstTxWarp prst="textNoShape">
-              <a:avLst/>
-            </a:prstTxWarp>
-          </a:bodyPr>
-          <a:lstStyle>
-            <a:lvl1pPr>
-              <a:defRPr>
-                <a:solidFill>
-                  <a:schemeClr val="tx1"/>
-                </a:solidFill>
-                <a:latin typeface="Arial" pitchFamily="34" charset="0"/>
-                <a:ea typeface="ＭＳ Ｐゴシック" pitchFamily="34" charset="-128"/>
-              </a:defRPr>
-            </a:lvl1pPr>
-            <a:lvl2pPr marL="742950" indent="-285750">
-              <a:defRPr>
-                <a:solidFill>
-                  <a:schemeClr val="tx1"/>
-                </a:solidFill>
-                <a:latin typeface="Arial" pitchFamily="34" charset="0"/>
-                <a:ea typeface="ＭＳ Ｐゴシック" pitchFamily="34" charset="-128"/>
-              </a:defRPr>
-            </a:lvl2pPr>
-            <a:lvl3pPr marL="1143000" indent="-228600">
-              <a:defRPr>
-                <a:solidFill>
-                  <a:schemeClr val="tx1"/>
-                </a:solidFill>
-                <a:latin typeface="Arial" pitchFamily="34" charset="0"/>
-                <a:ea typeface="ＭＳ Ｐゴシック" pitchFamily="34" charset="-128"/>
-              </a:defRPr>
-            </a:lvl3pPr>
-            <a:lvl4pPr marL="1600200" indent="-228600">
-              <a:defRPr>
-                <a:solidFill>
-                  <a:schemeClr val="tx1"/>
-                </a:solidFill>
-                <a:latin typeface="Arial" pitchFamily="34" charset="0"/>
-                <a:ea typeface="ＭＳ Ｐゴシック" pitchFamily="34" charset="-128"/>
-              </a:defRPr>
-            </a:lvl4pPr>
-            <a:lvl5pPr marL="2057400" indent="-228600">
-              <a:defRPr>
-                <a:solidFill>
-                  <a:schemeClr val="tx1"/>
-                </a:solidFill>
-                <a:latin typeface="Arial" pitchFamily="34" charset="0"/>
-                <a:ea typeface="ＭＳ Ｐゴシック" pitchFamily="34" charset="-128"/>
-              </a:defRPr>
-            </a:lvl5pPr>
-            <a:lvl6pPr marL="2514600" indent="-228600" eaLnBrk="0" fontAlgn="base" hangingPunct="0">
-              <a:spcBef>
-                <a:spcPct val="0"/>
-              </a:spcBef>
-              <a:spcAft>
-                <a:spcPct val="0"/>
-              </a:spcAft>
-              <a:defRPr>
-                <a:solidFill>
-                  <a:schemeClr val="tx1"/>
-                </a:solidFill>
-                <a:latin typeface="Arial" pitchFamily="34" charset="0"/>
-                <a:ea typeface="ＭＳ Ｐゴシック" pitchFamily="34" charset="-128"/>
-              </a:defRPr>
-            </a:lvl6pPr>
-            <a:lvl7pPr marL="2971800" indent="-228600" eaLnBrk="0" fontAlgn="base" hangingPunct="0">
-              <a:spcBef>
-                <a:spcPct val="0"/>
-              </a:spcBef>
-              <a:spcAft>
-                <a:spcPct val="0"/>
-              </a:spcAft>
-              <a:defRPr>
-                <a:solidFill>
-                  <a:schemeClr val="tx1"/>
-                </a:solidFill>
-                <a:latin typeface="Arial" pitchFamily="34" charset="0"/>
-                <a:ea typeface="ＭＳ Ｐゴシック" pitchFamily="34" charset="-128"/>
-              </a:defRPr>
-            </a:lvl7pPr>
-            <a:lvl8pPr marL="3429000" indent="-228600" eaLnBrk="0" fontAlgn="base" hangingPunct="0">
-              <a:spcBef>
-                <a:spcPct val="0"/>
-              </a:spcBef>
-              <a:spcAft>
-                <a:spcPct val="0"/>
-              </a:spcAft>
-              <a:defRPr>
-                <a:solidFill>
-                  <a:schemeClr val="tx1"/>
-                </a:solidFill>
-                <a:latin typeface="Arial" pitchFamily="34" charset="0"/>
-                <a:ea typeface="ＭＳ Ｐゴシック" pitchFamily="34" charset="-128"/>
-              </a:defRPr>
-            </a:lvl8pPr>
-            <a:lvl9pPr marL="3886200" indent="-228600" eaLnBrk="0" fontAlgn="base" hangingPunct="0">
-              <a:spcBef>
-                <a:spcPct val="0"/>
-              </a:spcBef>
-              <a:spcAft>
-                <a:spcPct val="0"/>
-              </a:spcAft>
-              <a:defRPr>
-                <a:solidFill>
-                  <a:schemeClr val="tx1"/>
-                </a:solidFill>
-                <a:latin typeface="Arial" pitchFamily="34" charset="0"/>
-                <a:ea typeface="ＭＳ Ｐゴシック" pitchFamily="34" charset="-128"/>
-              </a:defRPr>
-            </a:lvl9pPr>
-          </a:lstStyle>
-          <a:p>
-            <a:r>
-              <a:rPr lang="de-DE" altLang="en-US">
-                <a:latin typeface="Calibri" pitchFamily="34" charset="0"/>
-              </a:rPr>
-              <a:t>Froduald Kabanza</a:t>
-            </a:r>
-            <a:endParaRPr lang="en-US" altLang="en-US">
-              <a:latin typeface="Calibri" pitchFamily="34" charset="0"/>
-            </a:endParaRPr>
-          </a:p>
-        </p:txBody>
-      </p:sp>
-      <p:sp>
-        <p:nvSpPr>
-          <p:cNvPr id="11270" name="Espace réservé du numéro de diapositive 16"/>
-          <p:cNvSpPr>
-            <a:spLocks noGrp="1"/>
-          </p:cNvSpPr>
-          <p:nvPr>
-            <p:ph type="sldNum" sz="quarter" idx="12"/>
-          </p:nvPr>
-        </p:nvSpPr>
-        <p:spPr bwMode="auto">
-          <a:noFill/>
-          <a:extLst>
-            <a:ext uri="{909E8E84-426E-40DD-AFC4-6F175D3DCCD1}">
-              <a14:hiddenFill xmlns:a14="http://schemas.microsoft.com/office/drawing/2010/main">
-                <a:solidFill>
-                  <a:srgbClr val="FFFFFF"/>
-                </a:solidFill>
-              </a14:hiddenFill>
-            </a:ext>
-            <a:ext uri="{91240B29-F687-4F45-9708-019B960494DF}">
-              <a14:hiddenLine xmlns:a14="http://schemas.microsoft.com/office/drawing/2010/main" w="9525">
-                <a:solidFill>
-                  <a:srgbClr val="000000"/>
-                </a:solidFill>
-                <a:miter lim="800000"/>
-                <a:headEnd/>
-                <a:tailEnd/>
-              </a14:hiddenLine>
-            </a:ext>
-          </a:extLst>
-        </p:spPr>
-        <p:txBody>
-          <a:bodyPr/>
-          <a:lstStyle>
-            <a:lvl1pPr>
-              <a:defRPr>
-                <a:solidFill>
-                  <a:schemeClr val="tx1"/>
-                </a:solidFill>
-                <a:latin typeface="Arial" pitchFamily="34" charset="0"/>
-                <a:ea typeface="ＭＳ Ｐゴシック" pitchFamily="34" charset="-128"/>
-              </a:defRPr>
-            </a:lvl1pPr>
-            <a:lvl2pPr marL="742950" indent="-285750">
-              <a:defRPr>
-                <a:solidFill>
-                  <a:schemeClr val="tx1"/>
-                </a:solidFill>
-                <a:latin typeface="Arial" pitchFamily="34" charset="0"/>
-                <a:ea typeface="ＭＳ Ｐゴシック" pitchFamily="34" charset="-128"/>
-              </a:defRPr>
-            </a:lvl2pPr>
-            <a:lvl3pPr marL="1143000" indent="-228600">
-              <a:defRPr>
-                <a:solidFill>
-                  <a:schemeClr val="tx1"/>
-                </a:solidFill>
-                <a:latin typeface="Arial" pitchFamily="34" charset="0"/>
-                <a:ea typeface="ＭＳ Ｐゴシック" pitchFamily="34" charset="-128"/>
-              </a:defRPr>
-            </a:lvl3pPr>
-            <a:lvl4pPr marL="1600200" indent="-228600">
-              <a:defRPr>
-                <a:solidFill>
-                  <a:schemeClr val="tx1"/>
-                </a:solidFill>
-                <a:latin typeface="Arial" pitchFamily="34" charset="0"/>
-                <a:ea typeface="ＭＳ Ｐゴシック" pitchFamily="34" charset="-128"/>
-              </a:defRPr>
-            </a:lvl4pPr>
-            <a:lvl5pPr marL="2057400" indent="-228600">
-              <a:defRPr>
-                <a:solidFill>
-                  <a:schemeClr val="tx1"/>
-                </a:solidFill>
-                <a:latin typeface="Arial" pitchFamily="34" charset="0"/>
-                <a:ea typeface="ＭＳ Ｐゴシック" pitchFamily="34" charset="-128"/>
-              </a:defRPr>
-            </a:lvl5pPr>
-            <a:lvl6pPr marL="2514600" indent="-228600" eaLnBrk="0" fontAlgn="base" hangingPunct="0">
-              <a:spcBef>
-                <a:spcPct val="0"/>
-              </a:spcBef>
-              <a:spcAft>
-                <a:spcPct val="0"/>
-              </a:spcAft>
-              <a:defRPr>
-                <a:solidFill>
-                  <a:schemeClr val="tx1"/>
-                </a:solidFill>
-                <a:latin typeface="Arial" pitchFamily="34" charset="0"/>
-                <a:ea typeface="ＭＳ Ｐゴシック" pitchFamily="34" charset="-128"/>
-              </a:defRPr>
-            </a:lvl6pPr>
-            <a:lvl7pPr marL="2971800" indent="-228600" eaLnBrk="0" fontAlgn="base" hangingPunct="0">
-              <a:spcBef>
-                <a:spcPct val="0"/>
-              </a:spcBef>
-              <a:spcAft>
-                <a:spcPct val="0"/>
-              </a:spcAft>
-              <a:defRPr>
-                <a:solidFill>
-                  <a:schemeClr val="tx1"/>
-                </a:solidFill>
-                <a:latin typeface="Arial" pitchFamily="34" charset="0"/>
-                <a:ea typeface="ＭＳ Ｐゴシック" pitchFamily="34" charset="-128"/>
-              </a:defRPr>
-            </a:lvl7pPr>
-            <a:lvl8pPr marL="3429000" indent="-228600" eaLnBrk="0" fontAlgn="base" hangingPunct="0">
-              <a:spcBef>
-                <a:spcPct val="0"/>
-              </a:spcBef>
-              <a:spcAft>
-                <a:spcPct val="0"/>
-              </a:spcAft>
-              <a:defRPr>
-                <a:solidFill>
-                  <a:schemeClr val="tx1"/>
-                </a:solidFill>
-                <a:latin typeface="Arial" pitchFamily="34" charset="0"/>
-                <a:ea typeface="ＭＳ Ｐゴシック" pitchFamily="34" charset="-128"/>
-              </a:defRPr>
-            </a:lvl8pPr>
-            <a:lvl9pPr marL="3886200" indent="-228600" eaLnBrk="0" fontAlgn="base" hangingPunct="0">
-              <a:spcBef>
-                <a:spcPct val="0"/>
-              </a:spcBef>
-              <a:spcAft>
-                <a:spcPct val="0"/>
-              </a:spcAft>
-              <a:defRPr>
-                <a:solidFill>
-                  <a:schemeClr val="tx1"/>
-                </a:solidFill>
-                <a:latin typeface="Arial" pitchFamily="34" charset="0"/>
-                <a:ea typeface="ＭＳ Ｐゴシック" pitchFamily="34" charset="-128"/>
-              </a:defRPr>
-            </a:lvl9pPr>
-          </a:lstStyle>
-          <a:p>
-            <a:fld id="{6488164F-D671-48E8-95F2-8778AC12C14F}" type="slidenum">
-              <a:rPr lang="en-US" altLang="en-US" smtClean="0">
-                <a:latin typeface="Calibri" pitchFamily="34" charset="0"/>
-              </a:rPr>
-              <a:pPr/>
-              <a:t>21</a:t>
-            </a:fld>
-            <a:endParaRPr lang="en-US" altLang="en-US">
-              <a:latin typeface="Calibri" pitchFamily="34" charset="0"/>
-            </a:endParaRPr>
-          </a:p>
-        </p:txBody>
-      </p:sp>
-      <p:sp>
-        <p:nvSpPr>
-          <p:cNvPr id="11" name="Rectangle 10"/>
-          <p:cNvSpPr/>
-          <p:nvPr/>
-        </p:nvSpPr>
-        <p:spPr>
-          <a:xfrm>
-            <a:off x="2348940" y="1750170"/>
-            <a:ext cx="1763713" cy="290138"/>
-          </a:xfrm>
-          <a:prstGeom prst="rect">
-            <a:avLst/>
-          </a:prstGeom>
-          <a:noFill/>
-          <a:ln>
-            <a:solidFill>
-              <a:schemeClr val="tx1"/>
-            </a:solidFill>
-          </a:ln>
-        </p:spPr>
-        <p:style>
-          <a:lnRef idx="1">
-            <a:schemeClr val="accent1"/>
-          </a:lnRef>
-          <a:fillRef idx="3">
-            <a:schemeClr val="accent1"/>
-          </a:fillRef>
-          <a:effectRef idx="2">
-            <a:schemeClr val="accent1"/>
-          </a:effectRef>
-          <a:fontRef idx="minor">
-            <a:schemeClr val="lt1"/>
-          </a:fontRef>
-        </p:style>
-        <p:txBody>
-          <a:bodyPr rtlCol="0" anchor="ctr"/>
-          <a:lstStyle/>
-          <a:p>
-            <a:pPr algn="ctr"/>
-            <a:r>
-              <a:rPr lang="en-CA" sz="1600">
-                <a:solidFill>
-                  <a:schemeClr val="tx1"/>
-                </a:solidFill>
-              </a:rPr>
-              <a:t>Sensor Data</a:t>
-            </a:r>
-          </a:p>
-        </p:txBody>
-      </p:sp>
-      <p:pic>
-        <p:nvPicPr>
-          <p:cNvPr id="18" name="Picture 17"/>
-          <p:cNvPicPr>
-            <a:picLocks noChangeAspect="1"/>
-          </p:cNvPicPr>
-          <p:nvPr/>
-        </p:nvPicPr>
-        <p:blipFill>
-          <a:blip r:embed="rId2">
-            <a:extLst>
-              <a:ext uri="{28A0092B-C50C-407E-A947-70E740481C1C}">
-                <a14:useLocalDpi xmlns:a14="http://schemas.microsoft.com/office/drawing/2010/main" val="0"/>
-              </a:ext>
-            </a:extLst>
-          </a:blip>
-          <a:stretch>
-            <a:fillRect/>
-          </a:stretch>
-        </p:blipFill>
-        <p:spPr>
-          <a:xfrm>
-            <a:off x="5289550" y="4290210"/>
-            <a:ext cx="3026529" cy="1339845"/>
-          </a:xfrm>
-          <a:prstGeom prst="rect">
-            <a:avLst/>
-          </a:prstGeom>
-        </p:spPr>
-      </p:pic>
-      <p:sp>
-        <p:nvSpPr>
-          <p:cNvPr id="40" name="Rectangle 39"/>
-          <p:cNvSpPr/>
-          <p:nvPr/>
-        </p:nvSpPr>
-        <p:spPr>
-          <a:xfrm>
-            <a:off x="2348940" y="2312187"/>
-            <a:ext cx="1763713" cy="290138"/>
-          </a:xfrm>
-          <a:prstGeom prst="rect">
-            <a:avLst/>
-          </a:prstGeom>
-          <a:noFill/>
-          <a:ln>
-            <a:solidFill>
-              <a:schemeClr val="tx1"/>
-            </a:solidFill>
-          </a:ln>
-        </p:spPr>
-        <p:style>
-          <a:lnRef idx="1">
-            <a:schemeClr val="accent1"/>
-          </a:lnRef>
-          <a:fillRef idx="3">
-            <a:schemeClr val="accent1"/>
-          </a:fillRef>
-          <a:effectRef idx="2">
-            <a:schemeClr val="accent1"/>
-          </a:effectRef>
-          <a:fontRef idx="minor">
-            <a:schemeClr val="lt1"/>
-          </a:fontRef>
-        </p:style>
-        <p:txBody>
-          <a:bodyPr rtlCol="0" anchor="ctr"/>
-          <a:lstStyle/>
-          <a:p>
-            <a:pPr algn="ctr"/>
-            <a:r>
-              <a:rPr lang="en-CA" sz="1600">
-                <a:solidFill>
-                  <a:schemeClr val="tx1"/>
-                </a:solidFill>
-              </a:rPr>
-              <a:t>Feature Extraction</a:t>
-            </a:r>
-          </a:p>
-        </p:txBody>
-      </p:sp>
-      <p:cxnSp>
-        <p:nvCxnSpPr>
-          <p:cNvPr id="41" name="Straight Arrow Connector 40"/>
-          <p:cNvCxnSpPr>
-            <a:endCxn id="40" idx="0"/>
-          </p:cNvCxnSpPr>
-          <p:nvPr/>
-        </p:nvCxnSpPr>
-        <p:spPr>
-          <a:xfrm>
-            <a:off x="3230797" y="2040308"/>
-            <a:ext cx="0" cy="271879"/>
-          </a:xfrm>
-          <a:prstGeom prst="straightConnector1">
-            <a:avLst/>
-          </a:prstGeom>
-          <a:ln>
-            <a:solidFill>
-              <a:schemeClr val="tx1"/>
-            </a:solidFill>
-            <a:tailEnd type="triangle"/>
-          </a:ln>
-        </p:spPr>
-        <p:style>
-          <a:lnRef idx="2">
-            <a:schemeClr val="accent1"/>
-          </a:lnRef>
-          <a:fillRef idx="0">
-            <a:schemeClr val="accent1"/>
-          </a:fillRef>
-          <a:effectRef idx="1">
-            <a:schemeClr val="accent1"/>
-          </a:effectRef>
-          <a:fontRef idx="minor">
-            <a:schemeClr val="tx1"/>
-          </a:fontRef>
-        </p:style>
-      </p:cxnSp>
-      <p:sp>
-        <p:nvSpPr>
-          <p:cNvPr id="42" name="Rectangle 41"/>
-          <p:cNvSpPr/>
-          <p:nvPr/>
-        </p:nvSpPr>
-        <p:spPr>
-          <a:xfrm>
-            <a:off x="2386228" y="2874204"/>
-            <a:ext cx="1763713" cy="290138"/>
-          </a:xfrm>
-          <a:prstGeom prst="rect">
-            <a:avLst/>
-          </a:prstGeom>
-          <a:noFill/>
-          <a:ln>
-            <a:solidFill>
-              <a:schemeClr val="tx1"/>
-            </a:solidFill>
-          </a:ln>
-        </p:spPr>
-        <p:style>
-          <a:lnRef idx="1">
-            <a:schemeClr val="accent1"/>
-          </a:lnRef>
-          <a:fillRef idx="3">
-            <a:schemeClr val="accent1"/>
-          </a:fillRef>
-          <a:effectRef idx="2">
-            <a:schemeClr val="accent1"/>
-          </a:effectRef>
-          <a:fontRef idx="minor">
-            <a:schemeClr val="lt1"/>
-          </a:fontRef>
-        </p:style>
-        <p:txBody>
-          <a:bodyPr rtlCol="0" anchor="ctr"/>
-          <a:lstStyle/>
-          <a:p>
-            <a:pPr algn="ctr"/>
-            <a:r>
-              <a:rPr lang="en-CA" sz="1600">
-                <a:solidFill>
-                  <a:schemeClr val="tx1"/>
-                </a:solidFill>
-              </a:rPr>
-              <a:t>Representation</a:t>
-            </a:r>
-          </a:p>
-        </p:txBody>
-      </p:sp>
-      <p:cxnSp>
-        <p:nvCxnSpPr>
-          <p:cNvPr id="43" name="Straight Arrow Connector 42"/>
-          <p:cNvCxnSpPr>
-            <a:endCxn id="42" idx="0"/>
-          </p:cNvCxnSpPr>
-          <p:nvPr/>
-        </p:nvCxnSpPr>
-        <p:spPr>
-          <a:xfrm>
-            <a:off x="3268085" y="2602325"/>
-            <a:ext cx="0" cy="271879"/>
-          </a:xfrm>
-          <a:prstGeom prst="straightConnector1">
-            <a:avLst/>
-          </a:prstGeom>
-          <a:ln>
-            <a:solidFill>
-              <a:schemeClr val="tx1"/>
-            </a:solidFill>
-            <a:tailEnd type="triangle"/>
-          </a:ln>
-        </p:spPr>
-        <p:style>
-          <a:lnRef idx="2">
-            <a:schemeClr val="accent1"/>
-          </a:lnRef>
-          <a:fillRef idx="0">
-            <a:schemeClr val="accent1"/>
-          </a:fillRef>
-          <a:effectRef idx="1">
-            <a:schemeClr val="accent1"/>
-          </a:effectRef>
-          <a:fontRef idx="minor">
-            <a:schemeClr val="tx1"/>
-          </a:fontRef>
-        </p:style>
-      </p:cxnSp>
-      <p:sp>
-        <p:nvSpPr>
-          <p:cNvPr id="44" name="Rectangle 43"/>
-          <p:cNvSpPr/>
-          <p:nvPr/>
-        </p:nvSpPr>
-        <p:spPr>
-          <a:xfrm>
-            <a:off x="2386228" y="3458960"/>
-            <a:ext cx="1763713" cy="290138"/>
-          </a:xfrm>
-          <a:prstGeom prst="rect">
-            <a:avLst/>
-          </a:prstGeom>
-          <a:noFill/>
-          <a:ln>
-            <a:solidFill>
-              <a:schemeClr val="tx1"/>
-            </a:solidFill>
-          </a:ln>
-        </p:spPr>
-        <p:style>
-          <a:lnRef idx="1">
-            <a:schemeClr val="accent1"/>
-          </a:lnRef>
-          <a:fillRef idx="3">
-            <a:schemeClr val="accent1"/>
-          </a:fillRef>
-          <a:effectRef idx="2">
-            <a:schemeClr val="accent1"/>
-          </a:effectRef>
-          <a:fontRef idx="minor">
-            <a:schemeClr val="lt1"/>
-          </a:fontRef>
-        </p:style>
-        <p:txBody>
-          <a:bodyPr rtlCol="0" anchor="ctr"/>
-          <a:lstStyle/>
-          <a:p>
-            <a:pPr algn="ctr"/>
-            <a:r>
-              <a:rPr lang="en-CA" sz="1600">
-                <a:solidFill>
-                  <a:schemeClr val="tx1"/>
-                </a:solidFill>
-              </a:rPr>
-              <a:t>Machine Learning</a:t>
-            </a:r>
-          </a:p>
-        </p:txBody>
-      </p:sp>
-      <p:cxnSp>
-        <p:nvCxnSpPr>
-          <p:cNvPr id="45" name="Straight Arrow Connector 44"/>
-          <p:cNvCxnSpPr>
-            <a:endCxn id="44" idx="0"/>
-          </p:cNvCxnSpPr>
-          <p:nvPr/>
-        </p:nvCxnSpPr>
-        <p:spPr>
-          <a:xfrm>
-            <a:off x="3268085" y="3187081"/>
-            <a:ext cx="0" cy="271879"/>
-          </a:xfrm>
-          <a:prstGeom prst="straightConnector1">
-            <a:avLst/>
-          </a:prstGeom>
-          <a:ln>
-            <a:solidFill>
-              <a:schemeClr val="tx1"/>
-            </a:solidFill>
-            <a:tailEnd type="triangle"/>
-          </a:ln>
-        </p:spPr>
-        <p:style>
-          <a:lnRef idx="2">
-            <a:schemeClr val="accent1"/>
-          </a:lnRef>
-          <a:fillRef idx="0">
-            <a:schemeClr val="accent1"/>
-          </a:fillRef>
-          <a:effectRef idx="1">
-            <a:schemeClr val="accent1"/>
-          </a:effectRef>
-          <a:fontRef idx="minor">
-            <a:schemeClr val="tx1"/>
-          </a:fontRef>
-        </p:style>
-      </p:cxnSp>
-      <p:sp>
-        <p:nvSpPr>
-          <p:cNvPr id="46" name="Rectangle 45"/>
-          <p:cNvSpPr/>
-          <p:nvPr/>
-        </p:nvSpPr>
-        <p:spPr>
-          <a:xfrm>
-            <a:off x="2402915" y="4000072"/>
-            <a:ext cx="1763713" cy="290138"/>
-          </a:xfrm>
-          <a:prstGeom prst="rect">
-            <a:avLst/>
-          </a:prstGeom>
-          <a:noFill/>
-          <a:ln>
-            <a:solidFill>
-              <a:schemeClr val="tx1"/>
-            </a:solidFill>
-          </a:ln>
-        </p:spPr>
-        <p:style>
-          <a:lnRef idx="1">
-            <a:schemeClr val="accent1"/>
-          </a:lnRef>
-          <a:fillRef idx="3">
-            <a:schemeClr val="accent1"/>
-          </a:fillRef>
-          <a:effectRef idx="2">
-            <a:schemeClr val="accent1"/>
-          </a:effectRef>
-          <a:fontRef idx="minor">
-            <a:schemeClr val="lt1"/>
-          </a:fontRef>
-        </p:style>
-        <p:txBody>
-          <a:bodyPr rtlCol="0" anchor="ctr"/>
-          <a:lstStyle/>
-          <a:p>
-            <a:pPr algn="ctr"/>
-            <a:r>
-              <a:rPr lang="en-CA" sz="1600">
-                <a:solidFill>
-                  <a:schemeClr val="tx1"/>
-                </a:solidFill>
-              </a:rPr>
-              <a:t>Knowledge</a:t>
-            </a:r>
-          </a:p>
-        </p:txBody>
-      </p:sp>
-      <p:cxnSp>
-        <p:nvCxnSpPr>
-          <p:cNvPr id="47" name="Straight Arrow Connector 46"/>
-          <p:cNvCxnSpPr/>
-          <p:nvPr/>
-        </p:nvCxnSpPr>
-        <p:spPr>
-          <a:xfrm>
-            <a:off x="3306017" y="3728193"/>
-            <a:ext cx="0" cy="271879"/>
-          </a:xfrm>
-          <a:prstGeom prst="straightConnector1">
-            <a:avLst/>
-          </a:prstGeom>
-          <a:ln>
-            <a:solidFill>
-              <a:schemeClr val="tx1"/>
-            </a:solidFill>
-            <a:tailEnd type="triangle"/>
-          </a:ln>
-        </p:spPr>
-        <p:style>
-          <a:lnRef idx="2">
-            <a:schemeClr val="accent1"/>
-          </a:lnRef>
-          <a:fillRef idx="0">
-            <a:schemeClr val="accent1"/>
-          </a:fillRef>
-          <a:effectRef idx="1">
-            <a:schemeClr val="accent1"/>
-          </a:effectRef>
-          <a:fontRef idx="minor">
-            <a:schemeClr val="tx1"/>
-          </a:fontRef>
-        </p:style>
-      </p:cxnSp>
-      <p:sp>
-        <p:nvSpPr>
-          <p:cNvPr id="48" name="Rectangle 47"/>
-          <p:cNvSpPr/>
-          <p:nvPr/>
-        </p:nvSpPr>
-        <p:spPr>
-          <a:xfrm>
-            <a:off x="2402915" y="4566218"/>
-            <a:ext cx="1763713" cy="290138"/>
-          </a:xfrm>
-          <a:prstGeom prst="rect">
-            <a:avLst/>
-          </a:prstGeom>
-          <a:noFill/>
-          <a:ln>
-            <a:solidFill>
-              <a:schemeClr val="tx1"/>
-            </a:solidFill>
-          </a:ln>
-        </p:spPr>
-        <p:style>
-          <a:lnRef idx="1">
-            <a:schemeClr val="accent1"/>
-          </a:lnRef>
-          <a:fillRef idx="3">
-            <a:schemeClr val="accent1"/>
-          </a:fillRef>
-          <a:effectRef idx="2">
-            <a:schemeClr val="accent1"/>
-          </a:effectRef>
-          <a:fontRef idx="minor">
-            <a:schemeClr val="lt1"/>
-          </a:fontRef>
-        </p:style>
-        <p:txBody>
-          <a:bodyPr rtlCol="0" anchor="ctr"/>
-          <a:lstStyle/>
-          <a:p>
-            <a:pPr algn="ctr"/>
-            <a:r>
-              <a:rPr lang="en-CA" sz="1600">
-                <a:solidFill>
-                  <a:schemeClr val="tx1"/>
-                </a:solidFill>
-              </a:rPr>
-              <a:t>Reasoning</a:t>
-            </a:r>
-          </a:p>
-        </p:txBody>
-      </p:sp>
-      <p:cxnSp>
-        <p:nvCxnSpPr>
-          <p:cNvPr id="49" name="Straight Arrow Connector 48"/>
-          <p:cNvCxnSpPr>
-            <a:endCxn id="48" idx="0"/>
-          </p:cNvCxnSpPr>
-          <p:nvPr/>
-        </p:nvCxnSpPr>
-        <p:spPr>
-          <a:xfrm>
-            <a:off x="3284772" y="4294339"/>
-            <a:ext cx="0" cy="271879"/>
-          </a:xfrm>
-          <a:prstGeom prst="straightConnector1">
-            <a:avLst/>
-          </a:prstGeom>
-          <a:ln>
-            <a:solidFill>
-              <a:schemeClr val="tx1"/>
-            </a:solidFill>
-            <a:tailEnd type="triangle"/>
-          </a:ln>
-        </p:spPr>
-        <p:style>
-          <a:lnRef idx="2">
-            <a:schemeClr val="accent1"/>
-          </a:lnRef>
-          <a:fillRef idx="0">
-            <a:schemeClr val="accent1"/>
-          </a:fillRef>
-          <a:effectRef idx="1">
-            <a:schemeClr val="accent1"/>
-          </a:effectRef>
-          <a:fontRef idx="minor">
-            <a:schemeClr val="tx1"/>
-          </a:fontRef>
-        </p:style>
-      </p:cxnSp>
-      <p:sp>
-        <p:nvSpPr>
-          <p:cNvPr id="50" name="Rectangle 49"/>
-          <p:cNvSpPr/>
-          <p:nvPr/>
-        </p:nvSpPr>
-        <p:spPr>
-          <a:xfrm>
-            <a:off x="2402915" y="5124106"/>
-            <a:ext cx="1763713" cy="290138"/>
-          </a:xfrm>
-          <a:prstGeom prst="rect">
-            <a:avLst/>
-          </a:prstGeom>
-          <a:noFill/>
-          <a:ln>
-            <a:solidFill>
-              <a:schemeClr val="tx1"/>
-            </a:solidFill>
-          </a:ln>
-        </p:spPr>
-        <p:style>
-          <a:lnRef idx="1">
-            <a:schemeClr val="accent1"/>
-          </a:lnRef>
-          <a:fillRef idx="3">
-            <a:schemeClr val="accent1"/>
-          </a:fillRef>
-          <a:effectRef idx="2">
-            <a:schemeClr val="accent1"/>
-          </a:effectRef>
-          <a:fontRef idx="minor">
-            <a:schemeClr val="lt1"/>
-          </a:fontRef>
-        </p:style>
-        <p:txBody>
-          <a:bodyPr rtlCol="0" anchor="ctr"/>
-          <a:lstStyle/>
-          <a:p>
-            <a:pPr algn="ctr"/>
-            <a:r>
-              <a:rPr lang="en-CA" sz="1600">
-                <a:solidFill>
-                  <a:schemeClr val="tx1"/>
-                </a:solidFill>
-              </a:rPr>
-              <a:t>Planning</a:t>
-            </a:r>
-          </a:p>
-        </p:txBody>
-      </p:sp>
-      <p:cxnSp>
-        <p:nvCxnSpPr>
-          <p:cNvPr id="51" name="Straight Arrow Connector 50"/>
-          <p:cNvCxnSpPr>
-            <a:endCxn id="50" idx="0"/>
-          </p:cNvCxnSpPr>
-          <p:nvPr/>
-        </p:nvCxnSpPr>
-        <p:spPr>
-          <a:xfrm>
-            <a:off x="3284772" y="4852227"/>
-            <a:ext cx="0" cy="271879"/>
-          </a:xfrm>
-          <a:prstGeom prst="straightConnector1">
-            <a:avLst/>
-          </a:prstGeom>
-          <a:ln>
-            <a:solidFill>
-              <a:schemeClr val="tx1"/>
-            </a:solidFill>
-            <a:tailEnd type="triangle"/>
-          </a:ln>
-        </p:spPr>
-        <p:style>
-          <a:lnRef idx="2">
-            <a:schemeClr val="accent1"/>
-          </a:lnRef>
-          <a:fillRef idx="0">
-            <a:schemeClr val="accent1"/>
-          </a:fillRef>
-          <a:effectRef idx="1">
-            <a:schemeClr val="accent1"/>
-          </a:effectRef>
-          <a:fontRef idx="minor">
-            <a:schemeClr val="tx1"/>
-          </a:fontRef>
-        </p:style>
-      </p:cxnSp>
-      <p:sp>
-        <p:nvSpPr>
-          <p:cNvPr id="62" name="Rectangle 61"/>
-          <p:cNvSpPr/>
-          <p:nvPr/>
-        </p:nvSpPr>
-        <p:spPr>
-          <a:xfrm>
-            <a:off x="2424160" y="5681994"/>
-            <a:ext cx="1763713" cy="290138"/>
-          </a:xfrm>
-          <a:prstGeom prst="rect">
-            <a:avLst/>
-          </a:prstGeom>
-          <a:noFill/>
-          <a:ln>
-            <a:solidFill>
-              <a:schemeClr val="tx1"/>
-            </a:solidFill>
-          </a:ln>
-        </p:spPr>
-        <p:style>
-          <a:lnRef idx="1">
-            <a:schemeClr val="accent1"/>
-          </a:lnRef>
-          <a:fillRef idx="3">
-            <a:schemeClr val="accent1"/>
-          </a:fillRef>
-          <a:effectRef idx="2">
-            <a:schemeClr val="accent1"/>
-          </a:effectRef>
-          <a:fontRef idx="minor">
-            <a:schemeClr val="lt1"/>
-          </a:fontRef>
-        </p:style>
-        <p:txBody>
-          <a:bodyPr rtlCol="0" anchor="ctr"/>
-          <a:lstStyle/>
-          <a:p>
-            <a:pPr algn="ctr"/>
-            <a:r>
-              <a:rPr lang="en-CA" sz="1600">
-                <a:solidFill>
-                  <a:schemeClr val="tx1"/>
-                </a:solidFill>
-              </a:rPr>
-              <a:t>Action</a:t>
-            </a:r>
-          </a:p>
-        </p:txBody>
-      </p:sp>
-      <p:cxnSp>
-        <p:nvCxnSpPr>
-          <p:cNvPr id="63" name="Straight Arrow Connector 62"/>
-          <p:cNvCxnSpPr>
-            <a:endCxn id="62" idx="0"/>
-          </p:cNvCxnSpPr>
-          <p:nvPr/>
-        </p:nvCxnSpPr>
-        <p:spPr>
-          <a:xfrm>
-            <a:off x="3306017" y="5410115"/>
-            <a:ext cx="0" cy="271879"/>
-          </a:xfrm>
-          <a:prstGeom prst="straightConnector1">
-            <a:avLst/>
-          </a:prstGeom>
-          <a:ln>
-            <a:solidFill>
-              <a:schemeClr val="tx1"/>
-            </a:solidFill>
-            <a:tailEnd type="triangle"/>
-          </a:ln>
-        </p:spPr>
-        <p:style>
-          <a:lnRef idx="2">
-            <a:schemeClr val="accent1"/>
-          </a:lnRef>
-          <a:fillRef idx="0">
-            <a:schemeClr val="accent1"/>
-          </a:fillRef>
-          <a:effectRef idx="1">
-            <a:schemeClr val="accent1"/>
-          </a:effectRef>
-          <a:fontRef idx="minor">
-            <a:schemeClr val="tx1"/>
-          </a:fontRef>
-        </p:style>
-      </p:cxnSp>
-      <p:sp>
-        <p:nvSpPr>
-          <p:cNvPr id="64" name="Rectangle 63"/>
-          <p:cNvSpPr/>
-          <p:nvPr/>
-        </p:nvSpPr>
-        <p:spPr>
-          <a:xfrm>
-            <a:off x="159218" y="5681994"/>
-            <a:ext cx="1763713" cy="290138"/>
-          </a:xfrm>
-          <a:prstGeom prst="rect">
-            <a:avLst/>
-          </a:prstGeom>
-          <a:noFill/>
-          <a:ln>
-            <a:solidFill>
-              <a:schemeClr val="tx1"/>
-            </a:solidFill>
-          </a:ln>
-        </p:spPr>
-        <p:style>
-          <a:lnRef idx="1">
-            <a:schemeClr val="accent1"/>
-          </a:lnRef>
-          <a:fillRef idx="3">
-            <a:schemeClr val="accent1"/>
-          </a:fillRef>
-          <a:effectRef idx="2">
-            <a:schemeClr val="accent1"/>
-          </a:effectRef>
-          <a:fontRef idx="minor">
-            <a:schemeClr val="lt1"/>
-          </a:fontRef>
-        </p:style>
-        <p:txBody>
-          <a:bodyPr rtlCol="0" anchor="ctr"/>
-          <a:lstStyle/>
-          <a:p>
-            <a:pPr algn="ctr"/>
-            <a:r>
-              <a:rPr lang="en-CA" sz="1600">
-                <a:solidFill>
-                  <a:schemeClr val="tx1"/>
-                </a:solidFill>
-              </a:rPr>
-              <a:t>Effector</a:t>
-            </a:r>
-          </a:p>
-        </p:txBody>
-      </p:sp>
-      <p:cxnSp>
-        <p:nvCxnSpPr>
-          <p:cNvPr id="11265" name="Elbow Connector 11264"/>
-          <p:cNvCxnSpPr>
-            <a:stCxn id="42" idx="3"/>
-            <a:endCxn id="50" idx="3"/>
-          </p:cNvCxnSpPr>
-          <p:nvPr/>
-        </p:nvCxnSpPr>
-        <p:spPr>
-          <a:xfrm>
-            <a:off x="4149941" y="3019273"/>
-            <a:ext cx="16687" cy="2249902"/>
-          </a:xfrm>
-          <a:prstGeom prst="bentConnector3">
-            <a:avLst>
-              <a:gd name="adj1" fmla="val 1469929"/>
-            </a:avLst>
-          </a:prstGeom>
-          <a:ln>
-            <a:solidFill>
-              <a:schemeClr val="tx1"/>
-            </a:solidFill>
-            <a:headEnd type="triangle" w="med" len="med"/>
-            <a:tailEnd type="triangle" w="med" len="med"/>
-          </a:ln>
-        </p:spPr>
-        <p:style>
-          <a:lnRef idx="2">
-            <a:schemeClr val="accent1"/>
-          </a:lnRef>
-          <a:fillRef idx="0">
-            <a:schemeClr val="accent1"/>
-          </a:fillRef>
-          <a:effectRef idx="1">
-            <a:schemeClr val="accent1"/>
-          </a:effectRef>
-          <a:fontRef idx="minor">
-            <a:schemeClr val="tx1"/>
-          </a:fontRef>
-        </p:style>
-      </p:cxnSp>
-      <p:cxnSp>
-        <p:nvCxnSpPr>
-          <p:cNvPr id="11275" name="Straight Arrow Connector 11274"/>
-          <p:cNvCxnSpPr>
-            <a:endCxn id="48" idx="3"/>
-          </p:cNvCxnSpPr>
-          <p:nvPr/>
-        </p:nvCxnSpPr>
-        <p:spPr>
-          <a:xfrm flipH="1">
-            <a:off x="4166628" y="4711287"/>
-            <a:ext cx="230560" cy="0"/>
-          </a:xfrm>
-          <a:prstGeom prst="straightConnector1">
-            <a:avLst/>
-          </a:prstGeom>
-          <a:ln>
-            <a:solidFill>
-              <a:schemeClr val="tx1"/>
-            </a:solidFill>
-            <a:tailEnd type="triangle"/>
-          </a:ln>
-        </p:spPr>
-        <p:style>
-          <a:lnRef idx="2">
-            <a:schemeClr val="accent1"/>
-          </a:lnRef>
-          <a:fillRef idx="0">
-            <a:schemeClr val="accent1"/>
-          </a:fillRef>
-          <a:effectRef idx="1">
-            <a:schemeClr val="accent1"/>
-          </a:effectRef>
-          <a:fontRef idx="minor">
-            <a:schemeClr val="tx1"/>
-          </a:fontRef>
-        </p:style>
-      </p:cxnSp>
-      <p:cxnSp>
-        <p:nvCxnSpPr>
-          <p:cNvPr id="78" name="Straight Arrow Connector 77"/>
-          <p:cNvCxnSpPr/>
-          <p:nvPr/>
-        </p:nvCxnSpPr>
-        <p:spPr>
-          <a:xfrm flipH="1">
-            <a:off x="4187873" y="4144224"/>
-            <a:ext cx="230560" cy="0"/>
-          </a:xfrm>
-          <a:prstGeom prst="straightConnector1">
-            <a:avLst/>
-          </a:prstGeom>
-          <a:ln>
-            <a:solidFill>
-              <a:schemeClr val="tx1"/>
-            </a:solidFill>
-            <a:tailEnd type="triangle"/>
-          </a:ln>
-        </p:spPr>
-        <p:style>
-          <a:lnRef idx="2">
-            <a:schemeClr val="accent1"/>
-          </a:lnRef>
-          <a:fillRef idx="0">
-            <a:schemeClr val="accent1"/>
-          </a:fillRef>
-          <a:effectRef idx="1">
-            <a:schemeClr val="accent1"/>
-          </a:effectRef>
-          <a:fontRef idx="minor">
-            <a:schemeClr val="tx1"/>
-          </a:fontRef>
-        </p:style>
-      </p:cxnSp>
-      <p:cxnSp>
-        <p:nvCxnSpPr>
-          <p:cNvPr id="79" name="Straight Arrow Connector 78"/>
-          <p:cNvCxnSpPr/>
-          <p:nvPr/>
-        </p:nvCxnSpPr>
-        <p:spPr>
-          <a:xfrm flipH="1">
-            <a:off x="4166628" y="3597377"/>
-            <a:ext cx="230560" cy="0"/>
-          </a:xfrm>
-          <a:prstGeom prst="straightConnector1">
-            <a:avLst/>
-          </a:prstGeom>
-          <a:ln>
-            <a:solidFill>
-              <a:schemeClr val="tx1"/>
-            </a:solidFill>
-            <a:tailEnd type="triangle"/>
-          </a:ln>
-        </p:spPr>
-        <p:style>
-          <a:lnRef idx="2">
-            <a:schemeClr val="accent1"/>
-          </a:lnRef>
-          <a:fillRef idx="0">
-            <a:schemeClr val="accent1"/>
-          </a:fillRef>
-          <a:effectRef idx="1">
-            <a:schemeClr val="accent1"/>
-          </a:effectRef>
-          <a:fontRef idx="minor">
-            <a:schemeClr val="tx1"/>
-          </a:fontRef>
-        </p:style>
-      </p:cxnSp>
-      <p:sp>
-        <p:nvSpPr>
-          <p:cNvPr id="82" name="Rectangle 81"/>
-          <p:cNvSpPr/>
-          <p:nvPr/>
-        </p:nvSpPr>
-        <p:spPr>
-          <a:xfrm>
-            <a:off x="144298" y="1750170"/>
-            <a:ext cx="1763713" cy="290138"/>
-          </a:xfrm>
-          <a:prstGeom prst="rect">
-            <a:avLst/>
-          </a:prstGeom>
-          <a:noFill/>
-          <a:ln>
-            <a:solidFill>
-              <a:schemeClr val="tx1"/>
-            </a:solidFill>
-          </a:ln>
-        </p:spPr>
-        <p:style>
-          <a:lnRef idx="1">
-            <a:schemeClr val="accent1"/>
-          </a:lnRef>
-          <a:fillRef idx="3">
-            <a:schemeClr val="accent1"/>
-          </a:fillRef>
-          <a:effectRef idx="2">
-            <a:schemeClr val="accent1"/>
-          </a:effectRef>
-          <a:fontRef idx="minor">
-            <a:schemeClr val="lt1"/>
-          </a:fontRef>
-        </p:style>
-        <p:txBody>
-          <a:bodyPr rtlCol="0" anchor="ctr"/>
-          <a:lstStyle/>
-          <a:p>
-            <a:pPr algn="ctr"/>
-            <a:r>
-              <a:rPr lang="en-CA" sz="1600">
-                <a:solidFill>
-                  <a:schemeClr val="tx1"/>
-                </a:solidFill>
-              </a:rPr>
-              <a:t>Effector</a:t>
-            </a:r>
-          </a:p>
-        </p:txBody>
-      </p:sp>
-      <p:sp>
-        <p:nvSpPr>
-          <p:cNvPr id="83" name="Rectangle 82"/>
-          <p:cNvSpPr/>
-          <p:nvPr/>
-        </p:nvSpPr>
-        <p:spPr>
-          <a:xfrm>
-            <a:off x="159218" y="3458960"/>
-            <a:ext cx="1763713" cy="290138"/>
-          </a:xfrm>
-          <a:prstGeom prst="rect">
-            <a:avLst/>
-          </a:prstGeom>
-          <a:noFill/>
-          <a:ln>
-            <a:solidFill>
-              <a:schemeClr val="tx1"/>
-            </a:solidFill>
-            <a:prstDash val="sysDash"/>
-          </a:ln>
-        </p:spPr>
-        <p:style>
-          <a:lnRef idx="1">
-            <a:schemeClr val="accent1"/>
-          </a:lnRef>
-          <a:fillRef idx="3">
-            <a:schemeClr val="accent1"/>
-          </a:fillRef>
-          <a:effectRef idx="2">
-            <a:schemeClr val="accent1"/>
-          </a:effectRef>
-          <a:fontRef idx="minor">
-            <a:schemeClr val="lt1"/>
-          </a:fontRef>
-        </p:style>
-        <p:txBody>
-          <a:bodyPr rtlCol="0" anchor="ctr"/>
-          <a:lstStyle/>
-          <a:p>
-            <a:pPr algn="ctr"/>
-            <a:r>
-              <a:rPr lang="en-CA" sz="1600">
-                <a:solidFill>
-                  <a:schemeClr val="tx1"/>
-                </a:solidFill>
-              </a:rPr>
-              <a:t>Environment</a:t>
-            </a:r>
-          </a:p>
-        </p:txBody>
-      </p:sp>
-      <p:cxnSp>
-        <p:nvCxnSpPr>
-          <p:cNvPr id="11280" name="Straight Arrow Connector 11279"/>
-          <p:cNvCxnSpPr>
-            <a:stCxn id="62" idx="1"/>
-            <a:endCxn id="64" idx="3"/>
-          </p:cNvCxnSpPr>
-          <p:nvPr/>
-        </p:nvCxnSpPr>
-        <p:spPr>
-          <a:xfrm flipH="1">
-            <a:off x="1922931" y="5827063"/>
-            <a:ext cx="501229" cy="0"/>
-          </a:xfrm>
-          <a:prstGeom prst="straightConnector1">
-            <a:avLst/>
-          </a:prstGeom>
-          <a:ln>
-            <a:solidFill>
-              <a:schemeClr val="tx1"/>
-            </a:solidFill>
-            <a:tailEnd type="triangle"/>
-          </a:ln>
-        </p:spPr>
-        <p:style>
-          <a:lnRef idx="2">
-            <a:schemeClr val="accent1"/>
-          </a:lnRef>
-          <a:fillRef idx="0">
-            <a:schemeClr val="accent1"/>
-          </a:fillRef>
-          <a:effectRef idx="1">
-            <a:schemeClr val="accent1"/>
-          </a:effectRef>
-          <a:fontRef idx="minor">
-            <a:schemeClr val="tx1"/>
-          </a:fontRef>
-        </p:style>
-      </p:cxnSp>
-      <p:cxnSp>
-        <p:nvCxnSpPr>
-          <p:cNvPr id="11282" name="Straight Arrow Connector 11281"/>
-          <p:cNvCxnSpPr>
-            <a:stCxn id="82" idx="3"/>
-            <a:endCxn id="11" idx="1"/>
-          </p:cNvCxnSpPr>
-          <p:nvPr/>
-        </p:nvCxnSpPr>
-        <p:spPr>
-          <a:xfrm>
-            <a:off x="1908011" y="1895239"/>
-            <a:ext cx="440929" cy="0"/>
-          </a:xfrm>
-          <a:prstGeom prst="straightConnector1">
-            <a:avLst/>
-          </a:prstGeom>
-          <a:ln>
-            <a:solidFill>
-              <a:schemeClr val="tx1"/>
-            </a:solidFill>
-            <a:tailEnd type="triangle"/>
-          </a:ln>
-        </p:spPr>
-        <p:style>
-          <a:lnRef idx="2">
-            <a:schemeClr val="accent1"/>
-          </a:lnRef>
-          <a:fillRef idx="0">
-            <a:schemeClr val="accent1"/>
-          </a:fillRef>
-          <a:effectRef idx="1">
-            <a:schemeClr val="accent1"/>
-          </a:effectRef>
-          <a:fontRef idx="minor">
-            <a:schemeClr val="tx1"/>
-          </a:fontRef>
-        </p:style>
-      </p:cxnSp>
-      <p:cxnSp>
-        <p:nvCxnSpPr>
-          <p:cNvPr id="11284" name="Straight Arrow Connector 11283"/>
-          <p:cNvCxnSpPr>
-            <a:stCxn id="64" idx="0"/>
-            <a:endCxn id="83" idx="2"/>
-          </p:cNvCxnSpPr>
-          <p:nvPr/>
-        </p:nvCxnSpPr>
-        <p:spPr>
-          <a:xfrm flipV="1">
-            <a:off x="1041075" y="3749098"/>
-            <a:ext cx="0" cy="1932896"/>
-          </a:xfrm>
-          <a:prstGeom prst="straightConnector1">
-            <a:avLst/>
-          </a:prstGeom>
-          <a:ln>
-            <a:solidFill>
-              <a:schemeClr val="tx1"/>
-            </a:solidFill>
-            <a:tailEnd type="triangle"/>
-          </a:ln>
-        </p:spPr>
-        <p:style>
-          <a:lnRef idx="2">
-            <a:schemeClr val="accent1"/>
-          </a:lnRef>
-          <a:fillRef idx="0">
-            <a:schemeClr val="accent1"/>
-          </a:fillRef>
-          <a:effectRef idx="1">
-            <a:schemeClr val="accent1"/>
-          </a:effectRef>
-          <a:fontRef idx="minor">
-            <a:schemeClr val="tx1"/>
-          </a:fontRef>
-        </p:style>
-      </p:cxnSp>
-      <p:cxnSp>
-        <p:nvCxnSpPr>
-          <p:cNvPr id="11286" name="Straight Arrow Connector 11285"/>
-          <p:cNvCxnSpPr>
-            <a:stCxn id="83" idx="0"/>
-            <a:endCxn id="82" idx="2"/>
-          </p:cNvCxnSpPr>
-          <p:nvPr/>
-        </p:nvCxnSpPr>
-        <p:spPr>
-          <a:xfrm flipH="1" flipV="1">
-            <a:off x="1026155" y="2040308"/>
-            <a:ext cx="14920" cy="1418652"/>
-          </a:xfrm>
-          <a:prstGeom prst="straightConnector1">
-            <a:avLst/>
-          </a:prstGeom>
-          <a:ln>
-            <a:solidFill>
-              <a:schemeClr val="tx1"/>
-            </a:solidFill>
-            <a:tailEnd type="triangle"/>
-          </a:ln>
-        </p:spPr>
-        <p:style>
-          <a:lnRef idx="2">
-            <a:schemeClr val="accent1"/>
-          </a:lnRef>
-          <a:fillRef idx="0">
-            <a:schemeClr val="accent1"/>
-          </a:fillRef>
-          <a:effectRef idx="1">
-            <a:schemeClr val="accent1"/>
-          </a:effectRef>
-          <a:fontRef idx="minor">
-            <a:schemeClr val="tx1"/>
-          </a:fontRef>
-        </p:style>
-      </p:cxnSp>
-      <p:pic>
-        <p:nvPicPr>
-          <p:cNvPr id="33" name="Picture 32">
-            <a:extLst>
-              <a:ext uri="{FF2B5EF4-FFF2-40B4-BE49-F238E27FC236}">
-                <a16:creationId xmlns:a16="http://schemas.microsoft.com/office/drawing/2014/main" id="{E8D94AEA-7E5B-4B8B-99C9-C7381A358308}"/>
-              </a:ext>
-            </a:extLst>
-          </p:cNvPr>
-          <p:cNvPicPr>
-            <a:picLocks noChangeAspect="1"/>
-          </p:cNvPicPr>
-          <p:nvPr/>
-        </p:nvPicPr>
-        <p:blipFill>
-          <a:blip r:embed="rId3"/>
-          <a:stretch>
-            <a:fillRect/>
-          </a:stretch>
-        </p:blipFill>
-        <p:spPr>
-          <a:xfrm>
-            <a:off x="4945078" y="1387172"/>
-            <a:ext cx="3715472" cy="2361235"/>
-          </a:xfrm>
-          <a:prstGeom prst="rect">
-            <a:avLst/>
-          </a:prstGeom>
-        </p:spPr>
-      </p:pic>
-    </p:spTree>
-    <p:extLst>
-      <p:ext uri="{BB962C8B-B14F-4D97-AF65-F5344CB8AC3E}">
-        <p14:creationId xmlns:p14="http://schemas.microsoft.com/office/powerpoint/2010/main" val="2928516051"/>
-      </p:ext>
-    </p:extLst>
-  </p:cSld>
-  <p:clrMapOvr>
-    <a:masterClrMapping/>
-  </p:clrMapOvr>
-</p:sld>
-</file>
-
-<file path=ppt/slides/slide22.xml><?xml version="1.0" encoding="utf-8"?>
 <p:sld xmlns:a="http://schemas.openxmlformats.org/drawingml/2006/main" xmlns:r="http://schemas.openxmlformats.org/officeDocument/2006/relationships" xmlns:p="http://schemas.openxmlformats.org/presentationml/2006/main">
   <p:cSld>
     <p:spTree>
@@ -25083,7 +23708,7 @@
                 <a:buFontTx/>
                 <a:buNone/>
               </a:pPr>
-              <a:t>22</a:t>
+              <a:t>21</a:t>
             </a:fld>
             <a:endParaRPr lang="en-US" altLang="en-US" sz="1400"/>
           </a:p>
@@ -25097,7 +23722,7 @@
 </p:sld>
 </file>
 
-<file path=ppt/slides/slide23.xml><?xml version="1.0" encoding="utf-8"?>
+<file path=ppt/slides/slide22.xml><?xml version="1.0" encoding="utf-8"?>
 <p:sld xmlns:a="http://schemas.openxmlformats.org/drawingml/2006/main" xmlns:r="http://schemas.openxmlformats.org/officeDocument/2006/relationships" xmlns:p="http://schemas.openxmlformats.org/presentationml/2006/main">
   <p:cSld>
     <p:spTree>
@@ -25875,7 +24500,7 @@
                 <a:buFontTx/>
                 <a:buNone/>
               </a:pPr>
-              <a:t>23</a:t>
+              <a:t>22</a:t>
             </a:fld>
             <a:endParaRPr lang="en-US" altLang="en-US" sz="1400"/>
           </a:p>
@@ -25919,7 +24544,7 @@
 </p:sld>
 </file>
 
-<file path=ppt/slides/slide24.xml><?xml version="1.0" encoding="utf-8"?>
+<file path=ppt/slides/slide23.xml><?xml version="1.0" encoding="utf-8"?>
 <p:sld xmlns:a="http://schemas.openxmlformats.org/drawingml/2006/main" xmlns:r="http://schemas.openxmlformats.org/officeDocument/2006/relationships" xmlns:p="http://schemas.openxmlformats.org/presentationml/2006/main">
   <p:cSld>
     <p:spTree>
@@ -26751,7 +25376,7 @@
                 <a:buFontTx/>
                 <a:buNone/>
               </a:pPr>
-              <a:t>24</a:t>
+              <a:t>23</a:t>
             </a:fld>
             <a:endParaRPr lang="en-US" altLang="en-US" sz="1400"/>
           </a:p>
@@ -26765,7 +25390,7 @@
 </p:sld>
 </file>
 
-<file path=ppt/slides/slide25.xml><?xml version="1.0" encoding="utf-8"?>
+<file path=ppt/slides/slide24.xml><?xml version="1.0" encoding="utf-8"?>
 <p:sld xmlns:a="http://schemas.openxmlformats.org/drawingml/2006/main" xmlns:r="http://schemas.openxmlformats.org/officeDocument/2006/relationships" xmlns:p="http://schemas.openxmlformats.org/presentationml/2006/main">
   <p:cSld>
     <p:spTree>
@@ -27543,7 +26168,7 @@
                 <a:buFontTx/>
                 <a:buNone/>
               </a:pPr>
-              <a:t>25</a:t>
+              <a:t>24</a:t>
             </a:fld>
             <a:endParaRPr lang="en-US" altLang="en-US" sz="1400"/>
           </a:p>
@@ -27587,7 +26212,7 @@
 </p:sld>
 </file>
 
-<file path=ppt/slides/slide26.xml><?xml version="1.0" encoding="utf-8"?>
+<file path=ppt/slides/slide25.xml><?xml version="1.0" encoding="utf-8"?>
 <p:sld xmlns:a="http://schemas.openxmlformats.org/drawingml/2006/main" xmlns:r="http://schemas.openxmlformats.org/officeDocument/2006/relationships" xmlns:p="http://schemas.openxmlformats.org/presentationml/2006/main">
   <p:cSld>
     <p:spTree>
@@ -28365,7 +26990,7 @@
                 <a:buFontTx/>
                 <a:buNone/>
               </a:pPr>
-              <a:t>26</a:t>
+              <a:t>25</a:t>
             </a:fld>
             <a:endParaRPr lang="en-US" altLang="en-US" sz="1400"/>
           </a:p>
@@ -28409,7 +27034,7 @@
 </p:sld>
 </file>
 
-<file path=ppt/slides/slide27.xml><?xml version="1.0" encoding="utf-8"?>
+<file path=ppt/slides/slide26.xml><?xml version="1.0" encoding="utf-8"?>
 <p:sld xmlns:a="http://schemas.openxmlformats.org/drawingml/2006/main" xmlns:r="http://schemas.openxmlformats.org/officeDocument/2006/relationships" xmlns:p="http://schemas.openxmlformats.org/presentationml/2006/main">
   <p:cSld>
     <p:spTree>
@@ -29187,7 +27812,7 @@
                 <a:buFontTx/>
                 <a:buNone/>
               </a:pPr>
-              <a:t>27</a:t>
+              <a:t>26</a:t>
             </a:fld>
             <a:endParaRPr lang="en-US" altLang="en-US" sz="1400"/>
           </a:p>
@@ -29231,7 +27856,7 @@
 </p:sld>
 </file>
 
-<file path=ppt/slides/slide28.xml><?xml version="1.0" encoding="utf-8"?>
+<file path=ppt/slides/slide27.xml><?xml version="1.0" encoding="utf-8"?>
 <p:sld xmlns:a="http://schemas.openxmlformats.org/drawingml/2006/main" xmlns:r="http://schemas.openxmlformats.org/officeDocument/2006/relationships" xmlns:p="http://schemas.openxmlformats.org/presentationml/2006/main">
   <p:cSld>
     <p:spTree>
@@ -30009,7 +28634,7 @@
                 <a:buFontTx/>
                 <a:buNone/>
               </a:pPr>
-              <a:t>28</a:t>
+              <a:t>27</a:t>
             </a:fld>
             <a:endParaRPr lang="en-US" altLang="en-US" sz="1400"/>
           </a:p>
@@ -30054,7 +28679,7 @@
 </p:sld>
 </file>
 
-<file path=ppt/slides/slide29.xml><?xml version="1.0" encoding="utf-8"?>
+<file path=ppt/slides/slide28.xml><?xml version="1.0" encoding="utf-8"?>
 <p:sld xmlns:a="http://schemas.openxmlformats.org/drawingml/2006/main" xmlns:r="http://schemas.openxmlformats.org/officeDocument/2006/relationships" xmlns:p="http://schemas.openxmlformats.org/presentationml/2006/main">
   <p:cSld>
     <p:spTree>
@@ -31219,7 +29844,7 @@
                 <a:buFontTx/>
                 <a:buNone/>
               </a:pPr>
-              <a:t>29</a:t>
+              <a:t>28</a:t>
             </a:fld>
             <a:endParaRPr lang="en-US" altLang="en-US" sz="1400"/>
           </a:p>
@@ -31250,6 +29875,988 @@
           <a:xfrm>
             <a:off x="6100763" y="1901825"/>
             <a:ext cx="2771775" cy="2714625"/>
+          </a:xfrm>
+          <a:prstGeom prst="rect">
+            <a:avLst/>
+          </a:prstGeom>
+          <a:noFill/>
+          <a:ln>
+            <a:noFill/>
+          </a:ln>
+          <a:extLst>
+            <a:ext uri="{909E8E84-426E-40DD-AFC4-6F175D3DCCD1}">
+              <a14:hiddenFill xmlns:a14="http://schemas.microsoft.com/office/drawing/2010/main">
+                <a:solidFill>
+                  <a:srgbClr val="FFFFFF"/>
+                </a:solidFill>
+              </a14:hiddenFill>
+            </a:ext>
+            <a:ext uri="{91240B29-F687-4F45-9708-019B960494DF}">
+              <a14:hiddenLine xmlns:a14="http://schemas.microsoft.com/office/drawing/2010/main" w="9525">
+                <a:solidFill>
+                  <a:srgbClr val="000000"/>
+                </a:solidFill>
+                <a:miter lim="800000"/>
+                <a:headEnd/>
+                <a:tailEnd/>
+              </a14:hiddenLine>
+            </a:ext>
+          </a:extLst>
+        </p:spPr>
+      </p:pic>
+    </p:spTree>
+  </p:cSld>
+  <p:clrMapOvr>
+    <a:masterClrMapping/>
+  </p:clrMapOvr>
+</p:sld>
+</file>
+
+<file path=ppt/slides/slide29.xml><?xml version="1.0" encoding="utf-8"?>
+<p:sld xmlns:a="http://schemas.openxmlformats.org/drawingml/2006/main" xmlns:r="http://schemas.openxmlformats.org/officeDocument/2006/relationships" xmlns:p="http://schemas.openxmlformats.org/presentationml/2006/main">
+  <p:cSld>
+    <p:spTree>
+      <p:nvGrpSpPr>
+        <p:cNvPr id="1" name=""/>
+        <p:cNvGrpSpPr/>
+        <p:nvPr/>
+      </p:nvGrpSpPr>
+      <p:grpSpPr>
+        <a:xfrm>
+          <a:off x="0" y="0"/>
+          <a:ext cx="0" cy="0"/>
+          <a:chOff x="0" y="0"/>
+          <a:chExt cx="0" cy="0"/>
+        </a:xfrm>
+      </p:grpSpPr>
+      <p:cxnSp>
+        <p:nvCxnSpPr>
+          <p:cNvPr id="3" name="Straight Connector 2">
+            <a:extLst>
+              <a:ext uri="{FF2B5EF4-FFF2-40B4-BE49-F238E27FC236}">
+                <a16:creationId xmlns:a16="http://schemas.microsoft.com/office/drawing/2014/main" id="{021FF4A7-1361-CB70-41AB-9C0C85AD195F}"/>
+              </a:ext>
+            </a:extLst>
+          </p:cNvPr>
+          <p:cNvCxnSpPr/>
+          <p:nvPr/>
+        </p:nvCxnSpPr>
+        <p:spPr>
+          <a:xfrm>
+            <a:off x="0" y="0"/>
+            <a:ext cx="914400" cy="0"/>
+          </a:xfrm>
+          <a:prstGeom prst="line">
+            <a:avLst/>
+          </a:prstGeom>
+          <a:ln w="0" cap="flat" cmpd="sng" algn="ctr">
+            <a:solidFill>
+              <a:srgbClr val="FBFFFF"/>
+            </a:solidFill>
+            <a:prstDash val="solid"/>
+            <a:round/>
+            <a:headEnd type="none" w="med" len="med"/>
+            <a:tailEnd type="none" w="med" len="med"/>
+          </a:ln>
+          <a:effectLst/>
+          <a:extLst>
+            <a:ext uri="{AF507438-7753-43E0-B8FC-AC1667EBCBE1}">
+              <a14:hiddenEffects xmlns:a14="http://schemas.microsoft.com/office/drawing/2010/main">
+                <a:effectLst>
+                  <a:outerShdw blurRad="40000" rotWithShape="0">
+                    <a:srgbClr val="000000"/>
+                  </a:outerShdw>
+                </a:effectLst>
+              </a14:hiddenEffects>
+            </a:ext>
+          </a:extLst>
+        </p:spPr>
+        <p:style>
+          <a:lnRef idx="2">
+            <a:schemeClr val="accent1"/>
+          </a:lnRef>
+          <a:fillRef idx="0">
+            <a:schemeClr val="accent1"/>
+          </a:fillRef>
+          <a:effectRef idx="1">
+            <a:schemeClr val="accent1"/>
+          </a:effectRef>
+          <a:fontRef idx="minor">
+            <a:schemeClr val="tx1"/>
+          </a:fontRef>
+        </p:style>
+      </p:cxnSp>
+      <p:sp>
+        <p:nvSpPr>
+          <p:cNvPr id="33794" name="Titre 1"/>
+          <p:cNvSpPr>
+            <a:spLocks noGrp="1"/>
+          </p:cNvSpPr>
+          <p:nvPr>
+            <p:ph type="title"/>
+          </p:nvPr>
+        </p:nvSpPr>
+        <p:spPr/>
+        <p:txBody>
+          <a:bodyPr/>
+          <a:lstStyle/>
+          <a:p>
+            <a:pPr eaLnBrk="1" hangingPunct="1"/>
+            <a:r>
+              <a:rPr lang="fr-CA" altLang="en-US">
+                <a:latin typeface="Arial" pitchFamily="34" charset="0"/>
+                <a:ea typeface="ＭＳ Ｐゴシック" pitchFamily="34" charset="-128"/>
+              </a:rPr>
+              <a:t>Caractéristiques du monde des wumpus</a:t>
+            </a:r>
+            <a:endParaRPr lang="en-CA" altLang="en-US">
+              <a:latin typeface="Arial" pitchFamily="34" charset="0"/>
+              <a:ea typeface="ＭＳ Ｐゴシック" pitchFamily="34" charset="-128"/>
+            </a:endParaRPr>
+          </a:p>
+        </p:txBody>
+      </p:sp>
+      <p:sp>
+        <p:nvSpPr>
+          <p:cNvPr id="33795" name="Rectangle 3"/>
+          <p:cNvSpPr>
+            <a:spLocks noGrp="1" noChangeArrowheads="1"/>
+          </p:cNvSpPr>
+          <p:nvPr>
+            <p:ph idx="1"/>
+          </p:nvPr>
+        </p:nvSpPr>
+        <p:spPr/>
+        <p:txBody>
+          <a:bodyPr/>
+          <a:lstStyle/>
+          <a:p>
+            <a:pPr eaLnBrk="1" hangingPunct="1"/>
+            <a:r>
+              <a:rPr lang="fr-CA" altLang="en-US">
+                <a:ea typeface="ＭＳ Ｐゴシック" pitchFamily="34" charset="-128"/>
+              </a:rPr>
+              <a:t>Complètement observable? Non – seulement perception locale.  </a:t>
+            </a:r>
+          </a:p>
+          <a:p>
+            <a:pPr eaLnBrk="1" hangingPunct="1"/>
+            <a:endParaRPr lang="fr-CA" altLang="en-US">
+              <a:ea typeface="ＭＳ Ｐゴシック" pitchFamily="34" charset="-128"/>
+            </a:endParaRPr>
+          </a:p>
+          <a:p>
+            <a:pPr eaLnBrk="1" hangingPunct="1"/>
+            <a:r>
+              <a:rPr lang="fr-CA" altLang="en-US">
+                <a:ea typeface="ＭＳ Ｐゴシック" pitchFamily="34" charset="-128"/>
+              </a:rPr>
+              <a:t>Déterministe? Oui – l</a:t>
+            </a:r>
+            <a:r>
+              <a:rPr lang="fr-CA" altLang="fr-FR">
+                <a:ea typeface="ＭＳ Ｐゴシック" pitchFamily="34" charset="-128"/>
+              </a:rPr>
+              <a:t>’</a:t>
+            </a:r>
+            <a:r>
+              <a:rPr lang="fr-CA" altLang="en-US">
+                <a:ea typeface="ＭＳ Ｐゴシック" pitchFamily="34" charset="-128"/>
+              </a:rPr>
+              <a:t>effet de chaque action est prévisible.</a:t>
+            </a:r>
+          </a:p>
+          <a:p>
+            <a:pPr eaLnBrk="1" hangingPunct="1"/>
+            <a:endParaRPr lang="fr-CA" altLang="en-US">
+              <a:ea typeface="ＭＳ Ｐゴシック" pitchFamily="34" charset="-128"/>
+            </a:endParaRPr>
+          </a:p>
+          <a:p>
+            <a:pPr eaLnBrk="1" hangingPunct="1"/>
+            <a:r>
+              <a:rPr lang="fr-CA" altLang="en-US">
+                <a:ea typeface="ＭＳ Ｐゴシック" pitchFamily="34" charset="-128"/>
+              </a:rPr>
+              <a:t>Épisodique? Non – séquentiel au niveau des actions.</a:t>
+            </a:r>
+          </a:p>
+          <a:p>
+            <a:pPr eaLnBrk="1" hangingPunct="1"/>
+            <a:endParaRPr lang="fr-CA" altLang="en-US">
+              <a:ea typeface="ＭＳ Ｐゴシック" pitchFamily="34" charset="-128"/>
+            </a:endParaRPr>
+          </a:p>
+          <a:p>
+            <a:pPr eaLnBrk="1" hangingPunct="1"/>
+            <a:r>
+              <a:rPr lang="fr-CA" altLang="en-US">
+                <a:ea typeface="ＭＳ Ｐゴシック" pitchFamily="34" charset="-128"/>
+              </a:rPr>
+              <a:t>Statique?  Oui – le </a:t>
+            </a:r>
+            <a:r>
+              <a:rPr lang="fr-CA" altLang="en-US" err="1">
+                <a:ea typeface="ＭＳ Ｐゴシック" pitchFamily="34" charset="-128"/>
+              </a:rPr>
+              <a:t>wumpus</a:t>
+            </a:r>
+            <a:r>
+              <a:rPr lang="fr-CA" altLang="en-US">
+                <a:ea typeface="ＭＳ Ｐゴシック" pitchFamily="34" charset="-128"/>
+              </a:rPr>
+              <a:t> et les fosses ne bougent pas. </a:t>
+            </a:r>
+          </a:p>
+          <a:p>
+            <a:pPr eaLnBrk="1" hangingPunct="1"/>
+            <a:endParaRPr lang="fr-CA" altLang="en-US">
+              <a:ea typeface="ＭＳ Ｐゴシック" pitchFamily="34" charset="-128"/>
+            </a:endParaRPr>
+          </a:p>
+          <a:p>
+            <a:pPr eaLnBrk="1" hangingPunct="1"/>
+            <a:r>
+              <a:rPr lang="fr-CA" altLang="en-US">
+                <a:ea typeface="ＭＳ Ｐゴシック" pitchFamily="34" charset="-128"/>
+              </a:rPr>
+              <a:t>Discret? Oui.</a:t>
+            </a:r>
+          </a:p>
+          <a:p>
+            <a:pPr eaLnBrk="1" hangingPunct="1"/>
+            <a:endParaRPr lang="fr-CA" altLang="en-US">
+              <a:ea typeface="ＭＳ Ｐゴシック" pitchFamily="34" charset="-128"/>
+            </a:endParaRPr>
+          </a:p>
+          <a:p>
+            <a:pPr eaLnBrk="1" hangingPunct="1"/>
+            <a:r>
+              <a:rPr lang="fr-CA" altLang="en-US">
+                <a:ea typeface="ＭＳ Ｐゴシック" pitchFamily="34" charset="-128"/>
+              </a:rPr>
+              <a:t>Agent unique? Oui – La seule action du </a:t>
+            </a:r>
+            <a:r>
+              <a:rPr lang="fr-CA" altLang="en-US" err="1">
+                <a:ea typeface="ＭＳ Ｐゴシック" pitchFamily="34" charset="-128"/>
+              </a:rPr>
+              <a:t>wumpus</a:t>
+            </a:r>
+            <a:r>
+              <a:rPr lang="fr-CA" altLang="en-US">
+                <a:ea typeface="ＭＳ Ｐゴシック" pitchFamily="34" charset="-128"/>
+              </a:rPr>
+              <a:t> est de nous « bouffer » si on atteint sa chambre.</a:t>
+            </a:r>
+          </a:p>
+        </p:txBody>
+      </p:sp>
+      <p:sp>
+        <p:nvSpPr>
+          <p:cNvPr id="33796" name="Espace réservé de la date 11"/>
+          <p:cNvSpPr>
+            <a:spLocks noGrp="1"/>
+          </p:cNvSpPr>
+          <p:nvPr>
+            <p:ph type="dt" sz="quarter" idx="10"/>
+          </p:nvPr>
+        </p:nvSpPr>
+        <p:spPr bwMode="auto">
+          <a:noFill/>
+          <a:extLst>
+            <a:ext uri="{909E8E84-426E-40DD-AFC4-6F175D3DCCD1}">
+              <a14:hiddenFill xmlns:a14="http://schemas.microsoft.com/office/drawing/2010/main">
+                <a:solidFill>
+                  <a:srgbClr val="FFFFFF"/>
+                </a:solidFill>
+              </a14:hiddenFill>
+            </a:ext>
+            <a:ext uri="{91240B29-F687-4F45-9708-019B960494DF}">
+              <a14:hiddenLine xmlns:a14="http://schemas.microsoft.com/office/drawing/2010/main" w="9525">
+                <a:solidFill>
+                  <a:srgbClr val="000000"/>
+                </a:solidFill>
+                <a:miter lim="800000"/>
+                <a:headEnd/>
+                <a:tailEnd/>
+              </a14:hiddenLine>
+            </a:ext>
+          </a:extLst>
+        </p:spPr>
+        <p:txBody>
+          <a:bodyPr wrap="square" numCol="1" anchorCtr="0" compatLnSpc="1">
+            <a:prstTxWarp prst="textNoShape">
+              <a:avLst/>
+            </a:prstTxWarp>
+          </a:bodyPr>
+          <a:lstStyle>
+            <a:lvl1pPr>
+              <a:spcBef>
+                <a:spcPct val="20000"/>
+              </a:spcBef>
+              <a:buClr>
+                <a:srgbClr val="0000FF"/>
+              </a:buClr>
+              <a:buSzPct val="125000"/>
+              <a:buFont typeface="Lucida Grande" charset="0"/>
+              <a:buChar char="●"/>
+              <a:defRPr sz="2000">
+                <a:solidFill>
+                  <a:schemeClr val="tx1"/>
+                </a:solidFill>
+                <a:latin typeface="Calibri" pitchFamily="34" charset="0"/>
+                <a:ea typeface="ＭＳ Ｐゴシック" pitchFamily="34" charset="-128"/>
+              </a:defRPr>
+            </a:lvl1pPr>
+            <a:lvl2pPr marL="742950" indent="-285750">
+              <a:spcBef>
+                <a:spcPct val="20000"/>
+              </a:spcBef>
+              <a:buClr>
+                <a:srgbClr val="0000FF"/>
+              </a:buClr>
+              <a:buSzPct val="85000"/>
+              <a:buFont typeface="Wingdings" pitchFamily="2" charset="2"/>
+              <a:buChar char="u"/>
+              <a:defRPr>
+                <a:solidFill>
+                  <a:schemeClr val="tx1"/>
+                </a:solidFill>
+                <a:latin typeface="Calibri" pitchFamily="34" charset="0"/>
+                <a:ea typeface="ＭＳ Ｐゴシック" pitchFamily="34" charset="-128"/>
+              </a:defRPr>
+            </a:lvl2pPr>
+            <a:lvl3pPr marL="1143000" indent="-228600">
+              <a:spcBef>
+                <a:spcPct val="20000"/>
+              </a:spcBef>
+              <a:buClr>
+                <a:srgbClr val="0000FF"/>
+              </a:buClr>
+              <a:buFont typeface="Lucida Grande" charset="0"/>
+              <a:buChar char="»"/>
+              <a:defRPr sz="1600">
+                <a:solidFill>
+                  <a:schemeClr val="tx1"/>
+                </a:solidFill>
+                <a:latin typeface="Calibri" pitchFamily="34" charset="0"/>
+                <a:ea typeface="ＭＳ Ｐゴシック" pitchFamily="34" charset="-128"/>
+              </a:defRPr>
+            </a:lvl3pPr>
+            <a:lvl4pPr marL="1600200" indent="-228600">
+              <a:spcBef>
+                <a:spcPct val="20000"/>
+              </a:spcBef>
+              <a:buClr>
+                <a:srgbClr val="0000FF"/>
+              </a:buClr>
+              <a:buFont typeface="Arial" pitchFamily="34" charset="0"/>
+              <a:buChar char="–"/>
+              <a:defRPr sz="1600">
+                <a:solidFill>
+                  <a:schemeClr val="tx1"/>
+                </a:solidFill>
+                <a:latin typeface="Calibri" pitchFamily="34" charset="0"/>
+                <a:ea typeface="ＭＳ Ｐゴシック" pitchFamily="34" charset="-128"/>
+              </a:defRPr>
+            </a:lvl4pPr>
+            <a:lvl5pPr marL="2057400" indent="-228600">
+              <a:spcBef>
+                <a:spcPct val="20000"/>
+              </a:spcBef>
+              <a:buClr>
+                <a:srgbClr val="0000FF"/>
+              </a:buClr>
+              <a:buFont typeface="Arial" pitchFamily="34" charset="0"/>
+              <a:buChar char="»"/>
+              <a:defRPr sz="1600">
+                <a:solidFill>
+                  <a:schemeClr val="tx1"/>
+                </a:solidFill>
+                <a:latin typeface="Calibri" pitchFamily="34" charset="0"/>
+                <a:ea typeface="ＭＳ Ｐゴシック" pitchFamily="34" charset="-128"/>
+              </a:defRPr>
+            </a:lvl5pPr>
+            <a:lvl6pPr marL="2514600" indent="-228600" eaLnBrk="0" fontAlgn="base" hangingPunct="0">
+              <a:spcBef>
+                <a:spcPct val="20000"/>
+              </a:spcBef>
+              <a:spcAft>
+                <a:spcPct val="0"/>
+              </a:spcAft>
+              <a:buClr>
+                <a:srgbClr val="0000FF"/>
+              </a:buClr>
+              <a:buFont typeface="Arial" pitchFamily="34" charset="0"/>
+              <a:buChar char="»"/>
+              <a:defRPr sz="1600">
+                <a:solidFill>
+                  <a:schemeClr val="tx1"/>
+                </a:solidFill>
+                <a:latin typeface="Calibri" pitchFamily="34" charset="0"/>
+                <a:ea typeface="ＭＳ Ｐゴシック" pitchFamily="34" charset="-128"/>
+              </a:defRPr>
+            </a:lvl6pPr>
+            <a:lvl7pPr marL="2971800" indent="-228600" eaLnBrk="0" fontAlgn="base" hangingPunct="0">
+              <a:spcBef>
+                <a:spcPct val="20000"/>
+              </a:spcBef>
+              <a:spcAft>
+                <a:spcPct val="0"/>
+              </a:spcAft>
+              <a:buClr>
+                <a:srgbClr val="0000FF"/>
+              </a:buClr>
+              <a:buFont typeface="Arial" pitchFamily="34" charset="0"/>
+              <a:buChar char="»"/>
+              <a:defRPr sz="1600">
+                <a:solidFill>
+                  <a:schemeClr val="tx1"/>
+                </a:solidFill>
+                <a:latin typeface="Calibri" pitchFamily="34" charset="0"/>
+                <a:ea typeface="ＭＳ Ｐゴシック" pitchFamily="34" charset="-128"/>
+              </a:defRPr>
+            </a:lvl7pPr>
+            <a:lvl8pPr marL="3429000" indent="-228600" eaLnBrk="0" fontAlgn="base" hangingPunct="0">
+              <a:spcBef>
+                <a:spcPct val="20000"/>
+              </a:spcBef>
+              <a:spcAft>
+                <a:spcPct val="0"/>
+              </a:spcAft>
+              <a:buClr>
+                <a:srgbClr val="0000FF"/>
+              </a:buClr>
+              <a:buFont typeface="Arial" pitchFamily="34" charset="0"/>
+              <a:buChar char="»"/>
+              <a:defRPr sz="1600">
+                <a:solidFill>
+                  <a:schemeClr val="tx1"/>
+                </a:solidFill>
+                <a:latin typeface="Calibri" pitchFamily="34" charset="0"/>
+                <a:ea typeface="ＭＳ Ｐゴシック" pitchFamily="34" charset="-128"/>
+              </a:defRPr>
+            </a:lvl8pPr>
+            <a:lvl9pPr marL="3886200" indent="-228600" eaLnBrk="0" fontAlgn="base" hangingPunct="0">
+              <a:spcBef>
+                <a:spcPct val="20000"/>
+              </a:spcBef>
+              <a:spcAft>
+                <a:spcPct val="0"/>
+              </a:spcAft>
+              <a:buClr>
+                <a:srgbClr val="0000FF"/>
+              </a:buClr>
+              <a:buFont typeface="Arial" pitchFamily="34" charset="0"/>
+              <a:buChar char="»"/>
+              <a:defRPr sz="1600">
+                <a:solidFill>
+                  <a:schemeClr val="tx1"/>
+                </a:solidFill>
+                <a:latin typeface="Calibri" pitchFamily="34" charset="0"/>
+                <a:ea typeface="ＭＳ Ｐゴシック" pitchFamily="34" charset="-128"/>
+              </a:defRPr>
+            </a:lvl9pPr>
+          </a:lstStyle>
+          <a:p>
+            <a:pPr>
+              <a:spcBef>
+                <a:spcPct val="0"/>
+              </a:spcBef>
+              <a:buClrTx/>
+              <a:buSzTx/>
+              <a:buFontTx/>
+              <a:buNone/>
+            </a:pPr>
+            <a:r>
+              <a:rPr lang="fr-CA" altLang="en-US" sz="1400"/>
+              <a:t>IFT615</a:t>
+            </a:r>
+            <a:endParaRPr lang="en-US" altLang="en-US" sz="1400"/>
+          </a:p>
+        </p:txBody>
+      </p:sp>
+      <p:sp>
+        <p:nvSpPr>
+          <p:cNvPr id="33797" name="Espace réservé du pied de page 12"/>
+          <p:cNvSpPr>
+            <a:spLocks noGrp="1"/>
+          </p:cNvSpPr>
+          <p:nvPr>
+            <p:ph type="ftr" sz="quarter" idx="11"/>
+          </p:nvPr>
+        </p:nvSpPr>
+        <p:spPr bwMode="auto">
+          <a:noFill/>
+          <a:extLst>
+            <a:ext uri="{909E8E84-426E-40DD-AFC4-6F175D3DCCD1}">
+              <a14:hiddenFill xmlns:a14="http://schemas.microsoft.com/office/drawing/2010/main">
+                <a:solidFill>
+                  <a:srgbClr val="FFFFFF"/>
+                </a:solidFill>
+              </a14:hiddenFill>
+            </a:ext>
+            <a:ext uri="{91240B29-F687-4F45-9708-019B960494DF}">
+              <a14:hiddenLine xmlns:a14="http://schemas.microsoft.com/office/drawing/2010/main" w="9525">
+                <a:solidFill>
+                  <a:srgbClr val="000000"/>
+                </a:solidFill>
+                <a:miter lim="800000"/>
+                <a:headEnd/>
+                <a:tailEnd/>
+              </a14:hiddenLine>
+            </a:ext>
+          </a:extLst>
+        </p:spPr>
+        <p:txBody>
+          <a:bodyPr wrap="square" numCol="1" anchorCtr="0" compatLnSpc="1">
+            <a:prstTxWarp prst="textNoShape">
+              <a:avLst/>
+            </a:prstTxWarp>
+          </a:bodyPr>
+          <a:lstStyle>
+            <a:lvl1pPr>
+              <a:spcBef>
+                <a:spcPct val="20000"/>
+              </a:spcBef>
+              <a:buClr>
+                <a:srgbClr val="0000FF"/>
+              </a:buClr>
+              <a:buSzPct val="125000"/>
+              <a:buFont typeface="Lucida Grande" charset="0"/>
+              <a:buChar char="●"/>
+              <a:defRPr sz="2000">
+                <a:solidFill>
+                  <a:schemeClr val="tx1"/>
+                </a:solidFill>
+                <a:latin typeface="Calibri" pitchFamily="34" charset="0"/>
+                <a:ea typeface="ＭＳ Ｐゴシック" pitchFamily="34" charset="-128"/>
+              </a:defRPr>
+            </a:lvl1pPr>
+            <a:lvl2pPr marL="742950" indent="-285750">
+              <a:spcBef>
+                <a:spcPct val="20000"/>
+              </a:spcBef>
+              <a:buClr>
+                <a:srgbClr val="0000FF"/>
+              </a:buClr>
+              <a:buSzPct val="85000"/>
+              <a:buFont typeface="Wingdings" pitchFamily="2" charset="2"/>
+              <a:buChar char="u"/>
+              <a:defRPr>
+                <a:solidFill>
+                  <a:schemeClr val="tx1"/>
+                </a:solidFill>
+                <a:latin typeface="Calibri" pitchFamily="34" charset="0"/>
+                <a:ea typeface="ＭＳ Ｐゴシック" pitchFamily="34" charset="-128"/>
+              </a:defRPr>
+            </a:lvl2pPr>
+            <a:lvl3pPr marL="1143000" indent="-228600">
+              <a:spcBef>
+                <a:spcPct val="20000"/>
+              </a:spcBef>
+              <a:buClr>
+                <a:srgbClr val="0000FF"/>
+              </a:buClr>
+              <a:buFont typeface="Lucida Grande" charset="0"/>
+              <a:buChar char="»"/>
+              <a:defRPr sz="1600">
+                <a:solidFill>
+                  <a:schemeClr val="tx1"/>
+                </a:solidFill>
+                <a:latin typeface="Calibri" pitchFamily="34" charset="0"/>
+                <a:ea typeface="ＭＳ Ｐゴシック" pitchFamily="34" charset="-128"/>
+              </a:defRPr>
+            </a:lvl3pPr>
+            <a:lvl4pPr marL="1600200" indent="-228600">
+              <a:spcBef>
+                <a:spcPct val="20000"/>
+              </a:spcBef>
+              <a:buClr>
+                <a:srgbClr val="0000FF"/>
+              </a:buClr>
+              <a:buFont typeface="Arial" pitchFamily="34" charset="0"/>
+              <a:buChar char="–"/>
+              <a:defRPr sz="1600">
+                <a:solidFill>
+                  <a:schemeClr val="tx1"/>
+                </a:solidFill>
+                <a:latin typeface="Calibri" pitchFamily="34" charset="0"/>
+                <a:ea typeface="ＭＳ Ｐゴシック" pitchFamily="34" charset="-128"/>
+              </a:defRPr>
+            </a:lvl4pPr>
+            <a:lvl5pPr marL="2057400" indent="-228600">
+              <a:spcBef>
+                <a:spcPct val="20000"/>
+              </a:spcBef>
+              <a:buClr>
+                <a:srgbClr val="0000FF"/>
+              </a:buClr>
+              <a:buFont typeface="Arial" pitchFamily="34" charset="0"/>
+              <a:buChar char="»"/>
+              <a:defRPr sz="1600">
+                <a:solidFill>
+                  <a:schemeClr val="tx1"/>
+                </a:solidFill>
+                <a:latin typeface="Calibri" pitchFamily="34" charset="0"/>
+                <a:ea typeface="ＭＳ Ｐゴシック" pitchFamily="34" charset="-128"/>
+              </a:defRPr>
+            </a:lvl5pPr>
+            <a:lvl6pPr marL="2514600" indent="-228600" eaLnBrk="0" fontAlgn="base" hangingPunct="0">
+              <a:spcBef>
+                <a:spcPct val="20000"/>
+              </a:spcBef>
+              <a:spcAft>
+                <a:spcPct val="0"/>
+              </a:spcAft>
+              <a:buClr>
+                <a:srgbClr val="0000FF"/>
+              </a:buClr>
+              <a:buFont typeface="Arial" pitchFamily="34" charset="0"/>
+              <a:buChar char="»"/>
+              <a:defRPr sz="1600">
+                <a:solidFill>
+                  <a:schemeClr val="tx1"/>
+                </a:solidFill>
+                <a:latin typeface="Calibri" pitchFamily="34" charset="0"/>
+                <a:ea typeface="ＭＳ Ｐゴシック" pitchFamily="34" charset="-128"/>
+              </a:defRPr>
+            </a:lvl6pPr>
+            <a:lvl7pPr marL="2971800" indent="-228600" eaLnBrk="0" fontAlgn="base" hangingPunct="0">
+              <a:spcBef>
+                <a:spcPct val="20000"/>
+              </a:spcBef>
+              <a:spcAft>
+                <a:spcPct val="0"/>
+              </a:spcAft>
+              <a:buClr>
+                <a:srgbClr val="0000FF"/>
+              </a:buClr>
+              <a:buFont typeface="Arial" pitchFamily="34" charset="0"/>
+              <a:buChar char="»"/>
+              <a:defRPr sz="1600">
+                <a:solidFill>
+                  <a:schemeClr val="tx1"/>
+                </a:solidFill>
+                <a:latin typeface="Calibri" pitchFamily="34" charset="0"/>
+                <a:ea typeface="ＭＳ Ｐゴシック" pitchFamily="34" charset="-128"/>
+              </a:defRPr>
+            </a:lvl7pPr>
+            <a:lvl8pPr marL="3429000" indent="-228600" eaLnBrk="0" fontAlgn="base" hangingPunct="0">
+              <a:spcBef>
+                <a:spcPct val="20000"/>
+              </a:spcBef>
+              <a:spcAft>
+                <a:spcPct val="0"/>
+              </a:spcAft>
+              <a:buClr>
+                <a:srgbClr val="0000FF"/>
+              </a:buClr>
+              <a:buFont typeface="Arial" pitchFamily="34" charset="0"/>
+              <a:buChar char="»"/>
+              <a:defRPr sz="1600">
+                <a:solidFill>
+                  <a:schemeClr val="tx1"/>
+                </a:solidFill>
+                <a:latin typeface="Calibri" pitchFamily="34" charset="0"/>
+                <a:ea typeface="ＭＳ Ｐゴシック" pitchFamily="34" charset="-128"/>
+              </a:defRPr>
+            </a:lvl8pPr>
+            <a:lvl9pPr marL="3886200" indent="-228600" eaLnBrk="0" fontAlgn="base" hangingPunct="0">
+              <a:spcBef>
+                <a:spcPct val="20000"/>
+              </a:spcBef>
+              <a:spcAft>
+                <a:spcPct val="0"/>
+              </a:spcAft>
+              <a:buClr>
+                <a:srgbClr val="0000FF"/>
+              </a:buClr>
+              <a:buFont typeface="Arial" pitchFamily="34" charset="0"/>
+              <a:buChar char="»"/>
+              <a:defRPr sz="1600">
+                <a:solidFill>
+                  <a:schemeClr val="tx1"/>
+                </a:solidFill>
+                <a:latin typeface="Calibri" pitchFamily="34" charset="0"/>
+                <a:ea typeface="ＭＳ Ｐゴシック" pitchFamily="34" charset="-128"/>
+              </a:defRPr>
+            </a:lvl9pPr>
+          </a:lstStyle>
+          <a:p>
+            <a:pPr>
+              <a:spcBef>
+                <a:spcPct val="0"/>
+              </a:spcBef>
+              <a:buClrTx/>
+              <a:buSzTx/>
+              <a:buFontTx/>
+              <a:buNone/>
+            </a:pPr>
+            <a:r>
+              <a:rPr lang="de-DE" altLang="en-US" sz="1400"/>
+              <a:t>Froduald Kabanza</a:t>
+            </a:r>
+            <a:endParaRPr lang="en-US" altLang="en-US" sz="1400"/>
+          </a:p>
+        </p:txBody>
+      </p:sp>
+      <p:sp>
+        <p:nvSpPr>
+          <p:cNvPr id="33798" name="Espace réservé du numéro de diapositive 13"/>
+          <p:cNvSpPr>
+            <a:spLocks noGrp="1"/>
+          </p:cNvSpPr>
+          <p:nvPr>
+            <p:ph type="sldNum" sz="quarter" idx="12"/>
+          </p:nvPr>
+        </p:nvSpPr>
+        <p:spPr bwMode="auto">
+          <a:noFill/>
+          <a:extLst>
+            <a:ext uri="{909E8E84-426E-40DD-AFC4-6F175D3DCCD1}">
+              <a14:hiddenFill xmlns:a14="http://schemas.microsoft.com/office/drawing/2010/main">
+                <a:solidFill>
+                  <a:srgbClr val="FFFFFF"/>
+                </a:solidFill>
+              </a14:hiddenFill>
+            </a:ext>
+            <a:ext uri="{91240B29-F687-4F45-9708-019B960494DF}">
+              <a14:hiddenLine xmlns:a14="http://schemas.microsoft.com/office/drawing/2010/main" w="9525">
+                <a:solidFill>
+                  <a:srgbClr val="000000"/>
+                </a:solidFill>
+                <a:miter lim="800000"/>
+                <a:headEnd/>
+                <a:tailEnd/>
+              </a14:hiddenLine>
+            </a:ext>
+          </a:extLst>
+        </p:spPr>
+        <p:txBody>
+          <a:bodyPr/>
+          <a:lstStyle>
+            <a:lvl1pPr>
+              <a:spcBef>
+                <a:spcPct val="20000"/>
+              </a:spcBef>
+              <a:buClr>
+                <a:srgbClr val="0000FF"/>
+              </a:buClr>
+              <a:buSzPct val="125000"/>
+              <a:buFont typeface="Lucida Grande" charset="0"/>
+              <a:buChar char="●"/>
+              <a:defRPr sz="2000">
+                <a:solidFill>
+                  <a:schemeClr val="tx1"/>
+                </a:solidFill>
+                <a:latin typeface="Calibri" pitchFamily="34" charset="0"/>
+                <a:ea typeface="ＭＳ Ｐゴシック" pitchFamily="34" charset="-128"/>
+              </a:defRPr>
+            </a:lvl1pPr>
+            <a:lvl2pPr marL="742950" indent="-285750">
+              <a:spcBef>
+                <a:spcPct val="20000"/>
+              </a:spcBef>
+              <a:buClr>
+                <a:srgbClr val="0000FF"/>
+              </a:buClr>
+              <a:buSzPct val="85000"/>
+              <a:buFont typeface="Wingdings" pitchFamily="2" charset="2"/>
+              <a:buChar char="u"/>
+              <a:defRPr>
+                <a:solidFill>
+                  <a:schemeClr val="tx1"/>
+                </a:solidFill>
+                <a:latin typeface="Calibri" pitchFamily="34" charset="0"/>
+                <a:ea typeface="ＭＳ Ｐゴシック" pitchFamily="34" charset="-128"/>
+              </a:defRPr>
+            </a:lvl2pPr>
+            <a:lvl3pPr marL="1143000" indent="-228600">
+              <a:spcBef>
+                <a:spcPct val="20000"/>
+              </a:spcBef>
+              <a:buClr>
+                <a:srgbClr val="0000FF"/>
+              </a:buClr>
+              <a:buFont typeface="Lucida Grande" charset="0"/>
+              <a:buChar char="»"/>
+              <a:defRPr sz="1600">
+                <a:solidFill>
+                  <a:schemeClr val="tx1"/>
+                </a:solidFill>
+                <a:latin typeface="Calibri" pitchFamily="34" charset="0"/>
+                <a:ea typeface="ＭＳ Ｐゴシック" pitchFamily="34" charset="-128"/>
+              </a:defRPr>
+            </a:lvl3pPr>
+            <a:lvl4pPr marL="1600200" indent="-228600">
+              <a:spcBef>
+                <a:spcPct val="20000"/>
+              </a:spcBef>
+              <a:buClr>
+                <a:srgbClr val="0000FF"/>
+              </a:buClr>
+              <a:buFont typeface="Arial" pitchFamily="34" charset="0"/>
+              <a:buChar char="–"/>
+              <a:defRPr sz="1600">
+                <a:solidFill>
+                  <a:schemeClr val="tx1"/>
+                </a:solidFill>
+                <a:latin typeface="Calibri" pitchFamily="34" charset="0"/>
+                <a:ea typeface="ＭＳ Ｐゴシック" pitchFamily="34" charset="-128"/>
+              </a:defRPr>
+            </a:lvl4pPr>
+            <a:lvl5pPr marL="2057400" indent="-228600">
+              <a:spcBef>
+                <a:spcPct val="20000"/>
+              </a:spcBef>
+              <a:buClr>
+                <a:srgbClr val="0000FF"/>
+              </a:buClr>
+              <a:buFont typeface="Arial" pitchFamily="34" charset="0"/>
+              <a:buChar char="»"/>
+              <a:defRPr sz="1600">
+                <a:solidFill>
+                  <a:schemeClr val="tx1"/>
+                </a:solidFill>
+                <a:latin typeface="Calibri" pitchFamily="34" charset="0"/>
+                <a:ea typeface="ＭＳ Ｐゴシック" pitchFamily="34" charset="-128"/>
+              </a:defRPr>
+            </a:lvl5pPr>
+            <a:lvl6pPr marL="2514600" indent="-228600" eaLnBrk="0" fontAlgn="base" hangingPunct="0">
+              <a:spcBef>
+                <a:spcPct val="20000"/>
+              </a:spcBef>
+              <a:spcAft>
+                <a:spcPct val="0"/>
+              </a:spcAft>
+              <a:buClr>
+                <a:srgbClr val="0000FF"/>
+              </a:buClr>
+              <a:buFont typeface="Arial" pitchFamily="34" charset="0"/>
+              <a:buChar char="»"/>
+              <a:defRPr sz="1600">
+                <a:solidFill>
+                  <a:schemeClr val="tx1"/>
+                </a:solidFill>
+                <a:latin typeface="Calibri" pitchFamily="34" charset="0"/>
+                <a:ea typeface="ＭＳ Ｐゴシック" pitchFamily="34" charset="-128"/>
+              </a:defRPr>
+            </a:lvl6pPr>
+            <a:lvl7pPr marL="2971800" indent="-228600" eaLnBrk="0" fontAlgn="base" hangingPunct="0">
+              <a:spcBef>
+                <a:spcPct val="20000"/>
+              </a:spcBef>
+              <a:spcAft>
+                <a:spcPct val="0"/>
+              </a:spcAft>
+              <a:buClr>
+                <a:srgbClr val="0000FF"/>
+              </a:buClr>
+              <a:buFont typeface="Arial" pitchFamily="34" charset="0"/>
+              <a:buChar char="»"/>
+              <a:defRPr sz="1600">
+                <a:solidFill>
+                  <a:schemeClr val="tx1"/>
+                </a:solidFill>
+                <a:latin typeface="Calibri" pitchFamily="34" charset="0"/>
+                <a:ea typeface="ＭＳ Ｐゴシック" pitchFamily="34" charset="-128"/>
+              </a:defRPr>
+            </a:lvl7pPr>
+            <a:lvl8pPr marL="3429000" indent="-228600" eaLnBrk="0" fontAlgn="base" hangingPunct="0">
+              <a:spcBef>
+                <a:spcPct val="20000"/>
+              </a:spcBef>
+              <a:spcAft>
+                <a:spcPct val="0"/>
+              </a:spcAft>
+              <a:buClr>
+                <a:srgbClr val="0000FF"/>
+              </a:buClr>
+              <a:buFont typeface="Arial" pitchFamily="34" charset="0"/>
+              <a:buChar char="»"/>
+              <a:defRPr sz="1600">
+                <a:solidFill>
+                  <a:schemeClr val="tx1"/>
+                </a:solidFill>
+                <a:latin typeface="Calibri" pitchFamily="34" charset="0"/>
+                <a:ea typeface="ＭＳ Ｐゴシック" pitchFamily="34" charset="-128"/>
+              </a:defRPr>
+            </a:lvl8pPr>
+            <a:lvl9pPr marL="3886200" indent="-228600" eaLnBrk="0" fontAlgn="base" hangingPunct="0">
+              <a:spcBef>
+                <a:spcPct val="20000"/>
+              </a:spcBef>
+              <a:spcAft>
+                <a:spcPct val="0"/>
+              </a:spcAft>
+              <a:buClr>
+                <a:srgbClr val="0000FF"/>
+              </a:buClr>
+              <a:buFont typeface="Arial" pitchFamily="34" charset="0"/>
+              <a:buChar char="»"/>
+              <a:defRPr sz="1600">
+                <a:solidFill>
+                  <a:schemeClr val="tx1"/>
+                </a:solidFill>
+                <a:latin typeface="Calibri" pitchFamily="34" charset="0"/>
+                <a:ea typeface="ＭＳ Ｐゴシック" pitchFamily="34" charset="-128"/>
+              </a:defRPr>
+            </a:lvl9pPr>
+          </a:lstStyle>
+          <a:p>
+            <a:pPr>
+              <a:spcBef>
+                <a:spcPct val="0"/>
+              </a:spcBef>
+              <a:buClrTx/>
+              <a:buSzTx/>
+              <a:buFontTx/>
+              <a:buNone/>
+            </a:pPr>
+            <a:fld id="{0C1EACDB-9E50-42AE-8270-D462F63E1031}" type="slidenum">
+              <a:rPr lang="en-US" altLang="en-US" sz="1400" smtClean="0"/>
+              <a:pPr>
+                <a:spcBef>
+                  <a:spcPct val="0"/>
+                </a:spcBef>
+                <a:buClrTx/>
+                <a:buSzTx/>
+                <a:buFontTx/>
+                <a:buNone/>
+              </a:pPr>
+              <a:t>29</a:t>
+            </a:fld>
+            <a:endParaRPr lang="en-US" altLang="en-US" sz="1400"/>
+          </a:p>
+        </p:txBody>
+      </p:sp>
+      <p:pic>
+        <p:nvPicPr>
+          <p:cNvPr id="7" name="Picture 5" descr="wumpus-world"/>
+          <p:cNvPicPr>
+            <a:picLocks noChangeAspect="1" noChangeArrowheads="1"/>
+          </p:cNvPicPr>
+          <p:nvPr/>
+        </p:nvPicPr>
+        <p:blipFill>
+          <a:blip r:embed="rId3">
+            <a:extLst>
+              <a:ext uri="{28A0092B-C50C-407E-A947-70E740481C1C}">
+                <a14:useLocalDpi xmlns:a14="http://schemas.microsoft.com/office/drawing/2010/main" val="0"/>
+              </a:ext>
+            </a:extLst>
+          </a:blip>
+          <a:srcRect/>
+          <a:stretch>
+            <a:fillRect/>
+          </a:stretch>
+        </p:blipFill>
+        <p:spPr bwMode="auto">
+          <a:xfrm>
+            <a:off x="6944079" y="3009786"/>
+            <a:ext cx="1742721" cy="1706789"/>
           </a:xfrm>
           <a:prstGeom prst="rect">
             <a:avLst/>
@@ -32459,988 +32066,6 @@
       </p:grpSpPr>
       <p:cxnSp>
         <p:nvCxnSpPr>
-          <p:cNvPr id="3" name="Straight Connector 2">
-            <a:extLst>
-              <a:ext uri="{FF2B5EF4-FFF2-40B4-BE49-F238E27FC236}">
-                <a16:creationId xmlns:a16="http://schemas.microsoft.com/office/drawing/2014/main" id="{021FF4A7-1361-CB70-41AB-9C0C85AD195F}"/>
-              </a:ext>
-            </a:extLst>
-          </p:cNvPr>
-          <p:cNvCxnSpPr/>
-          <p:nvPr/>
-        </p:nvCxnSpPr>
-        <p:spPr>
-          <a:xfrm>
-            <a:off x="0" y="0"/>
-            <a:ext cx="914400" cy="0"/>
-          </a:xfrm>
-          <a:prstGeom prst="line">
-            <a:avLst/>
-          </a:prstGeom>
-          <a:ln w="0" cap="flat" cmpd="sng" algn="ctr">
-            <a:solidFill>
-              <a:srgbClr val="FBFFFF"/>
-            </a:solidFill>
-            <a:prstDash val="solid"/>
-            <a:round/>
-            <a:headEnd type="none" w="med" len="med"/>
-            <a:tailEnd type="none" w="med" len="med"/>
-          </a:ln>
-          <a:effectLst/>
-          <a:extLst>
-            <a:ext uri="{AF507438-7753-43E0-B8FC-AC1667EBCBE1}">
-              <a14:hiddenEffects xmlns:a14="http://schemas.microsoft.com/office/drawing/2010/main">
-                <a:effectLst>
-                  <a:outerShdw blurRad="40000" rotWithShape="0">
-                    <a:srgbClr val="000000"/>
-                  </a:outerShdw>
-                </a:effectLst>
-              </a14:hiddenEffects>
-            </a:ext>
-          </a:extLst>
-        </p:spPr>
-        <p:style>
-          <a:lnRef idx="2">
-            <a:schemeClr val="accent1"/>
-          </a:lnRef>
-          <a:fillRef idx="0">
-            <a:schemeClr val="accent1"/>
-          </a:fillRef>
-          <a:effectRef idx="1">
-            <a:schemeClr val="accent1"/>
-          </a:effectRef>
-          <a:fontRef idx="minor">
-            <a:schemeClr val="tx1"/>
-          </a:fontRef>
-        </p:style>
-      </p:cxnSp>
-      <p:sp>
-        <p:nvSpPr>
-          <p:cNvPr id="33794" name="Titre 1"/>
-          <p:cNvSpPr>
-            <a:spLocks noGrp="1"/>
-          </p:cNvSpPr>
-          <p:nvPr>
-            <p:ph type="title"/>
-          </p:nvPr>
-        </p:nvSpPr>
-        <p:spPr/>
-        <p:txBody>
-          <a:bodyPr/>
-          <a:lstStyle/>
-          <a:p>
-            <a:pPr eaLnBrk="1" hangingPunct="1"/>
-            <a:r>
-              <a:rPr lang="fr-CA" altLang="en-US">
-                <a:latin typeface="Arial" pitchFamily="34" charset="0"/>
-                <a:ea typeface="ＭＳ Ｐゴシック" pitchFamily="34" charset="-128"/>
-              </a:rPr>
-              <a:t>Caractéristiques du monde des wumpus</a:t>
-            </a:r>
-            <a:endParaRPr lang="en-CA" altLang="en-US">
-              <a:latin typeface="Arial" pitchFamily="34" charset="0"/>
-              <a:ea typeface="ＭＳ Ｐゴシック" pitchFamily="34" charset="-128"/>
-            </a:endParaRPr>
-          </a:p>
-        </p:txBody>
-      </p:sp>
-      <p:sp>
-        <p:nvSpPr>
-          <p:cNvPr id="33795" name="Rectangle 3"/>
-          <p:cNvSpPr>
-            <a:spLocks noGrp="1" noChangeArrowheads="1"/>
-          </p:cNvSpPr>
-          <p:nvPr>
-            <p:ph idx="1"/>
-          </p:nvPr>
-        </p:nvSpPr>
-        <p:spPr/>
-        <p:txBody>
-          <a:bodyPr/>
-          <a:lstStyle/>
-          <a:p>
-            <a:pPr eaLnBrk="1" hangingPunct="1"/>
-            <a:r>
-              <a:rPr lang="fr-CA" altLang="en-US">
-                <a:ea typeface="ＭＳ Ｐゴシック" pitchFamily="34" charset="-128"/>
-              </a:rPr>
-              <a:t>Complètement observable? Non – seulement perception locale.  </a:t>
-            </a:r>
-          </a:p>
-          <a:p>
-            <a:pPr eaLnBrk="1" hangingPunct="1"/>
-            <a:endParaRPr lang="fr-CA" altLang="en-US">
-              <a:ea typeface="ＭＳ Ｐゴシック" pitchFamily="34" charset="-128"/>
-            </a:endParaRPr>
-          </a:p>
-          <a:p>
-            <a:pPr eaLnBrk="1" hangingPunct="1"/>
-            <a:r>
-              <a:rPr lang="fr-CA" altLang="en-US">
-                <a:ea typeface="ＭＳ Ｐゴシック" pitchFamily="34" charset="-128"/>
-              </a:rPr>
-              <a:t>Déterministe? Oui – l</a:t>
-            </a:r>
-            <a:r>
-              <a:rPr lang="fr-CA" altLang="fr-FR">
-                <a:ea typeface="ＭＳ Ｐゴシック" pitchFamily="34" charset="-128"/>
-              </a:rPr>
-              <a:t>’</a:t>
-            </a:r>
-            <a:r>
-              <a:rPr lang="fr-CA" altLang="en-US">
-                <a:ea typeface="ＭＳ Ｐゴシック" pitchFamily="34" charset="-128"/>
-              </a:rPr>
-              <a:t>effet de chaque action est prévisible.</a:t>
-            </a:r>
-          </a:p>
-          <a:p>
-            <a:pPr eaLnBrk="1" hangingPunct="1"/>
-            <a:endParaRPr lang="fr-CA" altLang="en-US">
-              <a:ea typeface="ＭＳ Ｐゴシック" pitchFamily="34" charset="-128"/>
-            </a:endParaRPr>
-          </a:p>
-          <a:p>
-            <a:pPr eaLnBrk="1" hangingPunct="1"/>
-            <a:r>
-              <a:rPr lang="fr-CA" altLang="en-US">
-                <a:ea typeface="ＭＳ Ｐゴシック" pitchFamily="34" charset="-128"/>
-              </a:rPr>
-              <a:t>Épisodique? Non – séquentiel au niveau des actions.</a:t>
-            </a:r>
-          </a:p>
-          <a:p>
-            <a:pPr eaLnBrk="1" hangingPunct="1"/>
-            <a:endParaRPr lang="fr-CA" altLang="en-US">
-              <a:ea typeface="ＭＳ Ｐゴシック" pitchFamily="34" charset="-128"/>
-            </a:endParaRPr>
-          </a:p>
-          <a:p>
-            <a:pPr eaLnBrk="1" hangingPunct="1"/>
-            <a:r>
-              <a:rPr lang="fr-CA" altLang="en-US">
-                <a:ea typeface="ＭＳ Ｐゴシック" pitchFamily="34" charset="-128"/>
-              </a:rPr>
-              <a:t>Statique?  Oui – le </a:t>
-            </a:r>
-            <a:r>
-              <a:rPr lang="fr-CA" altLang="en-US" err="1">
-                <a:ea typeface="ＭＳ Ｐゴシック" pitchFamily="34" charset="-128"/>
-              </a:rPr>
-              <a:t>wumpus</a:t>
-            </a:r>
-            <a:r>
-              <a:rPr lang="fr-CA" altLang="en-US">
-                <a:ea typeface="ＭＳ Ｐゴシック" pitchFamily="34" charset="-128"/>
-              </a:rPr>
-              <a:t> et les fosses ne bougent pas. </a:t>
-            </a:r>
-          </a:p>
-          <a:p>
-            <a:pPr eaLnBrk="1" hangingPunct="1"/>
-            <a:endParaRPr lang="fr-CA" altLang="en-US">
-              <a:ea typeface="ＭＳ Ｐゴシック" pitchFamily="34" charset="-128"/>
-            </a:endParaRPr>
-          </a:p>
-          <a:p>
-            <a:pPr eaLnBrk="1" hangingPunct="1"/>
-            <a:r>
-              <a:rPr lang="fr-CA" altLang="en-US">
-                <a:ea typeface="ＭＳ Ｐゴシック" pitchFamily="34" charset="-128"/>
-              </a:rPr>
-              <a:t>Discret? Oui.</a:t>
-            </a:r>
-          </a:p>
-          <a:p>
-            <a:pPr eaLnBrk="1" hangingPunct="1"/>
-            <a:endParaRPr lang="fr-CA" altLang="en-US">
-              <a:ea typeface="ＭＳ Ｐゴシック" pitchFamily="34" charset="-128"/>
-            </a:endParaRPr>
-          </a:p>
-          <a:p>
-            <a:pPr eaLnBrk="1" hangingPunct="1"/>
-            <a:r>
-              <a:rPr lang="fr-CA" altLang="en-US">
-                <a:ea typeface="ＭＳ Ｐゴシック" pitchFamily="34" charset="-128"/>
-              </a:rPr>
-              <a:t>Agent unique? Oui – La seule action du </a:t>
-            </a:r>
-            <a:r>
-              <a:rPr lang="fr-CA" altLang="en-US" err="1">
-                <a:ea typeface="ＭＳ Ｐゴシック" pitchFamily="34" charset="-128"/>
-              </a:rPr>
-              <a:t>wumpus</a:t>
-            </a:r>
-            <a:r>
-              <a:rPr lang="fr-CA" altLang="en-US">
-                <a:ea typeface="ＭＳ Ｐゴシック" pitchFamily="34" charset="-128"/>
-              </a:rPr>
-              <a:t> est de nous « bouffer » si on atteint sa chambre.</a:t>
-            </a:r>
-          </a:p>
-        </p:txBody>
-      </p:sp>
-      <p:sp>
-        <p:nvSpPr>
-          <p:cNvPr id="33796" name="Espace réservé de la date 11"/>
-          <p:cNvSpPr>
-            <a:spLocks noGrp="1"/>
-          </p:cNvSpPr>
-          <p:nvPr>
-            <p:ph type="dt" sz="quarter" idx="10"/>
-          </p:nvPr>
-        </p:nvSpPr>
-        <p:spPr bwMode="auto">
-          <a:noFill/>
-          <a:extLst>
-            <a:ext uri="{909E8E84-426E-40DD-AFC4-6F175D3DCCD1}">
-              <a14:hiddenFill xmlns:a14="http://schemas.microsoft.com/office/drawing/2010/main">
-                <a:solidFill>
-                  <a:srgbClr val="FFFFFF"/>
-                </a:solidFill>
-              </a14:hiddenFill>
-            </a:ext>
-            <a:ext uri="{91240B29-F687-4F45-9708-019B960494DF}">
-              <a14:hiddenLine xmlns:a14="http://schemas.microsoft.com/office/drawing/2010/main" w="9525">
-                <a:solidFill>
-                  <a:srgbClr val="000000"/>
-                </a:solidFill>
-                <a:miter lim="800000"/>
-                <a:headEnd/>
-                <a:tailEnd/>
-              </a14:hiddenLine>
-            </a:ext>
-          </a:extLst>
-        </p:spPr>
-        <p:txBody>
-          <a:bodyPr wrap="square" numCol="1" anchorCtr="0" compatLnSpc="1">
-            <a:prstTxWarp prst="textNoShape">
-              <a:avLst/>
-            </a:prstTxWarp>
-          </a:bodyPr>
-          <a:lstStyle>
-            <a:lvl1pPr>
-              <a:spcBef>
-                <a:spcPct val="20000"/>
-              </a:spcBef>
-              <a:buClr>
-                <a:srgbClr val="0000FF"/>
-              </a:buClr>
-              <a:buSzPct val="125000"/>
-              <a:buFont typeface="Lucida Grande" charset="0"/>
-              <a:buChar char="●"/>
-              <a:defRPr sz="2000">
-                <a:solidFill>
-                  <a:schemeClr val="tx1"/>
-                </a:solidFill>
-                <a:latin typeface="Calibri" pitchFamily="34" charset="0"/>
-                <a:ea typeface="ＭＳ Ｐゴシック" pitchFamily="34" charset="-128"/>
-              </a:defRPr>
-            </a:lvl1pPr>
-            <a:lvl2pPr marL="742950" indent="-285750">
-              <a:spcBef>
-                <a:spcPct val="20000"/>
-              </a:spcBef>
-              <a:buClr>
-                <a:srgbClr val="0000FF"/>
-              </a:buClr>
-              <a:buSzPct val="85000"/>
-              <a:buFont typeface="Wingdings" pitchFamily="2" charset="2"/>
-              <a:buChar char="u"/>
-              <a:defRPr>
-                <a:solidFill>
-                  <a:schemeClr val="tx1"/>
-                </a:solidFill>
-                <a:latin typeface="Calibri" pitchFamily="34" charset="0"/>
-                <a:ea typeface="ＭＳ Ｐゴシック" pitchFamily="34" charset="-128"/>
-              </a:defRPr>
-            </a:lvl2pPr>
-            <a:lvl3pPr marL="1143000" indent="-228600">
-              <a:spcBef>
-                <a:spcPct val="20000"/>
-              </a:spcBef>
-              <a:buClr>
-                <a:srgbClr val="0000FF"/>
-              </a:buClr>
-              <a:buFont typeface="Lucida Grande" charset="0"/>
-              <a:buChar char="»"/>
-              <a:defRPr sz="1600">
-                <a:solidFill>
-                  <a:schemeClr val="tx1"/>
-                </a:solidFill>
-                <a:latin typeface="Calibri" pitchFamily="34" charset="0"/>
-                <a:ea typeface="ＭＳ Ｐゴシック" pitchFamily="34" charset="-128"/>
-              </a:defRPr>
-            </a:lvl3pPr>
-            <a:lvl4pPr marL="1600200" indent="-228600">
-              <a:spcBef>
-                <a:spcPct val="20000"/>
-              </a:spcBef>
-              <a:buClr>
-                <a:srgbClr val="0000FF"/>
-              </a:buClr>
-              <a:buFont typeface="Arial" pitchFamily="34" charset="0"/>
-              <a:buChar char="–"/>
-              <a:defRPr sz="1600">
-                <a:solidFill>
-                  <a:schemeClr val="tx1"/>
-                </a:solidFill>
-                <a:latin typeface="Calibri" pitchFamily="34" charset="0"/>
-                <a:ea typeface="ＭＳ Ｐゴシック" pitchFamily="34" charset="-128"/>
-              </a:defRPr>
-            </a:lvl4pPr>
-            <a:lvl5pPr marL="2057400" indent="-228600">
-              <a:spcBef>
-                <a:spcPct val="20000"/>
-              </a:spcBef>
-              <a:buClr>
-                <a:srgbClr val="0000FF"/>
-              </a:buClr>
-              <a:buFont typeface="Arial" pitchFamily="34" charset="0"/>
-              <a:buChar char="»"/>
-              <a:defRPr sz="1600">
-                <a:solidFill>
-                  <a:schemeClr val="tx1"/>
-                </a:solidFill>
-                <a:latin typeface="Calibri" pitchFamily="34" charset="0"/>
-                <a:ea typeface="ＭＳ Ｐゴシック" pitchFamily="34" charset="-128"/>
-              </a:defRPr>
-            </a:lvl5pPr>
-            <a:lvl6pPr marL="2514600" indent="-228600" eaLnBrk="0" fontAlgn="base" hangingPunct="0">
-              <a:spcBef>
-                <a:spcPct val="20000"/>
-              </a:spcBef>
-              <a:spcAft>
-                <a:spcPct val="0"/>
-              </a:spcAft>
-              <a:buClr>
-                <a:srgbClr val="0000FF"/>
-              </a:buClr>
-              <a:buFont typeface="Arial" pitchFamily="34" charset="0"/>
-              <a:buChar char="»"/>
-              <a:defRPr sz="1600">
-                <a:solidFill>
-                  <a:schemeClr val="tx1"/>
-                </a:solidFill>
-                <a:latin typeface="Calibri" pitchFamily="34" charset="0"/>
-                <a:ea typeface="ＭＳ Ｐゴシック" pitchFamily="34" charset="-128"/>
-              </a:defRPr>
-            </a:lvl6pPr>
-            <a:lvl7pPr marL="2971800" indent="-228600" eaLnBrk="0" fontAlgn="base" hangingPunct="0">
-              <a:spcBef>
-                <a:spcPct val="20000"/>
-              </a:spcBef>
-              <a:spcAft>
-                <a:spcPct val="0"/>
-              </a:spcAft>
-              <a:buClr>
-                <a:srgbClr val="0000FF"/>
-              </a:buClr>
-              <a:buFont typeface="Arial" pitchFamily="34" charset="0"/>
-              <a:buChar char="»"/>
-              <a:defRPr sz="1600">
-                <a:solidFill>
-                  <a:schemeClr val="tx1"/>
-                </a:solidFill>
-                <a:latin typeface="Calibri" pitchFamily="34" charset="0"/>
-                <a:ea typeface="ＭＳ Ｐゴシック" pitchFamily="34" charset="-128"/>
-              </a:defRPr>
-            </a:lvl7pPr>
-            <a:lvl8pPr marL="3429000" indent="-228600" eaLnBrk="0" fontAlgn="base" hangingPunct="0">
-              <a:spcBef>
-                <a:spcPct val="20000"/>
-              </a:spcBef>
-              <a:spcAft>
-                <a:spcPct val="0"/>
-              </a:spcAft>
-              <a:buClr>
-                <a:srgbClr val="0000FF"/>
-              </a:buClr>
-              <a:buFont typeface="Arial" pitchFamily="34" charset="0"/>
-              <a:buChar char="»"/>
-              <a:defRPr sz="1600">
-                <a:solidFill>
-                  <a:schemeClr val="tx1"/>
-                </a:solidFill>
-                <a:latin typeface="Calibri" pitchFamily="34" charset="0"/>
-                <a:ea typeface="ＭＳ Ｐゴシック" pitchFamily="34" charset="-128"/>
-              </a:defRPr>
-            </a:lvl8pPr>
-            <a:lvl9pPr marL="3886200" indent="-228600" eaLnBrk="0" fontAlgn="base" hangingPunct="0">
-              <a:spcBef>
-                <a:spcPct val="20000"/>
-              </a:spcBef>
-              <a:spcAft>
-                <a:spcPct val="0"/>
-              </a:spcAft>
-              <a:buClr>
-                <a:srgbClr val="0000FF"/>
-              </a:buClr>
-              <a:buFont typeface="Arial" pitchFamily="34" charset="0"/>
-              <a:buChar char="»"/>
-              <a:defRPr sz="1600">
-                <a:solidFill>
-                  <a:schemeClr val="tx1"/>
-                </a:solidFill>
-                <a:latin typeface="Calibri" pitchFamily="34" charset="0"/>
-                <a:ea typeface="ＭＳ Ｐゴシック" pitchFamily="34" charset="-128"/>
-              </a:defRPr>
-            </a:lvl9pPr>
-          </a:lstStyle>
-          <a:p>
-            <a:pPr>
-              <a:spcBef>
-                <a:spcPct val="0"/>
-              </a:spcBef>
-              <a:buClrTx/>
-              <a:buSzTx/>
-              <a:buFontTx/>
-              <a:buNone/>
-            </a:pPr>
-            <a:r>
-              <a:rPr lang="fr-CA" altLang="en-US" sz="1400"/>
-              <a:t>IFT615</a:t>
-            </a:r>
-            <a:endParaRPr lang="en-US" altLang="en-US" sz="1400"/>
-          </a:p>
-        </p:txBody>
-      </p:sp>
-      <p:sp>
-        <p:nvSpPr>
-          <p:cNvPr id="33797" name="Espace réservé du pied de page 12"/>
-          <p:cNvSpPr>
-            <a:spLocks noGrp="1"/>
-          </p:cNvSpPr>
-          <p:nvPr>
-            <p:ph type="ftr" sz="quarter" idx="11"/>
-          </p:nvPr>
-        </p:nvSpPr>
-        <p:spPr bwMode="auto">
-          <a:noFill/>
-          <a:extLst>
-            <a:ext uri="{909E8E84-426E-40DD-AFC4-6F175D3DCCD1}">
-              <a14:hiddenFill xmlns:a14="http://schemas.microsoft.com/office/drawing/2010/main">
-                <a:solidFill>
-                  <a:srgbClr val="FFFFFF"/>
-                </a:solidFill>
-              </a14:hiddenFill>
-            </a:ext>
-            <a:ext uri="{91240B29-F687-4F45-9708-019B960494DF}">
-              <a14:hiddenLine xmlns:a14="http://schemas.microsoft.com/office/drawing/2010/main" w="9525">
-                <a:solidFill>
-                  <a:srgbClr val="000000"/>
-                </a:solidFill>
-                <a:miter lim="800000"/>
-                <a:headEnd/>
-                <a:tailEnd/>
-              </a14:hiddenLine>
-            </a:ext>
-          </a:extLst>
-        </p:spPr>
-        <p:txBody>
-          <a:bodyPr wrap="square" numCol="1" anchorCtr="0" compatLnSpc="1">
-            <a:prstTxWarp prst="textNoShape">
-              <a:avLst/>
-            </a:prstTxWarp>
-          </a:bodyPr>
-          <a:lstStyle>
-            <a:lvl1pPr>
-              <a:spcBef>
-                <a:spcPct val="20000"/>
-              </a:spcBef>
-              <a:buClr>
-                <a:srgbClr val="0000FF"/>
-              </a:buClr>
-              <a:buSzPct val="125000"/>
-              <a:buFont typeface="Lucida Grande" charset="0"/>
-              <a:buChar char="●"/>
-              <a:defRPr sz="2000">
-                <a:solidFill>
-                  <a:schemeClr val="tx1"/>
-                </a:solidFill>
-                <a:latin typeface="Calibri" pitchFamily="34" charset="0"/>
-                <a:ea typeface="ＭＳ Ｐゴシック" pitchFamily="34" charset="-128"/>
-              </a:defRPr>
-            </a:lvl1pPr>
-            <a:lvl2pPr marL="742950" indent="-285750">
-              <a:spcBef>
-                <a:spcPct val="20000"/>
-              </a:spcBef>
-              <a:buClr>
-                <a:srgbClr val="0000FF"/>
-              </a:buClr>
-              <a:buSzPct val="85000"/>
-              <a:buFont typeface="Wingdings" pitchFamily="2" charset="2"/>
-              <a:buChar char="u"/>
-              <a:defRPr>
-                <a:solidFill>
-                  <a:schemeClr val="tx1"/>
-                </a:solidFill>
-                <a:latin typeface="Calibri" pitchFamily="34" charset="0"/>
-                <a:ea typeface="ＭＳ Ｐゴシック" pitchFamily="34" charset="-128"/>
-              </a:defRPr>
-            </a:lvl2pPr>
-            <a:lvl3pPr marL="1143000" indent="-228600">
-              <a:spcBef>
-                <a:spcPct val="20000"/>
-              </a:spcBef>
-              <a:buClr>
-                <a:srgbClr val="0000FF"/>
-              </a:buClr>
-              <a:buFont typeface="Lucida Grande" charset="0"/>
-              <a:buChar char="»"/>
-              <a:defRPr sz="1600">
-                <a:solidFill>
-                  <a:schemeClr val="tx1"/>
-                </a:solidFill>
-                <a:latin typeface="Calibri" pitchFamily="34" charset="0"/>
-                <a:ea typeface="ＭＳ Ｐゴシック" pitchFamily="34" charset="-128"/>
-              </a:defRPr>
-            </a:lvl3pPr>
-            <a:lvl4pPr marL="1600200" indent="-228600">
-              <a:spcBef>
-                <a:spcPct val="20000"/>
-              </a:spcBef>
-              <a:buClr>
-                <a:srgbClr val="0000FF"/>
-              </a:buClr>
-              <a:buFont typeface="Arial" pitchFamily="34" charset="0"/>
-              <a:buChar char="–"/>
-              <a:defRPr sz="1600">
-                <a:solidFill>
-                  <a:schemeClr val="tx1"/>
-                </a:solidFill>
-                <a:latin typeface="Calibri" pitchFamily="34" charset="0"/>
-                <a:ea typeface="ＭＳ Ｐゴシック" pitchFamily="34" charset="-128"/>
-              </a:defRPr>
-            </a:lvl4pPr>
-            <a:lvl5pPr marL="2057400" indent="-228600">
-              <a:spcBef>
-                <a:spcPct val="20000"/>
-              </a:spcBef>
-              <a:buClr>
-                <a:srgbClr val="0000FF"/>
-              </a:buClr>
-              <a:buFont typeface="Arial" pitchFamily="34" charset="0"/>
-              <a:buChar char="»"/>
-              <a:defRPr sz="1600">
-                <a:solidFill>
-                  <a:schemeClr val="tx1"/>
-                </a:solidFill>
-                <a:latin typeface="Calibri" pitchFamily="34" charset="0"/>
-                <a:ea typeface="ＭＳ Ｐゴシック" pitchFamily="34" charset="-128"/>
-              </a:defRPr>
-            </a:lvl5pPr>
-            <a:lvl6pPr marL="2514600" indent="-228600" eaLnBrk="0" fontAlgn="base" hangingPunct="0">
-              <a:spcBef>
-                <a:spcPct val="20000"/>
-              </a:spcBef>
-              <a:spcAft>
-                <a:spcPct val="0"/>
-              </a:spcAft>
-              <a:buClr>
-                <a:srgbClr val="0000FF"/>
-              </a:buClr>
-              <a:buFont typeface="Arial" pitchFamily="34" charset="0"/>
-              <a:buChar char="»"/>
-              <a:defRPr sz="1600">
-                <a:solidFill>
-                  <a:schemeClr val="tx1"/>
-                </a:solidFill>
-                <a:latin typeface="Calibri" pitchFamily="34" charset="0"/>
-                <a:ea typeface="ＭＳ Ｐゴシック" pitchFamily="34" charset="-128"/>
-              </a:defRPr>
-            </a:lvl6pPr>
-            <a:lvl7pPr marL="2971800" indent="-228600" eaLnBrk="0" fontAlgn="base" hangingPunct="0">
-              <a:spcBef>
-                <a:spcPct val="20000"/>
-              </a:spcBef>
-              <a:spcAft>
-                <a:spcPct val="0"/>
-              </a:spcAft>
-              <a:buClr>
-                <a:srgbClr val="0000FF"/>
-              </a:buClr>
-              <a:buFont typeface="Arial" pitchFamily="34" charset="0"/>
-              <a:buChar char="»"/>
-              <a:defRPr sz="1600">
-                <a:solidFill>
-                  <a:schemeClr val="tx1"/>
-                </a:solidFill>
-                <a:latin typeface="Calibri" pitchFamily="34" charset="0"/>
-                <a:ea typeface="ＭＳ Ｐゴシック" pitchFamily="34" charset="-128"/>
-              </a:defRPr>
-            </a:lvl7pPr>
-            <a:lvl8pPr marL="3429000" indent="-228600" eaLnBrk="0" fontAlgn="base" hangingPunct="0">
-              <a:spcBef>
-                <a:spcPct val="20000"/>
-              </a:spcBef>
-              <a:spcAft>
-                <a:spcPct val="0"/>
-              </a:spcAft>
-              <a:buClr>
-                <a:srgbClr val="0000FF"/>
-              </a:buClr>
-              <a:buFont typeface="Arial" pitchFamily="34" charset="0"/>
-              <a:buChar char="»"/>
-              <a:defRPr sz="1600">
-                <a:solidFill>
-                  <a:schemeClr val="tx1"/>
-                </a:solidFill>
-                <a:latin typeface="Calibri" pitchFamily="34" charset="0"/>
-                <a:ea typeface="ＭＳ Ｐゴシック" pitchFamily="34" charset="-128"/>
-              </a:defRPr>
-            </a:lvl8pPr>
-            <a:lvl9pPr marL="3886200" indent="-228600" eaLnBrk="0" fontAlgn="base" hangingPunct="0">
-              <a:spcBef>
-                <a:spcPct val="20000"/>
-              </a:spcBef>
-              <a:spcAft>
-                <a:spcPct val="0"/>
-              </a:spcAft>
-              <a:buClr>
-                <a:srgbClr val="0000FF"/>
-              </a:buClr>
-              <a:buFont typeface="Arial" pitchFamily="34" charset="0"/>
-              <a:buChar char="»"/>
-              <a:defRPr sz="1600">
-                <a:solidFill>
-                  <a:schemeClr val="tx1"/>
-                </a:solidFill>
-                <a:latin typeface="Calibri" pitchFamily="34" charset="0"/>
-                <a:ea typeface="ＭＳ Ｐゴシック" pitchFamily="34" charset="-128"/>
-              </a:defRPr>
-            </a:lvl9pPr>
-          </a:lstStyle>
-          <a:p>
-            <a:pPr>
-              <a:spcBef>
-                <a:spcPct val="0"/>
-              </a:spcBef>
-              <a:buClrTx/>
-              <a:buSzTx/>
-              <a:buFontTx/>
-              <a:buNone/>
-            </a:pPr>
-            <a:r>
-              <a:rPr lang="de-DE" altLang="en-US" sz="1400"/>
-              <a:t>Froduald Kabanza</a:t>
-            </a:r>
-            <a:endParaRPr lang="en-US" altLang="en-US" sz="1400"/>
-          </a:p>
-        </p:txBody>
-      </p:sp>
-      <p:sp>
-        <p:nvSpPr>
-          <p:cNvPr id="33798" name="Espace réservé du numéro de diapositive 13"/>
-          <p:cNvSpPr>
-            <a:spLocks noGrp="1"/>
-          </p:cNvSpPr>
-          <p:nvPr>
-            <p:ph type="sldNum" sz="quarter" idx="12"/>
-          </p:nvPr>
-        </p:nvSpPr>
-        <p:spPr bwMode="auto">
-          <a:noFill/>
-          <a:extLst>
-            <a:ext uri="{909E8E84-426E-40DD-AFC4-6F175D3DCCD1}">
-              <a14:hiddenFill xmlns:a14="http://schemas.microsoft.com/office/drawing/2010/main">
-                <a:solidFill>
-                  <a:srgbClr val="FFFFFF"/>
-                </a:solidFill>
-              </a14:hiddenFill>
-            </a:ext>
-            <a:ext uri="{91240B29-F687-4F45-9708-019B960494DF}">
-              <a14:hiddenLine xmlns:a14="http://schemas.microsoft.com/office/drawing/2010/main" w="9525">
-                <a:solidFill>
-                  <a:srgbClr val="000000"/>
-                </a:solidFill>
-                <a:miter lim="800000"/>
-                <a:headEnd/>
-                <a:tailEnd/>
-              </a14:hiddenLine>
-            </a:ext>
-          </a:extLst>
-        </p:spPr>
-        <p:txBody>
-          <a:bodyPr/>
-          <a:lstStyle>
-            <a:lvl1pPr>
-              <a:spcBef>
-                <a:spcPct val="20000"/>
-              </a:spcBef>
-              <a:buClr>
-                <a:srgbClr val="0000FF"/>
-              </a:buClr>
-              <a:buSzPct val="125000"/>
-              <a:buFont typeface="Lucida Grande" charset="0"/>
-              <a:buChar char="●"/>
-              <a:defRPr sz="2000">
-                <a:solidFill>
-                  <a:schemeClr val="tx1"/>
-                </a:solidFill>
-                <a:latin typeface="Calibri" pitchFamily="34" charset="0"/>
-                <a:ea typeface="ＭＳ Ｐゴシック" pitchFamily="34" charset="-128"/>
-              </a:defRPr>
-            </a:lvl1pPr>
-            <a:lvl2pPr marL="742950" indent="-285750">
-              <a:spcBef>
-                <a:spcPct val="20000"/>
-              </a:spcBef>
-              <a:buClr>
-                <a:srgbClr val="0000FF"/>
-              </a:buClr>
-              <a:buSzPct val="85000"/>
-              <a:buFont typeface="Wingdings" pitchFamily="2" charset="2"/>
-              <a:buChar char="u"/>
-              <a:defRPr>
-                <a:solidFill>
-                  <a:schemeClr val="tx1"/>
-                </a:solidFill>
-                <a:latin typeface="Calibri" pitchFamily="34" charset="0"/>
-                <a:ea typeface="ＭＳ Ｐゴシック" pitchFamily="34" charset="-128"/>
-              </a:defRPr>
-            </a:lvl2pPr>
-            <a:lvl3pPr marL="1143000" indent="-228600">
-              <a:spcBef>
-                <a:spcPct val="20000"/>
-              </a:spcBef>
-              <a:buClr>
-                <a:srgbClr val="0000FF"/>
-              </a:buClr>
-              <a:buFont typeface="Lucida Grande" charset="0"/>
-              <a:buChar char="»"/>
-              <a:defRPr sz="1600">
-                <a:solidFill>
-                  <a:schemeClr val="tx1"/>
-                </a:solidFill>
-                <a:latin typeface="Calibri" pitchFamily="34" charset="0"/>
-                <a:ea typeface="ＭＳ Ｐゴシック" pitchFamily="34" charset="-128"/>
-              </a:defRPr>
-            </a:lvl3pPr>
-            <a:lvl4pPr marL="1600200" indent="-228600">
-              <a:spcBef>
-                <a:spcPct val="20000"/>
-              </a:spcBef>
-              <a:buClr>
-                <a:srgbClr val="0000FF"/>
-              </a:buClr>
-              <a:buFont typeface="Arial" pitchFamily="34" charset="0"/>
-              <a:buChar char="–"/>
-              <a:defRPr sz="1600">
-                <a:solidFill>
-                  <a:schemeClr val="tx1"/>
-                </a:solidFill>
-                <a:latin typeface="Calibri" pitchFamily="34" charset="0"/>
-                <a:ea typeface="ＭＳ Ｐゴシック" pitchFamily="34" charset="-128"/>
-              </a:defRPr>
-            </a:lvl4pPr>
-            <a:lvl5pPr marL="2057400" indent="-228600">
-              <a:spcBef>
-                <a:spcPct val="20000"/>
-              </a:spcBef>
-              <a:buClr>
-                <a:srgbClr val="0000FF"/>
-              </a:buClr>
-              <a:buFont typeface="Arial" pitchFamily="34" charset="0"/>
-              <a:buChar char="»"/>
-              <a:defRPr sz="1600">
-                <a:solidFill>
-                  <a:schemeClr val="tx1"/>
-                </a:solidFill>
-                <a:latin typeface="Calibri" pitchFamily="34" charset="0"/>
-                <a:ea typeface="ＭＳ Ｐゴシック" pitchFamily="34" charset="-128"/>
-              </a:defRPr>
-            </a:lvl5pPr>
-            <a:lvl6pPr marL="2514600" indent="-228600" eaLnBrk="0" fontAlgn="base" hangingPunct="0">
-              <a:spcBef>
-                <a:spcPct val="20000"/>
-              </a:spcBef>
-              <a:spcAft>
-                <a:spcPct val="0"/>
-              </a:spcAft>
-              <a:buClr>
-                <a:srgbClr val="0000FF"/>
-              </a:buClr>
-              <a:buFont typeface="Arial" pitchFamily="34" charset="0"/>
-              <a:buChar char="»"/>
-              <a:defRPr sz="1600">
-                <a:solidFill>
-                  <a:schemeClr val="tx1"/>
-                </a:solidFill>
-                <a:latin typeface="Calibri" pitchFamily="34" charset="0"/>
-                <a:ea typeface="ＭＳ Ｐゴシック" pitchFamily="34" charset="-128"/>
-              </a:defRPr>
-            </a:lvl6pPr>
-            <a:lvl7pPr marL="2971800" indent="-228600" eaLnBrk="0" fontAlgn="base" hangingPunct="0">
-              <a:spcBef>
-                <a:spcPct val="20000"/>
-              </a:spcBef>
-              <a:spcAft>
-                <a:spcPct val="0"/>
-              </a:spcAft>
-              <a:buClr>
-                <a:srgbClr val="0000FF"/>
-              </a:buClr>
-              <a:buFont typeface="Arial" pitchFamily="34" charset="0"/>
-              <a:buChar char="»"/>
-              <a:defRPr sz="1600">
-                <a:solidFill>
-                  <a:schemeClr val="tx1"/>
-                </a:solidFill>
-                <a:latin typeface="Calibri" pitchFamily="34" charset="0"/>
-                <a:ea typeface="ＭＳ Ｐゴシック" pitchFamily="34" charset="-128"/>
-              </a:defRPr>
-            </a:lvl7pPr>
-            <a:lvl8pPr marL="3429000" indent="-228600" eaLnBrk="0" fontAlgn="base" hangingPunct="0">
-              <a:spcBef>
-                <a:spcPct val="20000"/>
-              </a:spcBef>
-              <a:spcAft>
-                <a:spcPct val="0"/>
-              </a:spcAft>
-              <a:buClr>
-                <a:srgbClr val="0000FF"/>
-              </a:buClr>
-              <a:buFont typeface="Arial" pitchFamily="34" charset="0"/>
-              <a:buChar char="»"/>
-              <a:defRPr sz="1600">
-                <a:solidFill>
-                  <a:schemeClr val="tx1"/>
-                </a:solidFill>
-                <a:latin typeface="Calibri" pitchFamily="34" charset="0"/>
-                <a:ea typeface="ＭＳ Ｐゴシック" pitchFamily="34" charset="-128"/>
-              </a:defRPr>
-            </a:lvl8pPr>
-            <a:lvl9pPr marL="3886200" indent="-228600" eaLnBrk="0" fontAlgn="base" hangingPunct="0">
-              <a:spcBef>
-                <a:spcPct val="20000"/>
-              </a:spcBef>
-              <a:spcAft>
-                <a:spcPct val="0"/>
-              </a:spcAft>
-              <a:buClr>
-                <a:srgbClr val="0000FF"/>
-              </a:buClr>
-              <a:buFont typeface="Arial" pitchFamily="34" charset="0"/>
-              <a:buChar char="»"/>
-              <a:defRPr sz="1600">
-                <a:solidFill>
-                  <a:schemeClr val="tx1"/>
-                </a:solidFill>
-                <a:latin typeface="Calibri" pitchFamily="34" charset="0"/>
-                <a:ea typeface="ＭＳ Ｐゴシック" pitchFamily="34" charset="-128"/>
-              </a:defRPr>
-            </a:lvl9pPr>
-          </a:lstStyle>
-          <a:p>
-            <a:pPr>
-              <a:spcBef>
-                <a:spcPct val="0"/>
-              </a:spcBef>
-              <a:buClrTx/>
-              <a:buSzTx/>
-              <a:buFontTx/>
-              <a:buNone/>
-            </a:pPr>
-            <a:fld id="{0C1EACDB-9E50-42AE-8270-D462F63E1031}" type="slidenum">
-              <a:rPr lang="en-US" altLang="en-US" sz="1400" smtClean="0"/>
-              <a:pPr>
-                <a:spcBef>
-                  <a:spcPct val="0"/>
-                </a:spcBef>
-                <a:buClrTx/>
-                <a:buSzTx/>
-                <a:buFontTx/>
-                <a:buNone/>
-              </a:pPr>
-              <a:t>30</a:t>
-            </a:fld>
-            <a:endParaRPr lang="en-US" altLang="en-US" sz="1400"/>
-          </a:p>
-        </p:txBody>
-      </p:sp>
-      <p:pic>
-        <p:nvPicPr>
-          <p:cNvPr id="7" name="Picture 5" descr="wumpus-world"/>
-          <p:cNvPicPr>
-            <a:picLocks noChangeAspect="1" noChangeArrowheads="1"/>
-          </p:cNvPicPr>
-          <p:nvPr/>
-        </p:nvPicPr>
-        <p:blipFill>
-          <a:blip r:embed="rId3">
-            <a:extLst>
-              <a:ext uri="{28A0092B-C50C-407E-A947-70E740481C1C}">
-                <a14:useLocalDpi xmlns:a14="http://schemas.microsoft.com/office/drawing/2010/main" val="0"/>
-              </a:ext>
-            </a:extLst>
-          </a:blip>
-          <a:srcRect/>
-          <a:stretch>
-            <a:fillRect/>
-          </a:stretch>
-        </p:blipFill>
-        <p:spPr bwMode="auto">
-          <a:xfrm>
-            <a:off x="6944079" y="3009786"/>
-            <a:ext cx="1742721" cy="1706789"/>
-          </a:xfrm>
-          <a:prstGeom prst="rect">
-            <a:avLst/>
-          </a:prstGeom>
-          <a:noFill/>
-          <a:ln>
-            <a:noFill/>
-          </a:ln>
-          <a:extLst>
-            <a:ext uri="{909E8E84-426E-40DD-AFC4-6F175D3DCCD1}">
-              <a14:hiddenFill xmlns:a14="http://schemas.microsoft.com/office/drawing/2010/main">
-                <a:solidFill>
-                  <a:srgbClr val="FFFFFF"/>
-                </a:solidFill>
-              </a14:hiddenFill>
-            </a:ext>
-            <a:ext uri="{91240B29-F687-4F45-9708-019B960494DF}">
-              <a14:hiddenLine xmlns:a14="http://schemas.microsoft.com/office/drawing/2010/main" w="9525">
-                <a:solidFill>
-                  <a:srgbClr val="000000"/>
-                </a:solidFill>
-                <a:miter lim="800000"/>
-                <a:headEnd/>
-                <a:tailEnd/>
-              </a14:hiddenLine>
-            </a:ext>
-          </a:extLst>
-        </p:spPr>
-      </p:pic>
-    </p:spTree>
-  </p:cSld>
-  <p:clrMapOvr>
-    <a:masterClrMapping/>
-  </p:clrMapOvr>
-</p:sld>
-</file>
-
-<file path=ppt/slides/slide31.xml><?xml version="1.0" encoding="utf-8"?>
-<p:sld xmlns:a="http://schemas.openxmlformats.org/drawingml/2006/main" xmlns:r="http://schemas.openxmlformats.org/officeDocument/2006/relationships" xmlns:p="http://schemas.openxmlformats.org/presentationml/2006/main">
-  <p:cSld>
-    <p:spTree>
-      <p:nvGrpSpPr>
-        <p:cNvPr id="1" name=""/>
-        <p:cNvGrpSpPr/>
-        <p:nvPr/>
-      </p:nvGrpSpPr>
-      <p:grpSpPr>
-        <a:xfrm>
-          <a:off x="0" y="0"/>
-          <a:ext cx="0" cy="0"/>
-          <a:chOff x="0" y="0"/>
-          <a:chExt cx="0" cy="0"/>
-        </a:xfrm>
-      </p:grpSpPr>
-      <p:cxnSp>
-        <p:nvCxnSpPr>
           <p:cNvPr id="2" name="Straight Connector 1">
             <a:extLst>
               <a:ext uri="{FF2B5EF4-FFF2-40B4-BE49-F238E27FC236}">
@@ -34254,7 +32879,7 @@
                 <a:buFontTx/>
                 <a:buNone/>
               </a:pPr>
-              <a:t>31</a:t>
+              <a:t>30</a:t>
             </a:fld>
             <a:endParaRPr lang="en-US" altLang="en-US" sz="1400"/>
           </a:p>
@@ -34268,7 +32893,7 @@
 </p:sld>
 </file>
 
-<file path=ppt/slides/slide32.xml><?xml version="1.0" encoding="utf-8"?>
+<file path=ppt/slides/slide31.xml><?xml version="1.0" encoding="utf-8"?>
 <p:sld xmlns:a="http://schemas.openxmlformats.org/drawingml/2006/main" xmlns:r="http://schemas.openxmlformats.org/officeDocument/2006/relationships" xmlns:p="http://schemas.openxmlformats.org/presentationml/2006/main">
   <p:cSld>
     <p:spTree>
@@ -35100,7 +33725,7 @@
                 <a:buFontTx/>
                 <a:buNone/>
               </a:pPr>
-              <a:t>32</a:t>
+              <a:t>31</a:t>
             </a:fld>
             <a:endParaRPr lang="en-US" altLang="en-US" sz="1400"/>
           </a:p>
@@ -35114,7 +33739,7 @@
 </p:sld>
 </file>
 
-<file path=ppt/slides/slide33.xml><?xml version="1.0" encoding="utf-8"?>
+<file path=ppt/slides/slide32.xml><?xml version="1.0" encoding="utf-8"?>
 <p:sld xmlns:a="http://schemas.openxmlformats.org/drawingml/2006/main" xmlns:r="http://schemas.openxmlformats.org/officeDocument/2006/relationships" xmlns:p="http://schemas.openxmlformats.org/presentationml/2006/main">
   <p:cSld>
     <p:spTree>
@@ -35892,7 +34517,7 @@
                 <a:buFontTx/>
                 <a:buNone/>
               </a:pPr>
-              <a:t>33</a:t>
+              <a:t>32</a:t>
             </a:fld>
             <a:endParaRPr lang="en-US" altLang="en-US" sz="1400"/>
           </a:p>
@@ -35960,7 +34585,7 @@
 </p:sld>
 </file>
 
-<file path=ppt/slides/slide34.xml><?xml version="1.0" encoding="utf-8"?>
+<file path=ppt/slides/slide33.xml><?xml version="1.0" encoding="utf-8"?>
 <p:sld xmlns:a="http://schemas.openxmlformats.org/drawingml/2006/main" xmlns:r="http://schemas.openxmlformats.org/officeDocument/2006/relationships" xmlns:p="http://schemas.openxmlformats.org/presentationml/2006/main">
   <p:cSld>
     <p:spTree>
@@ -36792,7 +35417,7 @@
                 <a:buFontTx/>
                 <a:buNone/>
               </a:pPr>
-              <a:t>34</a:t>
+              <a:t>33</a:t>
             </a:fld>
             <a:endParaRPr lang="en-US" altLang="en-US" sz="1400"/>
           </a:p>
@@ -36806,7 +35431,7 @@
 </p:sld>
 </file>
 
-<file path=ppt/slides/slide35.xml><?xml version="1.0" encoding="utf-8"?>
+<file path=ppt/slides/slide34.xml><?xml version="1.0" encoding="utf-8"?>
 <p:sld xmlns:a="http://schemas.openxmlformats.org/drawingml/2006/main" xmlns:r="http://schemas.openxmlformats.org/officeDocument/2006/relationships" xmlns:p="http://schemas.openxmlformats.org/presentationml/2006/main">
   <p:cSld>
     <p:spTree>
@@ -37638,7 +36263,7 @@
                 <a:buFontTx/>
                 <a:buNone/>
               </a:pPr>
-              <a:t>35</a:t>
+              <a:t>34</a:t>
             </a:fld>
             <a:endParaRPr lang="en-US" altLang="en-US" sz="1400"/>
           </a:p>
@@ -37652,7 +36277,7 @@
 </p:sld>
 </file>
 
-<file path=ppt/slides/slide36.xml><?xml version="1.0" encoding="utf-8"?>
+<file path=ppt/slides/slide35.xml><?xml version="1.0" encoding="utf-8"?>
 <p:sld xmlns:a="http://schemas.openxmlformats.org/drawingml/2006/main" xmlns:r="http://schemas.openxmlformats.org/officeDocument/2006/relationships" xmlns:p="http://schemas.openxmlformats.org/presentationml/2006/main">
   <p:cSld>
     <p:spTree>
@@ -38484,7 +37109,7 @@
                 <a:buFontTx/>
                 <a:buNone/>
               </a:pPr>
-              <a:t>36</a:t>
+              <a:t>35</a:t>
             </a:fld>
             <a:endParaRPr lang="en-US" altLang="en-US" sz="1400"/>
           </a:p>
@@ -38498,7 +37123,7 @@
 </p:sld>
 </file>
 
-<file path=ppt/slides/slide37.xml><?xml version="1.0" encoding="utf-8"?>
+<file path=ppt/slides/slide36.xml><?xml version="1.0" encoding="utf-8"?>
 <p:sld xmlns:a="http://schemas.openxmlformats.org/drawingml/2006/main" xmlns:r="http://schemas.openxmlformats.org/officeDocument/2006/relationships" xmlns:p="http://schemas.openxmlformats.org/presentationml/2006/main">
   <p:cSld>
     <p:spTree>
@@ -39330,7 +37955,7 @@
                 <a:buFontTx/>
                 <a:buNone/>
               </a:pPr>
-              <a:t>37</a:t>
+              <a:t>36</a:t>
             </a:fld>
             <a:endParaRPr lang="en-US" altLang="en-US" sz="1400"/>
           </a:p>
@@ -39344,7 +37969,7 @@
 </p:sld>
 </file>
 
-<file path=ppt/slides/slide38.xml><?xml version="1.0" encoding="utf-8"?>
+<file path=ppt/slides/slide37.xml><?xml version="1.0" encoding="utf-8"?>
 <p:sld xmlns:a="http://schemas.openxmlformats.org/drawingml/2006/main" xmlns:r="http://schemas.openxmlformats.org/officeDocument/2006/relationships" xmlns:p="http://schemas.openxmlformats.org/presentationml/2006/main">
   <p:cSld>
     <p:spTree>
@@ -39435,27 +38060,27 @@
           <a:p>
             <a:pPr eaLnBrk="1" hangingPunct="1"/>
             <a:r>
-              <a:rPr lang="fr-FR" altLang="en-US">
+              <a:rPr lang="fr-FR" altLang="en-US" dirty="0">
                 <a:latin typeface="Arial" pitchFamily="34" charset="0"/>
                 <a:ea typeface="ＭＳ Ｐゴシック" pitchFamily="34" charset="-128"/>
               </a:rPr>
-              <a:t>Exercice – Quel type d’environnement pour </a:t>
-            </a:r>
-            <a:r>
-              <a:rPr lang="fr-FR" altLang="en-US" err="1">
+              <a:t>Exercice – Quel type d’un environnement pour </a:t>
+            </a:r>
+            <a:r>
+              <a:rPr lang="fr-FR" altLang="en-US" dirty="0" err="1">
                 <a:latin typeface="Arial" pitchFamily="34" charset="0"/>
                 <a:ea typeface="ＭＳ Ｐゴシック" pitchFamily="34" charset="-128"/>
               </a:rPr>
               <a:t>Pacman</a:t>
             </a:r>
             <a:r>
-              <a:rPr lang="fr-FR" altLang="en-US">
+              <a:rPr lang="fr-FR" altLang="en-US" dirty="0">
                 <a:latin typeface="Arial" pitchFamily="34" charset="0"/>
                 <a:ea typeface="ＭＳ Ｐゴシック" pitchFamily="34" charset="-128"/>
               </a:rPr>
               <a:t>?</a:t>
             </a:r>
-            <a:endParaRPr lang="en-CA" altLang="en-US">
+            <a:endParaRPr lang="en-CA" altLang="en-US" dirty="0">
               <a:latin typeface="Arial" pitchFamily="34" charset="0"/>
               <a:ea typeface="ＭＳ Ｐゴシック" pitchFamily="34" charset="-128"/>
             </a:endParaRPr>
@@ -40136,7 +38761,7 @@
                 <a:buFontTx/>
                 <a:buNone/>
               </a:pPr>
-              <a:t>38</a:t>
+              <a:t>37</a:t>
             </a:fld>
             <a:endParaRPr lang="en-US" altLang="en-US" sz="1400"/>
           </a:p>
@@ -40185,7 +38810,7 @@
 </p:sld>
 </file>
 
-<file path=ppt/slides/slide39.xml><?xml version="1.0" encoding="utf-8"?>
+<file path=ppt/slides/slide38.xml><?xml version="1.0" encoding="utf-8"?>
 <p:sld xmlns:a="http://schemas.openxmlformats.org/drawingml/2006/main" xmlns:r="http://schemas.openxmlformats.org/officeDocument/2006/relationships" xmlns:p="http://schemas.openxmlformats.org/presentationml/2006/main">
   <p:cSld>
     <p:spTree>
@@ -40309,43 +38934,43 @@
               <a:defRPr/>
             </a:pPr>
             <a:r>
-              <a:rPr lang="fr-CA">
+              <a:rPr lang="fr-CA" dirty="0">
                 <a:ea typeface="ＭＳ Ｐゴシック" pitchFamily="34" charset="-128"/>
               </a:rPr>
               <a:t>En résumé, l</a:t>
             </a:r>
             <a:r>
-              <a:rPr lang="fr-CA" altLang="fr-FR">
+              <a:rPr lang="fr-CA" altLang="fr-FR" dirty="0">
                 <a:ea typeface="ＭＳ Ｐゴシック" pitchFamily="34" charset="-128"/>
               </a:rPr>
               <a:t>’</a:t>
             </a:r>
             <a:r>
-              <a:rPr lang="fr-CA">
+              <a:rPr lang="fr-CA" dirty="0">
                 <a:ea typeface="ＭＳ Ｐゴシック" pitchFamily="34" charset="-128"/>
               </a:rPr>
               <a:t>intelligence artificielle s</a:t>
             </a:r>
             <a:r>
-              <a:rPr lang="fr-CA" altLang="fr-FR">
+              <a:rPr lang="fr-CA" altLang="fr-FR" dirty="0">
                 <a:ea typeface="ＭＳ Ｐゴシック" pitchFamily="34" charset="-128"/>
               </a:rPr>
               <a:t>’</a:t>
             </a:r>
             <a:r>
-              <a:rPr lang="fr-CA">
+              <a:rPr lang="fr-CA" dirty="0">
                 <a:ea typeface="ＭＳ Ｐゴシック" pitchFamily="34" charset="-128"/>
               </a:rPr>
               <a:t>intéresse à tout sujet qui permettrait de reproduire toute capacité de l</a:t>
             </a:r>
             <a:r>
-              <a:rPr lang="fr-CA" altLang="fr-FR">
+              <a:rPr lang="fr-CA" altLang="fr-FR" dirty="0">
                 <a:ea typeface="ＭＳ Ｐゴシック" pitchFamily="34" charset="-128"/>
               </a:rPr>
               <a:t>’</a:t>
             </a:r>
             <a:r>
-              <a:rPr lang="fr-CA">
+              <a:rPr lang="fr-CA" dirty="0">
                 <a:ea typeface="ＭＳ Ｐゴシック" pitchFamily="34" charset="-128"/>
               </a:rPr>
               <a:t>intelligence humaine</a:t>
@@ -40355,7 +38980,7 @@
             <a:pPr eaLnBrk="1" hangingPunct="1">
               <a:defRPr/>
             </a:pPr>
-            <a:endParaRPr lang="fr-CA">
+            <a:endParaRPr lang="fr-CA" dirty="0">
               <a:ea typeface="ＭＳ Ｐゴシック" pitchFamily="34" charset="-128"/>
             </a:endParaRPr>
           </a:p>
@@ -40364,7 +38989,7 @@
               <a:defRPr/>
             </a:pPr>
             <a:r>
-              <a:rPr lang="fr-CA">
+              <a:rPr lang="fr-CA" dirty="0">
                 <a:ea typeface="ＭＳ Ｐゴシック" pitchFamily="34" charset="-128"/>
               </a:rPr>
               <a:t>Un agent est quelque chose qui perçoit et agit sur son environnement</a:t>
@@ -40374,7 +38999,7 @@
             <a:pPr eaLnBrk="1" hangingPunct="1">
               <a:defRPr/>
             </a:pPr>
-            <a:endParaRPr lang="fr-CA">
+            <a:endParaRPr lang="fr-CA" dirty="0">
               <a:ea typeface="ＭＳ Ｐゴシック" pitchFamily="34" charset="-128"/>
             </a:endParaRPr>
           </a:p>
@@ -40383,7 +39008,7 @@
               <a:defRPr/>
             </a:pPr>
             <a:r>
-              <a:rPr lang="fr-CA">
+              <a:rPr lang="fr-CA" dirty="0">
                 <a:ea typeface="ＭＳ Ｐゴシック" pitchFamily="34" charset="-128"/>
               </a:rPr>
               <a:t>Idéalement, on aimerait concevoir un agent rationnel</a:t>
@@ -40394,7 +39019,7 @@
               <a:defRPr/>
             </a:pPr>
             <a:r>
-              <a:rPr lang="fr-CA">
+              <a:rPr lang="fr-CA" dirty="0">
                 <a:ea typeface="ＭＳ Ｐゴシック" pitchFamily="34" charset="-128"/>
               </a:rPr>
               <a:t>par rationnel, on veut dire qui maximise sa performance espérée (moyenne)</a:t>
@@ -40404,7 +39029,7 @@
             <a:pPr lvl="1" eaLnBrk="1" hangingPunct="1">
               <a:defRPr/>
             </a:pPr>
-            <a:endParaRPr lang="fr-CA">
+            <a:endParaRPr lang="fr-CA" dirty="0">
               <a:ea typeface="ＭＳ Ｐゴシック" pitchFamily="34" charset="-128"/>
             </a:endParaRPr>
           </a:p>
@@ -40413,19 +39038,19 @@
               <a:defRPr/>
             </a:pPr>
             <a:r>
-              <a:rPr lang="fr-CA">
+              <a:rPr lang="fr-CA" dirty="0">
                 <a:ea typeface="ＭＳ Ｐゴシック" pitchFamily="34" charset="-128"/>
               </a:rPr>
               <a:t>L</a:t>
             </a:r>
             <a:r>
-              <a:rPr lang="fr-CA" altLang="fr-FR">
+              <a:rPr lang="fr-CA" altLang="fr-FR" dirty="0">
                 <a:ea typeface="ＭＳ Ｐゴシック" pitchFamily="34" charset="-128"/>
               </a:rPr>
               <a:t>’</a:t>
             </a:r>
             <a:r>
-              <a:rPr lang="fr-CA">
+              <a:rPr lang="fr-CA" dirty="0">
                 <a:ea typeface="ＭＳ Ｐゴシック" pitchFamily="34" charset="-128"/>
               </a:rPr>
               <a:t>espace des agents possibles est très large</a:t>
@@ -40436,7 +39061,7 @@
               <a:defRPr/>
             </a:pPr>
             <a:r>
-              <a:rPr lang="fr-CA">
+              <a:rPr lang="fr-CA" dirty="0">
                 <a:ea typeface="ＭＳ Ｐゴシック" pitchFamily="34" charset="-128"/>
               </a:rPr>
               <a:t>dépend de la tâche à résoudre</a:t>
@@ -40447,31 +39072,31 @@
               <a:defRPr/>
             </a:pPr>
             <a:r>
-              <a:rPr lang="fr-CA">
+              <a:rPr lang="fr-CA" dirty="0">
                 <a:ea typeface="ＭＳ Ｐゴシック" pitchFamily="34" charset="-128"/>
               </a:rPr>
               <a:t>chaque algorithme qu</a:t>
             </a:r>
             <a:r>
-              <a:rPr lang="fr-CA" altLang="fr-FR">
+              <a:rPr lang="fr-CA" altLang="fr-FR" dirty="0">
                 <a:ea typeface="ＭＳ Ｐゴシック" pitchFamily="34" charset="-128"/>
               </a:rPr>
               <a:t>’</a:t>
             </a:r>
             <a:r>
-              <a:rPr lang="fr-CA">
+              <a:rPr lang="fr-CA" dirty="0">
                 <a:ea typeface="ＭＳ Ｐゴシック" pitchFamily="34" charset="-128"/>
               </a:rPr>
               <a:t>on va voir est associé à un type d</a:t>
             </a:r>
             <a:r>
-              <a:rPr lang="fr-CA" altLang="fr-FR">
+              <a:rPr lang="fr-CA" altLang="fr-FR" dirty="0">
                 <a:ea typeface="ＭＳ Ｐゴシック" pitchFamily="34" charset="-128"/>
               </a:rPr>
               <a:t>’</a:t>
             </a:r>
             <a:r>
-              <a:rPr lang="fr-CA">
+              <a:rPr lang="fr-CA" dirty="0">
                 <a:ea typeface="ＭＳ Ｐゴシック" pitchFamily="34" charset="-128"/>
               </a:rPr>
               <a:t>agent spécifique</a:t>
@@ -40483,7 +39108,7 @@
               <a:buNone/>
               <a:defRPr/>
             </a:pPr>
-            <a:endParaRPr lang="fr-CA">
+            <a:endParaRPr lang="fr-CA" dirty="0">
               <a:ea typeface="ＭＳ Ｐゴシック" pitchFamily="34" charset="-128"/>
             </a:endParaRPr>
           </a:p>
@@ -40492,22 +39117,10 @@
               <a:defRPr/>
             </a:pPr>
             <a:r>
-              <a:rPr lang="fr-CA">
-                <a:ea typeface="ＭＳ Ｐゴシック" pitchFamily="34" charset="-128"/>
-              </a:rPr>
-              <a:t>Il existe plusieurs types d</a:t>
-            </a:r>
-            <a:r>
-              <a:rPr lang="fr-CA" altLang="fr-FR">
-                <a:ea typeface="ＭＳ Ｐゴシック" pitchFamily="34" charset="-128"/>
-              </a:rPr>
-              <a:t>’</a:t>
-            </a:r>
-            <a:r>
-              <a:rPr lang="fr-CA">
-                <a:ea typeface="ＭＳ Ｐゴシック" pitchFamily="34" charset="-128"/>
-              </a:rPr>
-              <a:t>environnement</a:t>
+              <a:rPr lang="fr-CA" dirty="0">
+                <a:ea typeface="ＭＳ Ｐゴシック" pitchFamily="34" charset="-128"/>
+              </a:rPr>
+              <a:t>Il existe plusieurs types d’environnements</a:t>
             </a:r>
           </a:p>
           <a:p>
@@ -40515,7 +39128,7 @@
               <a:defRPr/>
             </a:pPr>
             <a:r>
-              <a:rPr lang="fr-CA">
+              <a:rPr lang="fr-CA" dirty="0">
                 <a:ea typeface="ＭＳ Ｐゴシック" pitchFamily="34" charset="-128"/>
               </a:rPr>
               <a:t>leurs caractéristiques vont déterminer quel algorithme on devrait utiliser</a:t>
@@ -40525,7 +39138,7 @@
             <a:pPr eaLnBrk="1" hangingPunct="1">
               <a:defRPr/>
             </a:pPr>
-            <a:endParaRPr lang="fr-CA">
+            <a:endParaRPr lang="fr-CA" dirty="0">
               <a:ea typeface="ＭＳ Ｐゴシック" pitchFamily="34" charset="-128"/>
             </a:endParaRPr>
           </a:p>
@@ -40533,7 +39146,7 @@
             <a:pPr eaLnBrk="1" hangingPunct="1">
               <a:defRPr/>
             </a:pPr>
-            <a:endParaRPr lang="fr-CA">
+            <a:endParaRPr lang="fr-CA" dirty="0">
               <a:ea typeface="ＭＳ Ｐゴシック" pitchFamily="34" charset="-128"/>
             </a:endParaRPr>
           </a:p>
@@ -40541,7 +39154,7 @@
             <a:pPr eaLnBrk="1" hangingPunct="1">
               <a:defRPr/>
             </a:pPr>
-            <a:endParaRPr lang="fr-CA">
+            <a:endParaRPr lang="fr-CA" dirty="0">
               <a:ea typeface="ＭＳ Ｐゴシック" pitchFamily="34" charset="-128"/>
             </a:endParaRPr>
           </a:p>
@@ -40549,7 +39162,7 @@
             <a:pPr eaLnBrk="1" hangingPunct="1">
               <a:defRPr/>
             </a:pPr>
-            <a:endParaRPr lang="fr-CA">
+            <a:endParaRPr lang="fr-CA" dirty="0">
               <a:ea typeface="ＭＳ Ｐゴシック" pitchFamily="34" charset="-128"/>
             </a:endParaRPr>
           </a:p>
@@ -41229,7 +39842,7 @@
                 <a:buFontTx/>
                 <a:buNone/>
               </a:pPr>
-              <a:t>39</a:t>
+              <a:t>38</a:t>
             </a:fld>
             <a:endParaRPr lang="en-US" altLang="en-US" sz="1400"/>
           </a:p>
@@ -41243,1004 +39856,7 @@
 </p:sld>
 </file>
 
-<file path=ppt/slides/slide4.xml><?xml version="1.0" encoding="utf-8"?>
-<p:sld xmlns:a="http://schemas.openxmlformats.org/drawingml/2006/main" xmlns:r="http://schemas.openxmlformats.org/officeDocument/2006/relationships" xmlns:p="http://schemas.openxmlformats.org/presentationml/2006/main">
-  <p:cSld>
-    <p:spTree>
-      <p:nvGrpSpPr>
-        <p:cNvPr id="1" name=""/>
-        <p:cNvGrpSpPr/>
-        <p:nvPr/>
-      </p:nvGrpSpPr>
-      <p:grpSpPr>
-        <a:xfrm>
-          <a:off x="0" y="0"/>
-          <a:ext cx="0" cy="0"/>
-          <a:chOff x="0" y="0"/>
-          <a:chExt cx="0" cy="0"/>
-        </a:xfrm>
-      </p:grpSpPr>
-      <p:cxnSp>
-        <p:nvCxnSpPr>
-          <p:cNvPr id="3" name="Straight Connector 2">
-            <a:extLst>
-              <a:ext uri="{FF2B5EF4-FFF2-40B4-BE49-F238E27FC236}">
-                <a16:creationId xmlns:a16="http://schemas.microsoft.com/office/drawing/2014/main" id="{2530E84F-D72A-4B7D-1DD4-EBEF0D93F744}"/>
-              </a:ext>
-            </a:extLst>
-          </p:cNvPr>
-          <p:cNvCxnSpPr/>
-          <p:nvPr/>
-        </p:nvCxnSpPr>
-        <p:spPr>
-          <a:xfrm>
-            <a:off x="0" y="0"/>
-            <a:ext cx="914400" cy="0"/>
-          </a:xfrm>
-          <a:prstGeom prst="line">
-            <a:avLst/>
-          </a:prstGeom>
-          <a:ln w="0" cap="flat" cmpd="sng" algn="ctr">
-            <a:solidFill>
-              <a:srgbClr val="FBFFFF"/>
-            </a:solidFill>
-            <a:prstDash val="solid"/>
-            <a:round/>
-            <a:headEnd type="none" w="med" len="med"/>
-            <a:tailEnd type="none" w="med" len="med"/>
-          </a:ln>
-          <a:effectLst/>
-          <a:extLst>
-            <a:ext uri="{AF507438-7753-43E0-B8FC-AC1667EBCBE1}">
-              <a14:hiddenEffects xmlns:a14="http://schemas.microsoft.com/office/drawing/2010/main">
-                <a:effectLst>
-                  <a:outerShdw blurRad="40000" rotWithShape="0">
-                    <a:srgbClr val="000000"/>
-                  </a:outerShdw>
-                </a:effectLst>
-              </a14:hiddenEffects>
-            </a:ext>
-          </a:extLst>
-        </p:spPr>
-        <p:style>
-          <a:lnRef idx="2">
-            <a:schemeClr val="accent1"/>
-          </a:lnRef>
-          <a:fillRef idx="0">
-            <a:schemeClr val="accent1"/>
-          </a:fillRef>
-          <a:effectRef idx="1">
-            <a:schemeClr val="accent1"/>
-          </a:effectRef>
-          <a:fontRef idx="minor">
-            <a:schemeClr val="tx1"/>
-          </a:fontRef>
-        </p:style>
-      </p:cxnSp>
-      <p:sp>
-        <p:nvSpPr>
-          <p:cNvPr id="8194" name="Titre 1"/>
-          <p:cNvSpPr>
-            <a:spLocks noGrp="1"/>
-          </p:cNvSpPr>
-          <p:nvPr>
-            <p:ph type="title"/>
-          </p:nvPr>
-        </p:nvSpPr>
-        <p:spPr/>
-        <p:txBody>
-          <a:bodyPr/>
-          <a:lstStyle/>
-          <a:p>
-            <a:pPr eaLnBrk="1" hangingPunct="1"/>
-            <a:r>
-              <a:rPr lang="fr-CA" altLang="en-US">
-                <a:latin typeface="Arial" pitchFamily="34" charset="0"/>
-                <a:ea typeface="ＭＳ Ｐゴシック" pitchFamily="34" charset="-128"/>
-              </a:rPr>
-              <a:t>Fonction mathématique « agent »</a:t>
-            </a:r>
-            <a:endParaRPr lang="en-CA" altLang="en-US">
-              <a:latin typeface="Arial" pitchFamily="34" charset="0"/>
-              <a:ea typeface="ＭＳ Ｐゴシック" pitchFamily="34" charset="-128"/>
-            </a:endParaRPr>
-          </a:p>
-        </p:txBody>
-      </p:sp>
-      <p:sp>
-        <p:nvSpPr>
-          <p:cNvPr id="8195" name="Rectangle 3"/>
-          <p:cNvSpPr>
-            <a:spLocks noGrp="1" noChangeArrowheads="1"/>
-          </p:cNvSpPr>
-          <p:nvPr>
-            <p:ph idx="1"/>
-          </p:nvPr>
-        </p:nvSpPr>
-        <p:spPr>
-          <a:xfrm>
-            <a:off x="488950" y="3173506"/>
-            <a:ext cx="8197850" cy="2599950"/>
-          </a:xfrm>
-        </p:spPr>
-        <p:txBody>
-          <a:bodyPr/>
-          <a:lstStyle/>
-          <a:p>
-            <a:pPr eaLnBrk="1" hangingPunct="1"/>
-            <a:endParaRPr lang="fr-CA" altLang="en-US">
-              <a:ea typeface="ＭＳ Ｐゴシック" pitchFamily="34" charset="-128"/>
-            </a:endParaRPr>
-          </a:p>
-          <a:p>
-            <a:pPr eaLnBrk="1" hangingPunct="1"/>
-            <a:r>
-              <a:rPr lang="fr-CA" altLang="en-US">
-                <a:ea typeface="ＭＳ Ｐゴシック" pitchFamily="34" charset="-128"/>
-              </a:rPr>
-              <a:t>La </a:t>
-            </a:r>
-            <a:r>
-              <a:rPr lang="fr-CA" altLang="en-US" b="1" i="1">
-                <a:ea typeface="ＭＳ Ｐゴシック" pitchFamily="34" charset="-128"/>
-              </a:rPr>
-              <a:t>fonction</a:t>
-            </a:r>
-            <a:r>
-              <a:rPr lang="fr-CA" altLang="en-US">
-                <a:ea typeface="ＭＳ Ｐゴシック" pitchFamily="34" charset="-128"/>
-              </a:rPr>
-              <a:t> </a:t>
-            </a:r>
-            <a:r>
-              <a:rPr lang="fr-CA" altLang="en-US" b="1" i="1">
-                <a:ea typeface="ＭＳ Ｐゴシック" pitchFamily="34" charset="-128"/>
-              </a:rPr>
-              <a:t>agent</a:t>
-            </a:r>
-            <a:r>
-              <a:rPr lang="fr-CA" altLang="en-US" b="1">
-                <a:ea typeface="ＭＳ Ｐゴシック" pitchFamily="34" charset="-128"/>
-              </a:rPr>
-              <a:t> </a:t>
-            </a:r>
-            <a:r>
-              <a:rPr lang="fr-CA" altLang="en-US" i="1">
-                <a:ea typeface="ＭＳ Ｐゴシック" pitchFamily="34" charset="-128"/>
-              </a:rPr>
-              <a:t>f </a:t>
-            </a:r>
-            <a:r>
-              <a:rPr lang="fr-CA" altLang="en-US">
-                <a:ea typeface="ＭＳ Ｐゴシック" pitchFamily="34" charset="-128"/>
-              </a:rPr>
-              <a:t>prend en entrée une séquence d</a:t>
-            </a:r>
-            <a:r>
-              <a:rPr lang="fr-CA" altLang="fr-FR">
-                <a:ea typeface="ＭＳ Ｐゴシック" pitchFamily="34" charset="-128"/>
-              </a:rPr>
-              <a:t>’</a:t>
-            </a:r>
-            <a:r>
-              <a:rPr lang="fr-CA" altLang="ja-JP" b="1">
-                <a:ea typeface="ＭＳ Ｐゴシック" pitchFamily="34" charset="-128"/>
-              </a:rPr>
-              <a:t>observations</a:t>
-            </a:r>
-            <a:r>
-              <a:rPr lang="fr-CA" altLang="ja-JP">
-                <a:ea typeface="ＭＳ Ｐゴシック" pitchFamily="34" charset="-128"/>
-              </a:rPr>
-              <a:t> (percepts) et retourne une </a:t>
-            </a:r>
-            <a:r>
-              <a:rPr lang="fr-CA" altLang="ja-JP" b="1">
-                <a:ea typeface="ＭＳ Ｐゴシック" pitchFamily="34" charset="-128"/>
-              </a:rPr>
-              <a:t>action</a:t>
-            </a:r>
-            <a:r>
-              <a:rPr lang="fr-FR" altLang="ja-JP">
-                <a:ea typeface="ＭＳ Ｐゴシック" pitchFamily="34" charset="-128"/>
-              </a:rPr>
-              <a:t> :</a:t>
-            </a:r>
-            <a:endParaRPr lang="fr-CA" altLang="ja-JP">
-              <a:ea typeface="ＭＳ Ｐゴシック" pitchFamily="34" charset="-128"/>
-            </a:endParaRPr>
-          </a:p>
-          <a:p>
-            <a:pPr algn="ctr" eaLnBrk="1" hangingPunct="1">
-              <a:buFont typeface="Lucida Grande" charset="0"/>
-              <a:buNone/>
-            </a:pPr>
-            <a:r>
-              <a:rPr lang="fr-CA" altLang="en-US" i="1">
-                <a:ea typeface="ＭＳ Ｐゴシック" pitchFamily="34" charset="-128"/>
-              </a:rPr>
-              <a:t>f</a:t>
-            </a:r>
-            <a:r>
-              <a:rPr lang="fr-FR" altLang="en-US">
-                <a:ea typeface="ＭＳ Ｐゴシック" pitchFamily="34" charset="-128"/>
-              </a:rPr>
-              <a:t> :</a:t>
-            </a:r>
-            <a:r>
-              <a:rPr lang="fr-CA" altLang="en-US">
-                <a:ea typeface="ＭＳ Ｐゴシック" pitchFamily="34" charset="-128"/>
-              </a:rPr>
-              <a:t> </a:t>
-            </a:r>
-            <a:r>
-              <a:rPr lang="fr-CA" altLang="en-US" i="1">
-                <a:ea typeface="ＭＳ Ｐゴシック" pitchFamily="34" charset="-128"/>
-              </a:rPr>
-              <a:t>P*</a:t>
-            </a:r>
-            <a:r>
-              <a:rPr lang="fr-CA" altLang="en-US">
-                <a:ea typeface="ＭＳ Ｐゴシック" pitchFamily="34" charset="-128"/>
-              </a:rPr>
-              <a:t> </a:t>
-            </a:r>
-            <a:r>
-              <a:rPr lang="fr-CA" altLang="en-US">
-                <a:ea typeface="ＭＳ Ｐゴシック" pitchFamily="34" charset="-128"/>
-                <a:sym typeface="Wingdings" pitchFamily="2" charset="2"/>
-              </a:rPr>
-              <a:t> </a:t>
-            </a:r>
-            <a:r>
-              <a:rPr lang="fr-CA" altLang="en-US" i="1">
-                <a:ea typeface="ＭＳ Ｐゴシック" pitchFamily="34" charset="-128"/>
-              </a:rPr>
-              <a:t>A</a:t>
-            </a:r>
-            <a:endParaRPr lang="fr-CA" altLang="en-US">
-              <a:ea typeface="ＭＳ Ｐゴシック" pitchFamily="34" charset="-128"/>
-            </a:endParaRPr>
-          </a:p>
-          <a:p>
-            <a:pPr algn="ctr" eaLnBrk="1" hangingPunct="1">
-              <a:buFont typeface="Lucida Grande" charset="0"/>
-              <a:buNone/>
-            </a:pPr>
-            <a:endParaRPr lang="fr-CA" altLang="en-US">
-              <a:ea typeface="ＭＳ Ｐゴシック" pitchFamily="34" charset="-128"/>
-            </a:endParaRPr>
-          </a:p>
-          <a:p>
-            <a:pPr eaLnBrk="1" hangingPunct="1"/>
-            <a:r>
-              <a:rPr lang="fr-CA" altLang="en-US">
-                <a:ea typeface="ＭＳ Ｐゴシック" pitchFamily="34" charset="-128"/>
-              </a:rPr>
-              <a:t>En pratique la fonction est implémentée par un programme sur une architecture matérielle particulière</a:t>
-            </a:r>
-          </a:p>
-        </p:txBody>
-      </p:sp>
-      <p:sp>
-        <p:nvSpPr>
-          <p:cNvPr id="8197" name="Espace réservé de la date 11"/>
-          <p:cNvSpPr>
-            <a:spLocks noGrp="1"/>
-          </p:cNvSpPr>
-          <p:nvPr>
-            <p:ph type="dt" sz="quarter" idx="10"/>
-          </p:nvPr>
-        </p:nvSpPr>
-        <p:spPr bwMode="auto">
-          <a:noFill/>
-          <a:extLst>
-            <a:ext uri="{909E8E84-426E-40DD-AFC4-6F175D3DCCD1}">
-              <a14:hiddenFill xmlns:a14="http://schemas.microsoft.com/office/drawing/2010/main">
-                <a:solidFill>
-                  <a:srgbClr val="FFFFFF"/>
-                </a:solidFill>
-              </a14:hiddenFill>
-            </a:ext>
-            <a:ext uri="{91240B29-F687-4F45-9708-019B960494DF}">
-              <a14:hiddenLine xmlns:a14="http://schemas.microsoft.com/office/drawing/2010/main" w="9525">
-                <a:solidFill>
-                  <a:srgbClr val="000000"/>
-                </a:solidFill>
-                <a:miter lim="800000"/>
-                <a:headEnd/>
-                <a:tailEnd/>
-              </a14:hiddenLine>
-            </a:ext>
-          </a:extLst>
-        </p:spPr>
-        <p:txBody>
-          <a:bodyPr wrap="square" numCol="1" anchorCtr="0" compatLnSpc="1">
-            <a:prstTxWarp prst="textNoShape">
-              <a:avLst/>
-            </a:prstTxWarp>
-          </a:bodyPr>
-          <a:lstStyle>
-            <a:lvl1pPr>
-              <a:spcBef>
-                <a:spcPct val="20000"/>
-              </a:spcBef>
-              <a:buClr>
-                <a:srgbClr val="0000FF"/>
-              </a:buClr>
-              <a:buSzPct val="125000"/>
-              <a:buFont typeface="Lucida Grande" charset="0"/>
-              <a:buChar char="●"/>
-              <a:defRPr sz="2000">
-                <a:solidFill>
-                  <a:schemeClr val="tx1"/>
-                </a:solidFill>
-                <a:latin typeface="Calibri" pitchFamily="34" charset="0"/>
-                <a:ea typeface="ＭＳ Ｐゴシック" pitchFamily="34" charset="-128"/>
-              </a:defRPr>
-            </a:lvl1pPr>
-            <a:lvl2pPr marL="742950" indent="-285750">
-              <a:spcBef>
-                <a:spcPct val="20000"/>
-              </a:spcBef>
-              <a:buClr>
-                <a:srgbClr val="0000FF"/>
-              </a:buClr>
-              <a:buSzPct val="85000"/>
-              <a:buFont typeface="Wingdings" pitchFamily="2" charset="2"/>
-              <a:buChar char="u"/>
-              <a:defRPr>
-                <a:solidFill>
-                  <a:schemeClr val="tx1"/>
-                </a:solidFill>
-                <a:latin typeface="Calibri" pitchFamily="34" charset="0"/>
-                <a:ea typeface="ＭＳ Ｐゴシック" pitchFamily="34" charset="-128"/>
-              </a:defRPr>
-            </a:lvl2pPr>
-            <a:lvl3pPr marL="1143000" indent="-228600">
-              <a:spcBef>
-                <a:spcPct val="20000"/>
-              </a:spcBef>
-              <a:buClr>
-                <a:srgbClr val="0000FF"/>
-              </a:buClr>
-              <a:buFont typeface="Lucida Grande" charset="0"/>
-              <a:buChar char="»"/>
-              <a:defRPr sz="1600">
-                <a:solidFill>
-                  <a:schemeClr val="tx1"/>
-                </a:solidFill>
-                <a:latin typeface="Calibri" pitchFamily="34" charset="0"/>
-                <a:ea typeface="ＭＳ Ｐゴシック" pitchFamily="34" charset="-128"/>
-              </a:defRPr>
-            </a:lvl3pPr>
-            <a:lvl4pPr marL="1600200" indent="-228600">
-              <a:spcBef>
-                <a:spcPct val="20000"/>
-              </a:spcBef>
-              <a:buClr>
-                <a:srgbClr val="0000FF"/>
-              </a:buClr>
-              <a:buFont typeface="Arial" pitchFamily="34" charset="0"/>
-              <a:buChar char="–"/>
-              <a:defRPr sz="1600">
-                <a:solidFill>
-                  <a:schemeClr val="tx1"/>
-                </a:solidFill>
-                <a:latin typeface="Calibri" pitchFamily="34" charset="0"/>
-                <a:ea typeface="ＭＳ Ｐゴシック" pitchFamily="34" charset="-128"/>
-              </a:defRPr>
-            </a:lvl4pPr>
-            <a:lvl5pPr marL="2057400" indent="-228600">
-              <a:spcBef>
-                <a:spcPct val="20000"/>
-              </a:spcBef>
-              <a:buClr>
-                <a:srgbClr val="0000FF"/>
-              </a:buClr>
-              <a:buFont typeface="Arial" pitchFamily="34" charset="0"/>
-              <a:buChar char="»"/>
-              <a:defRPr sz="1600">
-                <a:solidFill>
-                  <a:schemeClr val="tx1"/>
-                </a:solidFill>
-                <a:latin typeface="Calibri" pitchFamily="34" charset="0"/>
-                <a:ea typeface="ＭＳ Ｐゴシック" pitchFamily="34" charset="-128"/>
-              </a:defRPr>
-            </a:lvl5pPr>
-            <a:lvl6pPr marL="2514600" indent="-228600" eaLnBrk="0" fontAlgn="base" hangingPunct="0">
-              <a:spcBef>
-                <a:spcPct val="20000"/>
-              </a:spcBef>
-              <a:spcAft>
-                <a:spcPct val="0"/>
-              </a:spcAft>
-              <a:buClr>
-                <a:srgbClr val="0000FF"/>
-              </a:buClr>
-              <a:buFont typeface="Arial" pitchFamily="34" charset="0"/>
-              <a:buChar char="»"/>
-              <a:defRPr sz="1600">
-                <a:solidFill>
-                  <a:schemeClr val="tx1"/>
-                </a:solidFill>
-                <a:latin typeface="Calibri" pitchFamily="34" charset="0"/>
-                <a:ea typeface="ＭＳ Ｐゴシック" pitchFamily="34" charset="-128"/>
-              </a:defRPr>
-            </a:lvl6pPr>
-            <a:lvl7pPr marL="2971800" indent="-228600" eaLnBrk="0" fontAlgn="base" hangingPunct="0">
-              <a:spcBef>
-                <a:spcPct val="20000"/>
-              </a:spcBef>
-              <a:spcAft>
-                <a:spcPct val="0"/>
-              </a:spcAft>
-              <a:buClr>
-                <a:srgbClr val="0000FF"/>
-              </a:buClr>
-              <a:buFont typeface="Arial" pitchFamily="34" charset="0"/>
-              <a:buChar char="»"/>
-              <a:defRPr sz="1600">
-                <a:solidFill>
-                  <a:schemeClr val="tx1"/>
-                </a:solidFill>
-                <a:latin typeface="Calibri" pitchFamily="34" charset="0"/>
-                <a:ea typeface="ＭＳ Ｐゴシック" pitchFamily="34" charset="-128"/>
-              </a:defRPr>
-            </a:lvl7pPr>
-            <a:lvl8pPr marL="3429000" indent="-228600" eaLnBrk="0" fontAlgn="base" hangingPunct="0">
-              <a:spcBef>
-                <a:spcPct val="20000"/>
-              </a:spcBef>
-              <a:spcAft>
-                <a:spcPct val="0"/>
-              </a:spcAft>
-              <a:buClr>
-                <a:srgbClr val="0000FF"/>
-              </a:buClr>
-              <a:buFont typeface="Arial" pitchFamily="34" charset="0"/>
-              <a:buChar char="»"/>
-              <a:defRPr sz="1600">
-                <a:solidFill>
-                  <a:schemeClr val="tx1"/>
-                </a:solidFill>
-                <a:latin typeface="Calibri" pitchFamily="34" charset="0"/>
-                <a:ea typeface="ＭＳ Ｐゴシック" pitchFamily="34" charset="-128"/>
-              </a:defRPr>
-            </a:lvl8pPr>
-            <a:lvl9pPr marL="3886200" indent="-228600" eaLnBrk="0" fontAlgn="base" hangingPunct="0">
-              <a:spcBef>
-                <a:spcPct val="20000"/>
-              </a:spcBef>
-              <a:spcAft>
-                <a:spcPct val="0"/>
-              </a:spcAft>
-              <a:buClr>
-                <a:srgbClr val="0000FF"/>
-              </a:buClr>
-              <a:buFont typeface="Arial" pitchFamily="34" charset="0"/>
-              <a:buChar char="»"/>
-              <a:defRPr sz="1600">
-                <a:solidFill>
-                  <a:schemeClr val="tx1"/>
-                </a:solidFill>
-                <a:latin typeface="Calibri" pitchFamily="34" charset="0"/>
-                <a:ea typeface="ＭＳ Ｐゴシック" pitchFamily="34" charset="-128"/>
-              </a:defRPr>
-            </a:lvl9pPr>
-          </a:lstStyle>
-          <a:p>
-            <a:pPr>
-              <a:spcBef>
-                <a:spcPct val="0"/>
-              </a:spcBef>
-              <a:buClrTx/>
-              <a:buSzTx/>
-              <a:buFontTx/>
-              <a:buNone/>
-            </a:pPr>
-            <a:r>
-              <a:rPr lang="fr-CA" altLang="en-US" sz="1400"/>
-              <a:t>IFT615</a:t>
-            </a:r>
-            <a:endParaRPr lang="en-US" altLang="en-US" sz="1400"/>
-          </a:p>
-        </p:txBody>
-      </p:sp>
-      <p:sp>
-        <p:nvSpPr>
-          <p:cNvPr id="8198" name="Espace réservé du pied de page 12"/>
-          <p:cNvSpPr>
-            <a:spLocks noGrp="1"/>
-          </p:cNvSpPr>
-          <p:nvPr>
-            <p:ph type="ftr" sz="quarter" idx="11"/>
-          </p:nvPr>
-        </p:nvSpPr>
-        <p:spPr bwMode="auto">
-          <a:noFill/>
-          <a:extLst>
-            <a:ext uri="{909E8E84-426E-40DD-AFC4-6F175D3DCCD1}">
-              <a14:hiddenFill xmlns:a14="http://schemas.microsoft.com/office/drawing/2010/main">
-                <a:solidFill>
-                  <a:srgbClr val="FFFFFF"/>
-                </a:solidFill>
-              </a14:hiddenFill>
-            </a:ext>
-            <a:ext uri="{91240B29-F687-4F45-9708-019B960494DF}">
-              <a14:hiddenLine xmlns:a14="http://schemas.microsoft.com/office/drawing/2010/main" w="9525">
-                <a:solidFill>
-                  <a:srgbClr val="000000"/>
-                </a:solidFill>
-                <a:miter lim="800000"/>
-                <a:headEnd/>
-                <a:tailEnd/>
-              </a14:hiddenLine>
-            </a:ext>
-          </a:extLst>
-        </p:spPr>
-        <p:txBody>
-          <a:bodyPr wrap="square" numCol="1" anchorCtr="0" compatLnSpc="1">
-            <a:prstTxWarp prst="textNoShape">
-              <a:avLst/>
-            </a:prstTxWarp>
-          </a:bodyPr>
-          <a:lstStyle>
-            <a:lvl1pPr>
-              <a:spcBef>
-                <a:spcPct val="20000"/>
-              </a:spcBef>
-              <a:buClr>
-                <a:srgbClr val="0000FF"/>
-              </a:buClr>
-              <a:buSzPct val="125000"/>
-              <a:buFont typeface="Lucida Grande" charset="0"/>
-              <a:buChar char="●"/>
-              <a:defRPr sz="2000">
-                <a:solidFill>
-                  <a:schemeClr val="tx1"/>
-                </a:solidFill>
-                <a:latin typeface="Calibri" pitchFamily="34" charset="0"/>
-                <a:ea typeface="ＭＳ Ｐゴシック" pitchFamily="34" charset="-128"/>
-              </a:defRPr>
-            </a:lvl1pPr>
-            <a:lvl2pPr marL="742950" indent="-285750">
-              <a:spcBef>
-                <a:spcPct val="20000"/>
-              </a:spcBef>
-              <a:buClr>
-                <a:srgbClr val="0000FF"/>
-              </a:buClr>
-              <a:buSzPct val="85000"/>
-              <a:buFont typeface="Wingdings" pitchFamily="2" charset="2"/>
-              <a:buChar char="u"/>
-              <a:defRPr>
-                <a:solidFill>
-                  <a:schemeClr val="tx1"/>
-                </a:solidFill>
-                <a:latin typeface="Calibri" pitchFamily="34" charset="0"/>
-                <a:ea typeface="ＭＳ Ｐゴシック" pitchFamily="34" charset="-128"/>
-              </a:defRPr>
-            </a:lvl2pPr>
-            <a:lvl3pPr marL="1143000" indent="-228600">
-              <a:spcBef>
-                <a:spcPct val="20000"/>
-              </a:spcBef>
-              <a:buClr>
-                <a:srgbClr val="0000FF"/>
-              </a:buClr>
-              <a:buFont typeface="Lucida Grande" charset="0"/>
-              <a:buChar char="»"/>
-              <a:defRPr sz="1600">
-                <a:solidFill>
-                  <a:schemeClr val="tx1"/>
-                </a:solidFill>
-                <a:latin typeface="Calibri" pitchFamily="34" charset="0"/>
-                <a:ea typeface="ＭＳ Ｐゴシック" pitchFamily="34" charset="-128"/>
-              </a:defRPr>
-            </a:lvl3pPr>
-            <a:lvl4pPr marL="1600200" indent="-228600">
-              <a:spcBef>
-                <a:spcPct val="20000"/>
-              </a:spcBef>
-              <a:buClr>
-                <a:srgbClr val="0000FF"/>
-              </a:buClr>
-              <a:buFont typeface="Arial" pitchFamily="34" charset="0"/>
-              <a:buChar char="–"/>
-              <a:defRPr sz="1600">
-                <a:solidFill>
-                  <a:schemeClr val="tx1"/>
-                </a:solidFill>
-                <a:latin typeface="Calibri" pitchFamily="34" charset="0"/>
-                <a:ea typeface="ＭＳ Ｐゴシック" pitchFamily="34" charset="-128"/>
-              </a:defRPr>
-            </a:lvl4pPr>
-            <a:lvl5pPr marL="2057400" indent="-228600">
-              <a:spcBef>
-                <a:spcPct val="20000"/>
-              </a:spcBef>
-              <a:buClr>
-                <a:srgbClr val="0000FF"/>
-              </a:buClr>
-              <a:buFont typeface="Arial" pitchFamily="34" charset="0"/>
-              <a:buChar char="»"/>
-              <a:defRPr sz="1600">
-                <a:solidFill>
-                  <a:schemeClr val="tx1"/>
-                </a:solidFill>
-                <a:latin typeface="Calibri" pitchFamily="34" charset="0"/>
-                <a:ea typeface="ＭＳ Ｐゴシック" pitchFamily="34" charset="-128"/>
-              </a:defRPr>
-            </a:lvl5pPr>
-            <a:lvl6pPr marL="2514600" indent="-228600" eaLnBrk="0" fontAlgn="base" hangingPunct="0">
-              <a:spcBef>
-                <a:spcPct val="20000"/>
-              </a:spcBef>
-              <a:spcAft>
-                <a:spcPct val="0"/>
-              </a:spcAft>
-              <a:buClr>
-                <a:srgbClr val="0000FF"/>
-              </a:buClr>
-              <a:buFont typeface="Arial" pitchFamily="34" charset="0"/>
-              <a:buChar char="»"/>
-              <a:defRPr sz="1600">
-                <a:solidFill>
-                  <a:schemeClr val="tx1"/>
-                </a:solidFill>
-                <a:latin typeface="Calibri" pitchFamily="34" charset="0"/>
-                <a:ea typeface="ＭＳ Ｐゴシック" pitchFamily="34" charset="-128"/>
-              </a:defRPr>
-            </a:lvl6pPr>
-            <a:lvl7pPr marL="2971800" indent="-228600" eaLnBrk="0" fontAlgn="base" hangingPunct="0">
-              <a:spcBef>
-                <a:spcPct val="20000"/>
-              </a:spcBef>
-              <a:spcAft>
-                <a:spcPct val="0"/>
-              </a:spcAft>
-              <a:buClr>
-                <a:srgbClr val="0000FF"/>
-              </a:buClr>
-              <a:buFont typeface="Arial" pitchFamily="34" charset="0"/>
-              <a:buChar char="»"/>
-              <a:defRPr sz="1600">
-                <a:solidFill>
-                  <a:schemeClr val="tx1"/>
-                </a:solidFill>
-                <a:latin typeface="Calibri" pitchFamily="34" charset="0"/>
-                <a:ea typeface="ＭＳ Ｐゴシック" pitchFamily="34" charset="-128"/>
-              </a:defRPr>
-            </a:lvl7pPr>
-            <a:lvl8pPr marL="3429000" indent="-228600" eaLnBrk="0" fontAlgn="base" hangingPunct="0">
-              <a:spcBef>
-                <a:spcPct val="20000"/>
-              </a:spcBef>
-              <a:spcAft>
-                <a:spcPct val="0"/>
-              </a:spcAft>
-              <a:buClr>
-                <a:srgbClr val="0000FF"/>
-              </a:buClr>
-              <a:buFont typeface="Arial" pitchFamily="34" charset="0"/>
-              <a:buChar char="»"/>
-              <a:defRPr sz="1600">
-                <a:solidFill>
-                  <a:schemeClr val="tx1"/>
-                </a:solidFill>
-                <a:latin typeface="Calibri" pitchFamily="34" charset="0"/>
-                <a:ea typeface="ＭＳ Ｐゴシック" pitchFamily="34" charset="-128"/>
-              </a:defRPr>
-            </a:lvl8pPr>
-            <a:lvl9pPr marL="3886200" indent="-228600" eaLnBrk="0" fontAlgn="base" hangingPunct="0">
-              <a:spcBef>
-                <a:spcPct val="20000"/>
-              </a:spcBef>
-              <a:spcAft>
-                <a:spcPct val="0"/>
-              </a:spcAft>
-              <a:buClr>
-                <a:srgbClr val="0000FF"/>
-              </a:buClr>
-              <a:buFont typeface="Arial" pitchFamily="34" charset="0"/>
-              <a:buChar char="»"/>
-              <a:defRPr sz="1600">
-                <a:solidFill>
-                  <a:schemeClr val="tx1"/>
-                </a:solidFill>
-                <a:latin typeface="Calibri" pitchFamily="34" charset="0"/>
-                <a:ea typeface="ＭＳ Ｐゴシック" pitchFamily="34" charset="-128"/>
-              </a:defRPr>
-            </a:lvl9pPr>
-          </a:lstStyle>
-          <a:p>
-            <a:pPr>
-              <a:spcBef>
-                <a:spcPct val="0"/>
-              </a:spcBef>
-              <a:buClrTx/>
-              <a:buSzTx/>
-              <a:buFontTx/>
-              <a:buNone/>
-            </a:pPr>
-            <a:r>
-              <a:rPr lang="de-DE" altLang="en-US" sz="1400"/>
-              <a:t>Froduald Kabanza</a:t>
-            </a:r>
-            <a:endParaRPr lang="en-US" altLang="en-US" sz="1400"/>
-          </a:p>
-        </p:txBody>
-      </p:sp>
-      <p:sp>
-        <p:nvSpPr>
-          <p:cNvPr id="8199" name="Espace réservé du numéro de diapositive 13"/>
-          <p:cNvSpPr>
-            <a:spLocks noGrp="1"/>
-          </p:cNvSpPr>
-          <p:nvPr>
-            <p:ph type="sldNum" sz="quarter" idx="12"/>
-          </p:nvPr>
-        </p:nvSpPr>
-        <p:spPr bwMode="auto">
-          <a:noFill/>
-          <a:extLst>
-            <a:ext uri="{909E8E84-426E-40DD-AFC4-6F175D3DCCD1}">
-              <a14:hiddenFill xmlns:a14="http://schemas.microsoft.com/office/drawing/2010/main">
-                <a:solidFill>
-                  <a:srgbClr val="FFFFFF"/>
-                </a:solidFill>
-              </a14:hiddenFill>
-            </a:ext>
-            <a:ext uri="{91240B29-F687-4F45-9708-019B960494DF}">
-              <a14:hiddenLine xmlns:a14="http://schemas.microsoft.com/office/drawing/2010/main" w="9525">
-                <a:solidFill>
-                  <a:srgbClr val="000000"/>
-                </a:solidFill>
-                <a:miter lim="800000"/>
-                <a:headEnd/>
-                <a:tailEnd/>
-              </a14:hiddenLine>
-            </a:ext>
-          </a:extLst>
-        </p:spPr>
-        <p:txBody>
-          <a:bodyPr/>
-          <a:lstStyle>
-            <a:lvl1pPr>
-              <a:spcBef>
-                <a:spcPct val="20000"/>
-              </a:spcBef>
-              <a:buClr>
-                <a:srgbClr val="0000FF"/>
-              </a:buClr>
-              <a:buSzPct val="125000"/>
-              <a:buFont typeface="Lucida Grande" charset="0"/>
-              <a:buChar char="●"/>
-              <a:defRPr sz="2000">
-                <a:solidFill>
-                  <a:schemeClr val="tx1"/>
-                </a:solidFill>
-                <a:latin typeface="Calibri" pitchFamily="34" charset="0"/>
-                <a:ea typeface="ＭＳ Ｐゴシック" pitchFamily="34" charset="-128"/>
-              </a:defRPr>
-            </a:lvl1pPr>
-            <a:lvl2pPr marL="742950" indent="-285750">
-              <a:spcBef>
-                <a:spcPct val="20000"/>
-              </a:spcBef>
-              <a:buClr>
-                <a:srgbClr val="0000FF"/>
-              </a:buClr>
-              <a:buSzPct val="85000"/>
-              <a:buFont typeface="Wingdings" pitchFamily="2" charset="2"/>
-              <a:buChar char="u"/>
-              <a:defRPr>
-                <a:solidFill>
-                  <a:schemeClr val="tx1"/>
-                </a:solidFill>
-                <a:latin typeface="Calibri" pitchFamily="34" charset="0"/>
-                <a:ea typeface="ＭＳ Ｐゴシック" pitchFamily="34" charset="-128"/>
-              </a:defRPr>
-            </a:lvl2pPr>
-            <a:lvl3pPr marL="1143000" indent="-228600">
-              <a:spcBef>
-                <a:spcPct val="20000"/>
-              </a:spcBef>
-              <a:buClr>
-                <a:srgbClr val="0000FF"/>
-              </a:buClr>
-              <a:buFont typeface="Lucida Grande" charset="0"/>
-              <a:buChar char="»"/>
-              <a:defRPr sz="1600">
-                <a:solidFill>
-                  <a:schemeClr val="tx1"/>
-                </a:solidFill>
-                <a:latin typeface="Calibri" pitchFamily="34" charset="0"/>
-                <a:ea typeface="ＭＳ Ｐゴシック" pitchFamily="34" charset="-128"/>
-              </a:defRPr>
-            </a:lvl3pPr>
-            <a:lvl4pPr marL="1600200" indent="-228600">
-              <a:spcBef>
-                <a:spcPct val="20000"/>
-              </a:spcBef>
-              <a:buClr>
-                <a:srgbClr val="0000FF"/>
-              </a:buClr>
-              <a:buFont typeface="Arial" pitchFamily="34" charset="0"/>
-              <a:buChar char="–"/>
-              <a:defRPr sz="1600">
-                <a:solidFill>
-                  <a:schemeClr val="tx1"/>
-                </a:solidFill>
-                <a:latin typeface="Calibri" pitchFamily="34" charset="0"/>
-                <a:ea typeface="ＭＳ Ｐゴシック" pitchFamily="34" charset="-128"/>
-              </a:defRPr>
-            </a:lvl4pPr>
-            <a:lvl5pPr marL="2057400" indent="-228600">
-              <a:spcBef>
-                <a:spcPct val="20000"/>
-              </a:spcBef>
-              <a:buClr>
-                <a:srgbClr val="0000FF"/>
-              </a:buClr>
-              <a:buFont typeface="Arial" pitchFamily="34" charset="0"/>
-              <a:buChar char="»"/>
-              <a:defRPr sz="1600">
-                <a:solidFill>
-                  <a:schemeClr val="tx1"/>
-                </a:solidFill>
-                <a:latin typeface="Calibri" pitchFamily="34" charset="0"/>
-                <a:ea typeface="ＭＳ Ｐゴシック" pitchFamily="34" charset="-128"/>
-              </a:defRPr>
-            </a:lvl5pPr>
-            <a:lvl6pPr marL="2514600" indent="-228600" eaLnBrk="0" fontAlgn="base" hangingPunct="0">
-              <a:spcBef>
-                <a:spcPct val="20000"/>
-              </a:spcBef>
-              <a:spcAft>
-                <a:spcPct val="0"/>
-              </a:spcAft>
-              <a:buClr>
-                <a:srgbClr val="0000FF"/>
-              </a:buClr>
-              <a:buFont typeface="Arial" pitchFamily="34" charset="0"/>
-              <a:buChar char="»"/>
-              <a:defRPr sz="1600">
-                <a:solidFill>
-                  <a:schemeClr val="tx1"/>
-                </a:solidFill>
-                <a:latin typeface="Calibri" pitchFamily="34" charset="0"/>
-                <a:ea typeface="ＭＳ Ｐゴシック" pitchFamily="34" charset="-128"/>
-              </a:defRPr>
-            </a:lvl6pPr>
-            <a:lvl7pPr marL="2971800" indent="-228600" eaLnBrk="0" fontAlgn="base" hangingPunct="0">
-              <a:spcBef>
-                <a:spcPct val="20000"/>
-              </a:spcBef>
-              <a:spcAft>
-                <a:spcPct val="0"/>
-              </a:spcAft>
-              <a:buClr>
-                <a:srgbClr val="0000FF"/>
-              </a:buClr>
-              <a:buFont typeface="Arial" pitchFamily="34" charset="0"/>
-              <a:buChar char="»"/>
-              <a:defRPr sz="1600">
-                <a:solidFill>
-                  <a:schemeClr val="tx1"/>
-                </a:solidFill>
-                <a:latin typeface="Calibri" pitchFamily="34" charset="0"/>
-                <a:ea typeface="ＭＳ Ｐゴシック" pitchFamily="34" charset="-128"/>
-              </a:defRPr>
-            </a:lvl7pPr>
-            <a:lvl8pPr marL="3429000" indent="-228600" eaLnBrk="0" fontAlgn="base" hangingPunct="0">
-              <a:spcBef>
-                <a:spcPct val="20000"/>
-              </a:spcBef>
-              <a:spcAft>
-                <a:spcPct val="0"/>
-              </a:spcAft>
-              <a:buClr>
-                <a:srgbClr val="0000FF"/>
-              </a:buClr>
-              <a:buFont typeface="Arial" pitchFamily="34" charset="0"/>
-              <a:buChar char="»"/>
-              <a:defRPr sz="1600">
-                <a:solidFill>
-                  <a:schemeClr val="tx1"/>
-                </a:solidFill>
-                <a:latin typeface="Calibri" pitchFamily="34" charset="0"/>
-                <a:ea typeface="ＭＳ Ｐゴシック" pitchFamily="34" charset="-128"/>
-              </a:defRPr>
-            </a:lvl8pPr>
-            <a:lvl9pPr marL="3886200" indent="-228600" eaLnBrk="0" fontAlgn="base" hangingPunct="0">
-              <a:spcBef>
-                <a:spcPct val="20000"/>
-              </a:spcBef>
-              <a:spcAft>
-                <a:spcPct val="0"/>
-              </a:spcAft>
-              <a:buClr>
-                <a:srgbClr val="0000FF"/>
-              </a:buClr>
-              <a:buFont typeface="Arial" pitchFamily="34" charset="0"/>
-              <a:buChar char="»"/>
-              <a:defRPr sz="1600">
-                <a:solidFill>
-                  <a:schemeClr val="tx1"/>
-                </a:solidFill>
-                <a:latin typeface="Calibri" pitchFamily="34" charset="0"/>
-                <a:ea typeface="ＭＳ Ｐゴシック" pitchFamily="34" charset="-128"/>
-              </a:defRPr>
-            </a:lvl9pPr>
-          </a:lstStyle>
-          <a:p>
-            <a:pPr>
-              <a:spcBef>
-                <a:spcPct val="0"/>
-              </a:spcBef>
-              <a:buClrTx/>
-              <a:buSzTx/>
-              <a:buFontTx/>
-              <a:buNone/>
-            </a:pPr>
-            <a:fld id="{8CB6569F-7FDE-4939-B0EF-172A09659E2C}" type="slidenum">
-              <a:rPr lang="en-US" altLang="en-US" sz="1400" smtClean="0"/>
-              <a:pPr>
-                <a:spcBef>
-                  <a:spcPct val="0"/>
-                </a:spcBef>
-                <a:buClrTx/>
-                <a:buSzTx/>
-                <a:buFontTx/>
-                <a:buNone/>
-              </a:pPr>
-              <a:t>4</a:t>
-            </a:fld>
-            <a:endParaRPr lang="en-US" altLang="en-US" sz="1400"/>
-          </a:p>
-        </p:txBody>
-      </p:sp>
-      <p:pic>
-        <p:nvPicPr>
-          <p:cNvPr id="7" name="Picture 6">
-            <a:extLst>
-              <a:ext uri="{FF2B5EF4-FFF2-40B4-BE49-F238E27FC236}">
-                <a16:creationId xmlns:a16="http://schemas.microsoft.com/office/drawing/2014/main" id="{79161049-DED6-4CA7-9008-4E4D032539C4}"/>
-              </a:ext>
-            </a:extLst>
-          </p:cNvPr>
-          <p:cNvPicPr>
-            <a:picLocks noChangeAspect="1"/>
-          </p:cNvPicPr>
-          <p:nvPr/>
-        </p:nvPicPr>
-        <p:blipFill>
-          <a:blip r:embed="rId3"/>
-          <a:stretch>
-            <a:fillRect/>
-          </a:stretch>
-        </p:blipFill>
-        <p:spPr>
-          <a:xfrm>
-            <a:off x="2353541" y="1178673"/>
-            <a:ext cx="3715472" cy="2361235"/>
-          </a:xfrm>
-          <a:prstGeom prst="rect">
-            <a:avLst/>
-          </a:prstGeom>
-        </p:spPr>
-      </p:pic>
-    </p:spTree>
-  </p:cSld>
-  <p:clrMapOvr>
-    <a:masterClrMapping/>
-  </p:clrMapOvr>
-</p:sld>
-</file>
-
-<file path=ppt/slides/slide40.xml><?xml version="1.0" encoding="utf-8"?>
+<file path=ppt/slides/slide39.xml><?xml version="1.0" encoding="utf-8"?>
 <p:sld xmlns:a="http://schemas.openxmlformats.org/drawingml/2006/main" xmlns:r="http://schemas.openxmlformats.org/officeDocument/2006/relationships" xmlns:p="http://schemas.openxmlformats.org/presentationml/2006/main">
   <p:cSld>
     <p:spTree>
@@ -42362,19 +39978,19 @@
           <a:p>
             <a:pPr eaLnBrk="1" hangingPunct="1"/>
             <a:r>
-              <a:rPr lang="fr-CA" altLang="en-US">
+              <a:rPr lang="fr-CA" altLang="en-US" dirty="0">
                 <a:ea typeface="ＭＳ Ｐゴシック" pitchFamily="34" charset="-128"/>
               </a:rPr>
               <a:t>Donner une définition de l</a:t>
             </a:r>
             <a:r>
-              <a:rPr lang="fr-CA" altLang="fr-FR">
+              <a:rPr lang="fr-CA" altLang="fr-FR" dirty="0">
                 <a:ea typeface="ＭＳ Ｐゴシック" pitchFamily="34" charset="-128"/>
               </a:rPr>
               <a:t>’</a:t>
             </a:r>
             <a:r>
-              <a:rPr lang="fr-CA" altLang="en-US">
+              <a:rPr lang="fr-CA" altLang="en-US" dirty="0">
                 <a:ea typeface="ＭＳ Ｐゴシック" pitchFamily="34" charset="-128"/>
               </a:rPr>
               <a:t>intelligence artificielle</a:t>
@@ -42382,26 +39998,26 @@
           </a:p>
           <a:p>
             <a:pPr eaLnBrk="1" hangingPunct="1"/>
-            <a:endParaRPr lang="fr-CA" altLang="en-US">
+            <a:endParaRPr lang="fr-CA" altLang="en-US" dirty="0">
               <a:ea typeface="ＭＳ Ｐゴシック" pitchFamily="34" charset="-128"/>
             </a:endParaRPr>
           </a:p>
           <a:p>
             <a:pPr eaLnBrk="1" hangingPunct="1"/>
             <a:r>
-              <a:rPr lang="fr-CA" altLang="en-US">
+              <a:rPr lang="fr-CA" altLang="en-US" dirty="0">
                 <a:ea typeface="ＭＳ Ｐゴシック" pitchFamily="34" charset="-128"/>
               </a:rPr>
               <a:t>Expliquer pourquoi l</a:t>
             </a:r>
             <a:r>
-              <a:rPr lang="fr-CA" altLang="fr-FR">
+              <a:rPr lang="fr-CA" altLang="fr-FR" dirty="0">
                 <a:ea typeface="ＭＳ Ｐゴシック" pitchFamily="34" charset="-128"/>
               </a:rPr>
               <a:t>’</a:t>
             </a:r>
             <a:r>
-              <a:rPr lang="fr-CA" altLang="en-US">
+              <a:rPr lang="fr-CA" altLang="en-US" dirty="0">
                 <a:ea typeface="ＭＳ Ｐゴシック" pitchFamily="34" charset="-128"/>
               </a:rPr>
               <a:t>approche par intelligence artificielle peut être plus appropriée</a:t>
@@ -42409,53 +40025,53 @@
           </a:p>
           <a:p>
             <a:pPr eaLnBrk="1" hangingPunct="1"/>
-            <a:endParaRPr lang="fr-CA" altLang="en-US">
+            <a:endParaRPr lang="fr-CA" altLang="en-US" dirty="0">
               <a:ea typeface="ＭＳ Ｐゴシック" pitchFamily="34" charset="-128"/>
             </a:endParaRPr>
           </a:p>
           <a:p>
             <a:pPr eaLnBrk="1" hangingPunct="1"/>
             <a:r>
-              <a:rPr lang="fr-CA" altLang="en-US">
+              <a:rPr lang="fr-CA" altLang="en-US" dirty="0">
                 <a:ea typeface="ＭＳ Ｐゴシック" pitchFamily="34" charset="-128"/>
               </a:rPr>
               <a:t>Définir ce qu</a:t>
             </a:r>
             <a:r>
-              <a:rPr lang="fr-CA" altLang="fr-FR">
+              <a:rPr lang="fr-CA" altLang="fr-FR" dirty="0">
                 <a:ea typeface="ＭＳ Ｐゴシック" pitchFamily="34" charset="-128"/>
               </a:rPr>
               <a:t>’</a:t>
             </a:r>
             <a:r>
-              <a:rPr lang="fr-CA" altLang="en-US">
-                <a:ea typeface="ＭＳ Ｐゴシック" pitchFamily="34" charset="-128"/>
-              </a:rPr>
-              <a:t>est un agent et donnez des exemples</a:t>
+              <a:rPr lang="fr-CA" altLang="en-US" dirty="0">
+                <a:ea typeface="ＭＳ Ｐゴシック" pitchFamily="34" charset="-128"/>
+              </a:rPr>
+              <a:t>est un agent et donner des exemples</a:t>
             </a:r>
           </a:p>
           <a:p>
             <a:pPr eaLnBrk="1" hangingPunct="1"/>
-            <a:endParaRPr lang="fr-CA" altLang="en-US">
+            <a:endParaRPr lang="fr-CA" altLang="en-US" dirty="0">
               <a:ea typeface="ＭＳ Ｐゴシック" pitchFamily="34" charset="-128"/>
             </a:endParaRPr>
           </a:p>
           <a:p>
             <a:pPr eaLnBrk="1" hangingPunct="1"/>
             <a:r>
-              <a:rPr lang="fr-CA" altLang="en-US">
+              <a:rPr lang="fr-CA" altLang="en-US" dirty="0">
                 <a:ea typeface="ＭＳ Ｐゴシック" pitchFamily="34" charset="-128"/>
               </a:rPr>
               <a:t>Faire une analyse d</a:t>
             </a:r>
             <a:r>
-              <a:rPr lang="fr-CA" altLang="fr-FR">
+              <a:rPr lang="fr-CA" altLang="fr-FR" dirty="0">
                 <a:ea typeface="ＭＳ Ｐゴシック" pitchFamily="34" charset="-128"/>
               </a:rPr>
               <a:t>’</a:t>
             </a:r>
             <a:r>
-              <a:rPr lang="fr-CA" altLang="en-US">
+              <a:rPr lang="fr-CA" altLang="en-US" dirty="0">
                 <a:ea typeface="ＭＳ Ｐゴシック" pitchFamily="34" charset="-128"/>
               </a:rPr>
               <a:t>un agent selon le modèle PEAS</a:t>
@@ -42463,26 +40079,26 @@
           </a:p>
           <a:p>
             <a:pPr eaLnBrk="1" hangingPunct="1"/>
-            <a:endParaRPr lang="fr-CA" altLang="en-US">
+            <a:endParaRPr lang="fr-CA" altLang="en-US" dirty="0">
               <a:ea typeface="ＭＳ Ｐゴシック" pitchFamily="34" charset="-128"/>
             </a:endParaRPr>
           </a:p>
           <a:p>
             <a:pPr eaLnBrk="1" hangingPunct="1"/>
             <a:r>
-              <a:rPr lang="fr-CA" altLang="en-US">
+              <a:rPr lang="fr-CA" altLang="en-US" dirty="0">
                 <a:ea typeface="ＭＳ Ｐゴシック" pitchFamily="34" charset="-128"/>
               </a:rPr>
               <a:t>Déterminer les caractéristiques d</a:t>
             </a:r>
             <a:r>
-              <a:rPr lang="fr-CA" altLang="fr-FR">
+              <a:rPr lang="fr-CA" altLang="fr-FR" dirty="0">
                 <a:ea typeface="ＭＳ Ｐゴシック" pitchFamily="34" charset="-128"/>
               </a:rPr>
               <a:t>’</a:t>
             </a:r>
             <a:r>
-              <a:rPr lang="fr-CA" altLang="en-US">
+              <a:rPr lang="fr-CA" altLang="en-US" dirty="0">
                 <a:ea typeface="ＭＳ Ｐゴシック" pitchFamily="34" charset="-128"/>
               </a:rPr>
               <a:t>un environnement donné</a:t>
@@ -43164,7 +40780,7 @@
                 <a:buFontTx/>
                 <a:buNone/>
               </a:pPr>
-              <a:t>40</a:t>
+              <a:t>39</a:t>
             </a:fld>
             <a:endParaRPr lang="en-US" altLang="en-US" sz="1400"/>
           </a:p>
@@ -43178,7 +40794,1004 @@
 </p:sld>
 </file>
 
-<file path=ppt/slides/slide41.xml><?xml version="1.0" encoding="utf-8"?>
+<file path=ppt/slides/slide4.xml><?xml version="1.0" encoding="utf-8"?>
+<p:sld xmlns:a="http://schemas.openxmlformats.org/drawingml/2006/main" xmlns:r="http://schemas.openxmlformats.org/officeDocument/2006/relationships" xmlns:p="http://schemas.openxmlformats.org/presentationml/2006/main" show="0">
+  <p:cSld>
+    <p:spTree>
+      <p:nvGrpSpPr>
+        <p:cNvPr id="1" name=""/>
+        <p:cNvGrpSpPr/>
+        <p:nvPr/>
+      </p:nvGrpSpPr>
+      <p:grpSpPr>
+        <a:xfrm>
+          <a:off x="0" y="0"/>
+          <a:ext cx="0" cy="0"/>
+          <a:chOff x="0" y="0"/>
+          <a:chExt cx="0" cy="0"/>
+        </a:xfrm>
+      </p:grpSpPr>
+      <p:cxnSp>
+        <p:nvCxnSpPr>
+          <p:cNvPr id="3" name="Straight Connector 2">
+            <a:extLst>
+              <a:ext uri="{FF2B5EF4-FFF2-40B4-BE49-F238E27FC236}">
+                <a16:creationId xmlns:a16="http://schemas.microsoft.com/office/drawing/2014/main" id="{2530E84F-D72A-4B7D-1DD4-EBEF0D93F744}"/>
+              </a:ext>
+            </a:extLst>
+          </p:cNvPr>
+          <p:cNvCxnSpPr/>
+          <p:nvPr/>
+        </p:nvCxnSpPr>
+        <p:spPr>
+          <a:xfrm>
+            <a:off x="0" y="0"/>
+            <a:ext cx="914400" cy="0"/>
+          </a:xfrm>
+          <a:prstGeom prst="line">
+            <a:avLst/>
+          </a:prstGeom>
+          <a:ln w="0" cap="flat" cmpd="sng" algn="ctr">
+            <a:solidFill>
+              <a:srgbClr val="FBFFFF"/>
+            </a:solidFill>
+            <a:prstDash val="solid"/>
+            <a:round/>
+            <a:headEnd type="none" w="med" len="med"/>
+            <a:tailEnd type="none" w="med" len="med"/>
+          </a:ln>
+          <a:effectLst/>
+          <a:extLst>
+            <a:ext uri="{AF507438-7753-43E0-B8FC-AC1667EBCBE1}">
+              <a14:hiddenEffects xmlns:a14="http://schemas.microsoft.com/office/drawing/2010/main">
+                <a:effectLst>
+                  <a:outerShdw blurRad="40000" rotWithShape="0">
+                    <a:srgbClr val="000000"/>
+                  </a:outerShdw>
+                </a:effectLst>
+              </a14:hiddenEffects>
+            </a:ext>
+          </a:extLst>
+        </p:spPr>
+        <p:style>
+          <a:lnRef idx="2">
+            <a:schemeClr val="accent1"/>
+          </a:lnRef>
+          <a:fillRef idx="0">
+            <a:schemeClr val="accent1"/>
+          </a:fillRef>
+          <a:effectRef idx="1">
+            <a:schemeClr val="accent1"/>
+          </a:effectRef>
+          <a:fontRef idx="minor">
+            <a:schemeClr val="tx1"/>
+          </a:fontRef>
+        </p:style>
+      </p:cxnSp>
+      <p:sp>
+        <p:nvSpPr>
+          <p:cNvPr id="8194" name="Titre 1"/>
+          <p:cNvSpPr>
+            <a:spLocks noGrp="1"/>
+          </p:cNvSpPr>
+          <p:nvPr>
+            <p:ph type="title"/>
+          </p:nvPr>
+        </p:nvSpPr>
+        <p:spPr/>
+        <p:txBody>
+          <a:bodyPr/>
+          <a:lstStyle/>
+          <a:p>
+            <a:pPr eaLnBrk="1" hangingPunct="1"/>
+            <a:r>
+              <a:rPr lang="fr-CA" altLang="en-US">
+                <a:latin typeface="Arial" pitchFamily="34" charset="0"/>
+                <a:ea typeface="ＭＳ Ｐゴシック" pitchFamily="34" charset="-128"/>
+              </a:rPr>
+              <a:t>Fonction mathématique « agent »</a:t>
+            </a:r>
+            <a:endParaRPr lang="en-CA" altLang="en-US">
+              <a:latin typeface="Arial" pitchFamily="34" charset="0"/>
+              <a:ea typeface="ＭＳ Ｐゴシック" pitchFamily="34" charset="-128"/>
+            </a:endParaRPr>
+          </a:p>
+        </p:txBody>
+      </p:sp>
+      <p:sp>
+        <p:nvSpPr>
+          <p:cNvPr id="8195" name="Rectangle 3"/>
+          <p:cNvSpPr>
+            <a:spLocks noGrp="1" noChangeArrowheads="1"/>
+          </p:cNvSpPr>
+          <p:nvPr>
+            <p:ph idx="1"/>
+          </p:nvPr>
+        </p:nvSpPr>
+        <p:spPr>
+          <a:xfrm>
+            <a:off x="488950" y="3173506"/>
+            <a:ext cx="8197850" cy="2599950"/>
+          </a:xfrm>
+        </p:spPr>
+        <p:txBody>
+          <a:bodyPr/>
+          <a:lstStyle/>
+          <a:p>
+            <a:pPr eaLnBrk="1" hangingPunct="1"/>
+            <a:endParaRPr lang="fr-CA" altLang="en-US">
+              <a:ea typeface="ＭＳ Ｐゴシック" pitchFamily="34" charset="-128"/>
+            </a:endParaRPr>
+          </a:p>
+          <a:p>
+            <a:pPr eaLnBrk="1" hangingPunct="1"/>
+            <a:r>
+              <a:rPr lang="fr-CA" altLang="en-US">
+                <a:ea typeface="ＭＳ Ｐゴシック" pitchFamily="34" charset="-128"/>
+              </a:rPr>
+              <a:t>La </a:t>
+            </a:r>
+            <a:r>
+              <a:rPr lang="fr-CA" altLang="en-US" b="1" i="1">
+                <a:ea typeface="ＭＳ Ｐゴシック" pitchFamily="34" charset="-128"/>
+              </a:rPr>
+              <a:t>fonction</a:t>
+            </a:r>
+            <a:r>
+              <a:rPr lang="fr-CA" altLang="en-US">
+                <a:ea typeface="ＭＳ Ｐゴシック" pitchFamily="34" charset="-128"/>
+              </a:rPr>
+              <a:t> </a:t>
+            </a:r>
+            <a:r>
+              <a:rPr lang="fr-CA" altLang="en-US" b="1" i="1">
+                <a:ea typeface="ＭＳ Ｐゴシック" pitchFamily="34" charset="-128"/>
+              </a:rPr>
+              <a:t>agent</a:t>
+            </a:r>
+            <a:r>
+              <a:rPr lang="fr-CA" altLang="en-US" b="1">
+                <a:ea typeface="ＭＳ Ｐゴシック" pitchFamily="34" charset="-128"/>
+              </a:rPr>
+              <a:t> </a:t>
+            </a:r>
+            <a:r>
+              <a:rPr lang="fr-CA" altLang="en-US" i="1">
+                <a:ea typeface="ＭＳ Ｐゴシック" pitchFamily="34" charset="-128"/>
+              </a:rPr>
+              <a:t>f </a:t>
+            </a:r>
+            <a:r>
+              <a:rPr lang="fr-CA" altLang="en-US">
+                <a:ea typeface="ＭＳ Ｐゴシック" pitchFamily="34" charset="-128"/>
+              </a:rPr>
+              <a:t>prend en entrée une séquence d</a:t>
+            </a:r>
+            <a:r>
+              <a:rPr lang="fr-CA" altLang="fr-FR">
+                <a:ea typeface="ＭＳ Ｐゴシック" pitchFamily="34" charset="-128"/>
+              </a:rPr>
+              <a:t>’</a:t>
+            </a:r>
+            <a:r>
+              <a:rPr lang="fr-CA" altLang="ja-JP" b="1">
+                <a:ea typeface="ＭＳ Ｐゴシック" pitchFamily="34" charset="-128"/>
+              </a:rPr>
+              <a:t>observations</a:t>
+            </a:r>
+            <a:r>
+              <a:rPr lang="fr-CA" altLang="ja-JP">
+                <a:ea typeface="ＭＳ Ｐゴシック" pitchFamily="34" charset="-128"/>
+              </a:rPr>
+              <a:t> (percepts) et retourne une </a:t>
+            </a:r>
+            <a:r>
+              <a:rPr lang="fr-CA" altLang="ja-JP" b="1">
+                <a:ea typeface="ＭＳ Ｐゴシック" pitchFamily="34" charset="-128"/>
+              </a:rPr>
+              <a:t>action</a:t>
+            </a:r>
+            <a:r>
+              <a:rPr lang="fr-FR" altLang="ja-JP">
+                <a:ea typeface="ＭＳ Ｐゴシック" pitchFamily="34" charset="-128"/>
+              </a:rPr>
+              <a:t> :</a:t>
+            </a:r>
+            <a:endParaRPr lang="fr-CA" altLang="ja-JP">
+              <a:ea typeface="ＭＳ Ｐゴシック" pitchFamily="34" charset="-128"/>
+            </a:endParaRPr>
+          </a:p>
+          <a:p>
+            <a:pPr algn="ctr" eaLnBrk="1" hangingPunct="1">
+              <a:buFont typeface="Lucida Grande" charset="0"/>
+              <a:buNone/>
+            </a:pPr>
+            <a:r>
+              <a:rPr lang="fr-CA" altLang="en-US" i="1">
+                <a:ea typeface="ＭＳ Ｐゴシック" pitchFamily="34" charset="-128"/>
+              </a:rPr>
+              <a:t>f</a:t>
+            </a:r>
+            <a:r>
+              <a:rPr lang="fr-FR" altLang="en-US">
+                <a:ea typeface="ＭＳ Ｐゴシック" pitchFamily="34" charset="-128"/>
+              </a:rPr>
+              <a:t> :</a:t>
+            </a:r>
+            <a:r>
+              <a:rPr lang="fr-CA" altLang="en-US">
+                <a:ea typeface="ＭＳ Ｐゴシック" pitchFamily="34" charset="-128"/>
+              </a:rPr>
+              <a:t> </a:t>
+            </a:r>
+            <a:r>
+              <a:rPr lang="fr-CA" altLang="en-US" i="1">
+                <a:ea typeface="ＭＳ Ｐゴシック" pitchFamily="34" charset="-128"/>
+              </a:rPr>
+              <a:t>P*</a:t>
+            </a:r>
+            <a:r>
+              <a:rPr lang="fr-CA" altLang="en-US">
+                <a:ea typeface="ＭＳ Ｐゴシック" pitchFamily="34" charset="-128"/>
+              </a:rPr>
+              <a:t> </a:t>
+            </a:r>
+            <a:r>
+              <a:rPr lang="fr-CA" altLang="en-US">
+                <a:ea typeface="ＭＳ Ｐゴシック" pitchFamily="34" charset="-128"/>
+                <a:sym typeface="Wingdings" pitchFamily="2" charset="2"/>
+              </a:rPr>
+              <a:t> </a:t>
+            </a:r>
+            <a:r>
+              <a:rPr lang="fr-CA" altLang="en-US" i="1">
+                <a:ea typeface="ＭＳ Ｐゴシック" pitchFamily="34" charset="-128"/>
+              </a:rPr>
+              <a:t>A</a:t>
+            </a:r>
+            <a:endParaRPr lang="fr-CA" altLang="en-US">
+              <a:ea typeface="ＭＳ Ｐゴシック" pitchFamily="34" charset="-128"/>
+            </a:endParaRPr>
+          </a:p>
+          <a:p>
+            <a:pPr algn="ctr" eaLnBrk="1" hangingPunct="1">
+              <a:buFont typeface="Lucida Grande" charset="0"/>
+              <a:buNone/>
+            </a:pPr>
+            <a:endParaRPr lang="fr-CA" altLang="en-US">
+              <a:ea typeface="ＭＳ Ｐゴシック" pitchFamily="34" charset="-128"/>
+            </a:endParaRPr>
+          </a:p>
+          <a:p>
+            <a:pPr eaLnBrk="1" hangingPunct="1"/>
+            <a:r>
+              <a:rPr lang="fr-CA" altLang="en-US">
+                <a:ea typeface="ＭＳ Ｐゴシック" pitchFamily="34" charset="-128"/>
+              </a:rPr>
+              <a:t>En pratique la fonction est implémentée par un programme sur une architecture matérielle particulière</a:t>
+            </a:r>
+          </a:p>
+        </p:txBody>
+      </p:sp>
+      <p:sp>
+        <p:nvSpPr>
+          <p:cNvPr id="8197" name="Espace réservé de la date 11"/>
+          <p:cNvSpPr>
+            <a:spLocks noGrp="1"/>
+          </p:cNvSpPr>
+          <p:nvPr>
+            <p:ph type="dt" sz="quarter" idx="10"/>
+          </p:nvPr>
+        </p:nvSpPr>
+        <p:spPr bwMode="auto">
+          <a:noFill/>
+          <a:extLst>
+            <a:ext uri="{909E8E84-426E-40DD-AFC4-6F175D3DCCD1}">
+              <a14:hiddenFill xmlns:a14="http://schemas.microsoft.com/office/drawing/2010/main">
+                <a:solidFill>
+                  <a:srgbClr val="FFFFFF"/>
+                </a:solidFill>
+              </a14:hiddenFill>
+            </a:ext>
+            <a:ext uri="{91240B29-F687-4F45-9708-019B960494DF}">
+              <a14:hiddenLine xmlns:a14="http://schemas.microsoft.com/office/drawing/2010/main" w="9525">
+                <a:solidFill>
+                  <a:srgbClr val="000000"/>
+                </a:solidFill>
+                <a:miter lim="800000"/>
+                <a:headEnd/>
+                <a:tailEnd/>
+              </a14:hiddenLine>
+            </a:ext>
+          </a:extLst>
+        </p:spPr>
+        <p:txBody>
+          <a:bodyPr wrap="square" numCol="1" anchorCtr="0" compatLnSpc="1">
+            <a:prstTxWarp prst="textNoShape">
+              <a:avLst/>
+            </a:prstTxWarp>
+          </a:bodyPr>
+          <a:lstStyle>
+            <a:lvl1pPr>
+              <a:spcBef>
+                <a:spcPct val="20000"/>
+              </a:spcBef>
+              <a:buClr>
+                <a:srgbClr val="0000FF"/>
+              </a:buClr>
+              <a:buSzPct val="125000"/>
+              <a:buFont typeface="Lucida Grande" charset="0"/>
+              <a:buChar char="●"/>
+              <a:defRPr sz="2000">
+                <a:solidFill>
+                  <a:schemeClr val="tx1"/>
+                </a:solidFill>
+                <a:latin typeface="Calibri" pitchFamily="34" charset="0"/>
+                <a:ea typeface="ＭＳ Ｐゴシック" pitchFamily="34" charset="-128"/>
+              </a:defRPr>
+            </a:lvl1pPr>
+            <a:lvl2pPr marL="742950" indent="-285750">
+              <a:spcBef>
+                <a:spcPct val="20000"/>
+              </a:spcBef>
+              <a:buClr>
+                <a:srgbClr val="0000FF"/>
+              </a:buClr>
+              <a:buSzPct val="85000"/>
+              <a:buFont typeface="Wingdings" pitchFamily="2" charset="2"/>
+              <a:buChar char="u"/>
+              <a:defRPr>
+                <a:solidFill>
+                  <a:schemeClr val="tx1"/>
+                </a:solidFill>
+                <a:latin typeface="Calibri" pitchFamily="34" charset="0"/>
+                <a:ea typeface="ＭＳ Ｐゴシック" pitchFamily="34" charset="-128"/>
+              </a:defRPr>
+            </a:lvl2pPr>
+            <a:lvl3pPr marL="1143000" indent="-228600">
+              <a:spcBef>
+                <a:spcPct val="20000"/>
+              </a:spcBef>
+              <a:buClr>
+                <a:srgbClr val="0000FF"/>
+              </a:buClr>
+              <a:buFont typeface="Lucida Grande" charset="0"/>
+              <a:buChar char="»"/>
+              <a:defRPr sz="1600">
+                <a:solidFill>
+                  <a:schemeClr val="tx1"/>
+                </a:solidFill>
+                <a:latin typeface="Calibri" pitchFamily="34" charset="0"/>
+                <a:ea typeface="ＭＳ Ｐゴシック" pitchFamily="34" charset="-128"/>
+              </a:defRPr>
+            </a:lvl3pPr>
+            <a:lvl4pPr marL="1600200" indent="-228600">
+              <a:spcBef>
+                <a:spcPct val="20000"/>
+              </a:spcBef>
+              <a:buClr>
+                <a:srgbClr val="0000FF"/>
+              </a:buClr>
+              <a:buFont typeface="Arial" pitchFamily="34" charset="0"/>
+              <a:buChar char="–"/>
+              <a:defRPr sz="1600">
+                <a:solidFill>
+                  <a:schemeClr val="tx1"/>
+                </a:solidFill>
+                <a:latin typeface="Calibri" pitchFamily="34" charset="0"/>
+                <a:ea typeface="ＭＳ Ｐゴシック" pitchFamily="34" charset="-128"/>
+              </a:defRPr>
+            </a:lvl4pPr>
+            <a:lvl5pPr marL="2057400" indent="-228600">
+              <a:spcBef>
+                <a:spcPct val="20000"/>
+              </a:spcBef>
+              <a:buClr>
+                <a:srgbClr val="0000FF"/>
+              </a:buClr>
+              <a:buFont typeface="Arial" pitchFamily="34" charset="0"/>
+              <a:buChar char="»"/>
+              <a:defRPr sz="1600">
+                <a:solidFill>
+                  <a:schemeClr val="tx1"/>
+                </a:solidFill>
+                <a:latin typeface="Calibri" pitchFamily="34" charset="0"/>
+                <a:ea typeface="ＭＳ Ｐゴシック" pitchFamily="34" charset="-128"/>
+              </a:defRPr>
+            </a:lvl5pPr>
+            <a:lvl6pPr marL="2514600" indent="-228600" eaLnBrk="0" fontAlgn="base" hangingPunct="0">
+              <a:spcBef>
+                <a:spcPct val="20000"/>
+              </a:spcBef>
+              <a:spcAft>
+                <a:spcPct val="0"/>
+              </a:spcAft>
+              <a:buClr>
+                <a:srgbClr val="0000FF"/>
+              </a:buClr>
+              <a:buFont typeface="Arial" pitchFamily="34" charset="0"/>
+              <a:buChar char="»"/>
+              <a:defRPr sz="1600">
+                <a:solidFill>
+                  <a:schemeClr val="tx1"/>
+                </a:solidFill>
+                <a:latin typeface="Calibri" pitchFamily="34" charset="0"/>
+                <a:ea typeface="ＭＳ Ｐゴシック" pitchFamily="34" charset="-128"/>
+              </a:defRPr>
+            </a:lvl6pPr>
+            <a:lvl7pPr marL="2971800" indent="-228600" eaLnBrk="0" fontAlgn="base" hangingPunct="0">
+              <a:spcBef>
+                <a:spcPct val="20000"/>
+              </a:spcBef>
+              <a:spcAft>
+                <a:spcPct val="0"/>
+              </a:spcAft>
+              <a:buClr>
+                <a:srgbClr val="0000FF"/>
+              </a:buClr>
+              <a:buFont typeface="Arial" pitchFamily="34" charset="0"/>
+              <a:buChar char="»"/>
+              <a:defRPr sz="1600">
+                <a:solidFill>
+                  <a:schemeClr val="tx1"/>
+                </a:solidFill>
+                <a:latin typeface="Calibri" pitchFamily="34" charset="0"/>
+                <a:ea typeface="ＭＳ Ｐゴシック" pitchFamily="34" charset="-128"/>
+              </a:defRPr>
+            </a:lvl7pPr>
+            <a:lvl8pPr marL="3429000" indent="-228600" eaLnBrk="0" fontAlgn="base" hangingPunct="0">
+              <a:spcBef>
+                <a:spcPct val="20000"/>
+              </a:spcBef>
+              <a:spcAft>
+                <a:spcPct val="0"/>
+              </a:spcAft>
+              <a:buClr>
+                <a:srgbClr val="0000FF"/>
+              </a:buClr>
+              <a:buFont typeface="Arial" pitchFamily="34" charset="0"/>
+              <a:buChar char="»"/>
+              <a:defRPr sz="1600">
+                <a:solidFill>
+                  <a:schemeClr val="tx1"/>
+                </a:solidFill>
+                <a:latin typeface="Calibri" pitchFamily="34" charset="0"/>
+                <a:ea typeface="ＭＳ Ｐゴシック" pitchFamily="34" charset="-128"/>
+              </a:defRPr>
+            </a:lvl8pPr>
+            <a:lvl9pPr marL="3886200" indent="-228600" eaLnBrk="0" fontAlgn="base" hangingPunct="0">
+              <a:spcBef>
+                <a:spcPct val="20000"/>
+              </a:spcBef>
+              <a:spcAft>
+                <a:spcPct val="0"/>
+              </a:spcAft>
+              <a:buClr>
+                <a:srgbClr val="0000FF"/>
+              </a:buClr>
+              <a:buFont typeface="Arial" pitchFamily="34" charset="0"/>
+              <a:buChar char="»"/>
+              <a:defRPr sz="1600">
+                <a:solidFill>
+                  <a:schemeClr val="tx1"/>
+                </a:solidFill>
+                <a:latin typeface="Calibri" pitchFamily="34" charset="0"/>
+                <a:ea typeface="ＭＳ Ｐゴシック" pitchFamily="34" charset="-128"/>
+              </a:defRPr>
+            </a:lvl9pPr>
+          </a:lstStyle>
+          <a:p>
+            <a:pPr>
+              <a:spcBef>
+                <a:spcPct val="0"/>
+              </a:spcBef>
+              <a:buClrTx/>
+              <a:buSzTx/>
+              <a:buFontTx/>
+              <a:buNone/>
+            </a:pPr>
+            <a:r>
+              <a:rPr lang="fr-CA" altLang="en-US" sz="1400"/>
+              <a:t>IFT615</a:t>
+            </a:r>
+            <a:endParaRPr lang="en-US" altLang="en-US" sz="1400"/>
+          </a:p>
+        </p:txBody>
+      </p:sp>
+      <p:sp>
+        <p:nvSpPr>
+          <p:cNvPr id="8198" name="Espace réservé du pied de page 12"/>
+          <p:cNvSpPr>
+            <a:spLocks noGrp="1"/>
+          </p:cNvSpPr>
+          <p:nvPr>
+            <p:ph type="ftr" sz="quarter" idx="11"/>
+          </p:nvPr>
+        </p:nvSpPr>
+        <p:spPr bwMode="auto">
+          <a:noFill/>
+          <a:extLst>
+            <a:ext uri="{909E8E84-426E-40DD-AFC4-6F175D3DCCD1}">
+              <a14:hiddenFill xmlns:a14="http://schemas.microsoft.com/office/drawing/2010/main">
+                <a:solidFill>
+                  <a:srgbClr val="FFFFFF"/>
+                </a:solidFill>
+              </a14:hiddenFill>
+            </a:ext>
+            <a:ext uri="{91240B29-F687-4F45-9708-019B960494DF}">
+              <a14:hiddenLine xmlns:a14="http://schemas.microsoft.com/office/drawing/2010/main" w="9525">
+                <a:solidFill>
+                  <a:srgbClr val="000000"/>
+                </a:solidFill>
+                <a:miter lim="800000"/>
+                <a:headEnd/>
+                <a:tailEnd/>
+              </a14:hiddenLine>
+            </a:ext>
+          </a:extLst>
+        </p:spPr>
+        <p:txBody>
+          <a:bodyPr wrap="square" numCol="1" anchorCtr="0" compatLnSpc="1">
+            <a:prstTxWarp prst="textNoShape">
+              <a:avLst/>
+            </a:prstTxWarp>
+          </a:bodyPr>
+          <a:lstStyle>
+            <a:lvl1pPr>
+              <a:spcBef>
+                <a:spcPct val="20000"/>
+              </a:spcBef>
+              <a:buClr>
+                <a:srgbClr val="0000FF"/>
+              </a:buClr>
+              <a:buSzPct val="125000"/>
+              <a:buFont typeface="Lucida Grande" charset="0"/>
+              <a:buChar char="●"/>
+              <a:defRPr sz="2000">
+                <a:solidFill>
+                  <a:schemeClr val="tx1"/>
+                </a:solidFill>
+                <a:latin typeface="Calibri" pitchFamily="34" charset="0"/>
+                <a:ea typeface="ＭＳ Ｐゴシック" pitchFamily="34" charset="-128"/>
+              </a:defRPr>
+            </a:lvl1pPr>
+            <a:lvl2pPr marL="742950" indent="-285750">
+              <a:spcBef>
+                <a:spcPct val="20000"/>
+              </a:spcBef>
+              <a:buClr>
+                <a:srgbClr val="0000FF"/>
+              </a:buClr>
+              <a:buSzPct val="85000"/>
+              <a:buFont typeface="Wingdings" pitchFamily="2" charset="2"/>
+              <a:buChar char="u"/>
+              <a:defRPr>
+                <a:solidFill>
+                  <a:schemeClr val="tx1"/>
+                </a:solidFill>
+                <a:latin typeface="Calibri" pitchFamily="34" charset="0"/>
+                <a:ea typeface="ＭＳ Ｐゴシック" pitchFamily="34" charset="-128"/>
+              </a:defRPr>
+            </a:lvl2pPr>
+            <a:lvl3pPr marL="1143000" indent="-228600">
+              <a:spcBef>
+                <a:spcPct val="20000"/>
+              </a:spcBef>
+              <a:buClr>
+                <a:srgbClr val="0000FF"/>
+              </a:buClr>
+              <a:buFont typeface="Lucida Grande" charset="0"/>
+              <a:buChar char="»"/>
+              <a:defRPr sz="1600">
+                <a:solidFill>
+                  <a:schemeClr val="tx1"/>
+                </a:solidFill>
+                <a:latin typeface="Calibri" pitchFamily="34" charset="0"/>
+                <a:ea typeface="ＭＳ Ｐゴシック" pitchFamily="34" charset="-128"/>
+              </a:defRPr>
+            </a:lvl3pPr>
+            <a:lvl4pPr marL="1600200" indent="-228600">
+              <a:spcBef>
+                <a:spcPct val="20000"/>
+              </a:spcBef>
+              <a:buClr>
+                <a:srgbClr val="0000FF"/>
+              </a:buClr>
+              <a:buFont typeface="Arial" pitchFamily="34" charset="0"/>
+              <a:buChar char="–"/>
+              <a:defRPr sz="1600">
+                <a:solidFill>
+                  <a:schemeClr val="tx1"/>
+                </a:solidFill>
+                <a:latin typeface="Calibri" pitchFamily="34" charset="0"/>
+                <a:ea typeface="ＭＳ Ｐゴシック" pitchFamily="34" charset="-128"/>
+              </a:defRPr>
+            </a:lvl4pPr>
+            <a:lvl5pPr marL="2057400" indent="-228600">
+              <a:spcBef>
+                <a:spcPct val="20000"/>
+              </a:spcBef>
+              <a:buClr>
+                <a:srgbClr val="0000FF"/>
+              </a:buClr>
+              <a:buFont typeface="Arial" pitchFamily="34" charset="0"/>
+              <a:buChar char="»"/>
+              <a:defRPr sz="1600">
+                <a:solidFill>
+                  <a:schemeClr val="tx1"/>
+                </a:solidFill>
+                <a:latin typeface="Calibri" pitchFamily="34" charset="0"/>
+                <a:ea typeface="ＭＳ Ｐゴシック" pitchFamily="34" charset="-128"/>
+              </a:defRPr>
+            </a:lvl5pPr>
+            <a:lvl6pPr marL="2514600" indent="-228600" eaLnBrk="0" fontAlgn="base" hangingPunct="0">
+              <a:spcBef>
+                <a:spcPct val="20000"/>
+              </a:spcBef>
+              <a:spcAft>
+                <a:spcPct val="0"/>
+              </a:spcAft>
+              <a:buClr>
+                <a:srgbClr val="0000FF"/>
+              </a:buClr>
+              <a:buFont typeface="Arial" pitchFamily="34" charset="0"/>
+              <a:buChar char="»"/>
+              <a:defRPr sz="1600">
+                <a:solidFill>
+                  <a:schemeClr val="tx1"/>
+                </a:solidFill>
+                <a:latin typeface="Calibri" pitchFamily="34" charset="0"/>
+                <a:ea typeface="ＭＳ Ｐゴシック" pitchFamily="34" charset="-128"/>
+              </a:defRPr>
+            </a:lvl6pPr>
+            <a:lvl7pPr marL="2971800" indent="-228600" eaLnBrk="0" fontAlgn="base" hangingPunct="0">
+              <a:spcBef>
+                <a:spcPct val="20000"/>
+              </a:spcBef>
+              <a:spcAft>
+                <a:spcPct val="0"/>
+              </a:spcAft>
+              <a:buClr>
+                <a:srgbClr val="0000FF"/>
+              </a:buClr>
+              <a:buFont typeface="Arial" pitchFamily="34" charset="0"/>
+              <a:buChar char="»"/>
+              <a:defRPr sz="1600">
+                <a:solidFill>
+                  <a:schemeClr val="tx1"/>
+                </a:solidFill>
+                <a:latin typeface="Calibri" pitchFamily="34" charset="0"/>
+                <a:ea typeface="ＭＳ Ｐゴシック" pitchFamily="34" charset="-128"/>
+              </a:defRPr>
+            </a:lvl7pPr>
+            <a:lvl8pPr marL="3429000" indent="-228600" eaLnBrk="0" fontAlgn="base" hangingPunct="0">
+              <a:spcBef>
+                <a:spcPct val="20000"/>
+              </a:spcBef>
+              <a:spcAft>
+                <a:spcPct val="0"/>
+              </a:spcAft>
+              <a:buClr>
+                <a:srgbClr val="0000FF"/>
+              </a:buClr>
+              <a:buFont typeface="Arial" pitchFamily="34" charset="0"/>
+              <a:buChar char="»"/>
+              <a:defRPr sz="1600">
+                <a:solidFill>
+                  <a:schemeClr val="tx1"/>
+                </a:solidFill>
+                <a:latin typeface="Calibri" pitchFamily="34" charset="0"/>
+                <a:ea typeface="ＭＳ Ｐゴシック" pitchFamily="34" charset="-128"/>
+              </a:defRPr>
+            </a:lvl8pPr>
+            <a:lvl9pPr marL="3886200" indent="-228600" eaLnBrk="0" fontAlgn="base" hangingPunct="0">
+              <a:spcBef>
+                <a:spcPct val="20000"/>
+              </a:spcBef>
+              <a:spcAft>
+                <a:spcPct val="0"/>
+              </a:spcAft>
+              <a:buClr>
+                <a:srgbClr val="0000FF"/>
+              </a:buClr>
+              <a:buFont typeface="Arial" pitchFamily="34" charset="0"/>
+              <a:buChar char="»"/>
+              <a:defRPr sz="1600">
+                <a:solidFill>
+                  <a:schemeClr val="tx1"/>
+                </a:solidFill>
+                <a:latin typeface="Calibri" pitchFamily="34" charset="0"/>
+                <a:ea typeface="ＭＳ Ｐゴシック" pitchFamily="34" charset="-128"/>
+              </a:defRPr>
+            </a:lvl9pPr>
+          </a:lstStyle>
+          <a:p>
+            <a:pPr>
+              <a:spcBef>
+                <a:spcPct val="0"/>
+              </a:spcBef>
+              <a:buClrTx/>
+              <a:buSzTx/>
+              <a:buFontTx/>
+              <a:buNone/>
+            </a:pPr>
+            <a:r>
+              <a:rPr lang="de-DE" altLang="en-US" sz="1400"/>
+              <a:t>Froduald Kabanza</a:t>
+            </a:r>
+            <a:endParaRPr lang="en-US" altLang="en-US" sz="1400"/>
+          </a:p>
+        </p:txBody>
+      </p:sp>
+      <p:sp>
+        <p:nvSpPr>
+          <p:cNvPr id="8199" name="Espace réservé du numéro de diapositive 13"/>
+          <p:cNvSpPr>
+            <a:spLocks noGrp="1"/>
+          </p:cNvSpPr>
+          <p:nvPr>
+            <p:ph type="sldNum" sz="quarter" idx="12"/>
+          </p:nvPr>
+        </p:nvSpPr>
+        <p:spPr bwMode="auto">
+          <a:noFill/>
+          <a:extLst>
+            <a:ext uri="{909E8E84-426E-40DD-AFC4-6F175D3DCCD1}">
+              <a14:hiddenFill xmlns:a14="http://schemas.microsoft.com/office/drawing/2010/main">
+                <a:solidFill>
+                  <a:srgbClr val="FFFFFF"/>
+                </a:solidFill>
+              </a14:hiddenFill>
+            </a:ext>
+            <a:ext uri="{91240B29-F687-4F45-9708-019B960494DF}">
+              <a14:hiddenLine xmlns:a14="http://schemas.microsoft.com/office/drawing/2010/main" w="9525">
+                <a:solidFill>
+                  <a:srgbClr val="000000"/>
+                </a:solidFill>
+                <a:miter lim="800000"/>
+                <a:headEnd/>
+                <a:tailEnd/>
+              </a14:hiddenLine>
+            </a:ext>
+          </a:extLst>
+        </p:spPr>
+        <p:txBody>
+          <a:bodyPr/>
+          <a:lstStyle>
+            <a:lvl1pPr>
+              <a:spcBef>
+                <a:spcPct val="20000"/>
+              </a:spcBef>
+              <a:buClr>
+                <a:srgbClr val="0000FF"/>
+              </a:buClr>
+              <a:buSzPct val="125000"/>
+              <a:buFont typeface="Lucida Grande" charset="0"/>
+              <a:buChar char="●"/>
+              <a:defRPr sz="2000">
+                <a:solidFill>
+                  <a:schemeClr val="tx1"/>
+                </a:solidFill>
+                <a:latin typeface="Calibri" pitchFamily="34" charset="0"/>
+                <a:ea typeface="ＭＳ Ｐゴシック" pitchFamily="34" charset="-128"/>
+              </a:defRPr>
+            </a:lvl1pPr>
+            <a:lvl2pPr marL="742950" indent="-285750">
+              <a:spcBef>
+                <a:spcPct val="20000"/>
+              </a:spcBef>
+              <a:buClr>
+                <a:srgbClr val="0000FF"/>
+              </a:buClr>
+              <a:buSzPct val="85000"/>
+              <a:buFont typeface="Wingdings" pitchFamily="2" charset="2"/>
+              <a:buChar char="u"/>
+              <a:defRPr>
+                <a:solidFill>
+                  <a:schemeClr val="tx1"/>
+                </a:solidFill>
+                <a:latin typeface="Calibri" pitchFamily="34" charset="0"/>
+                <a:ea typeface="ＭＳ Ｐゴシック" pitchFamily="34" charset="-128"/>
+              </a:defRPr>
+            </a:lvl2pPr>
+            <a:lvl3pPr marL="1143000" indent="-228600">
+              <a:spcBef>
+                <a:spcPct val="20000"/>
+              </a:spcBef>
+              <a:buClr>
+                <a:srgbClr val="0000FF"/>
+              </a:buClr>
+              <a:buFont typeface="Lucida Grande" charset="0"/>
+              <a:buChar char="»"/>
+              <a:defRPr sz="1600">
+                <a:solidFill>
+                  <a:schemeClr val="tx1"/>
+                </a:solidFill>
+                <a:latin typeface="Calibri" pitchFamily="34" charset="0"/>
+                <a:ea typeface="ＭＳ Ｐゴシック" pitchFamily="34" charset="-128"/>
+              </a:defRPr>
+            </a:lvl3pPr>
+            <a:lvl4pPr marL="1600200" indent="-228600">
+              <a:spcBef>
+                <a:spcPct val="20000"/>
+              </a:spcBef>
+              <a:buClr>
+                <a:srgbClr val="0000FF"/>
+              </a:buClr>
+              <a:buFont typeface="Arial" pitchFamily="34" charset="0"/>
+              <a:buChar char="–"/>
+              <a:defRPr sz="1600">
+                <a:solidFill>
+                  <a:schemeClr val="tx1"/>
+                </a:solidFill>
+                <a:latin typeface="Calibri" pitchFamily="34" charset="0"/>
+                <a:ea typeface="ＭＳ Ｐゴシック" pitchFamily="34" charset="-128"/>
+              </a:defRPr>
+            </a:lvl4pPr>
+            <a:lvl5pPr marL="2057400" indent="-228600">
+              <a:spcBef>
+                <a:spcPct val="20000"/>
+              </a:spcBef>
+              <a:buClr>
+                <a:srgbClr val="0000FF"/>
+              </a:buClr>
+              <a:buFont typeface="Arial" pitchFamily="34" charset="0"/>
+              <a:buChar char="»"/>
+              <a:defRPr sz="1600">
+                <a:solidFill>
+                  <a:schemeClr val="tx1"/>
+                </a:solidFill>
+                <a:latin typeface="Calibri" pitchFamily="34" charset="0"/>
+                <a:ea typeface="ＭＳ Ｐゴシック" pitchFamily="34" charset="-128"/>
+              </a:defRPr>
+            </a:lvl5pPr>
+            <a:lvl6pPr marL="2514600" indent="-228600" eaLnBrk="0" fontAlgn="base" hangingPunct="0">
+              <a:spcBef>
+                <a:spcPct val="20000"/>
+              </a:spcBef>
+              <a:spcAft>
+                <a:spcPct val="0"/>
+              </a:spcAft>
+              <a:buClr>
+                <a:srgbClr val="0000FF"/>
+              </a:buClr>
+              <a:buFont typeface="Arial" pitchFamily="34" charset="0"/>
+              <a:buChar char="»"/>
+              <a:defRPr sz="1600">
+                <a:solidFill>
+                  <a:schemeClr val="tx1"/>
+                </a:solidFill>
+                <a:latin typeface="Calibri" pitchFamily="34" charset="0"/>
+                <a:ea typeface="ＭＳ Ｐゴシック" pitchFamily="34" charset="-128"/>
+              </a:defRPr>
+            </a:lvl6pPr>
+            <a:lvl7pPr marL="2971800" indent="-228600" eaLnBrk="0" fontAlgn="base" hangingPunct="0">
+              <a:spcBef>
+                <a:spcPct val="20000"/>
+              </a:spcBef>
+              <a:spcAft>
+                <a:spcPct val="0"/>
+              </a:spcAft>
+              <a:buClr>
+                <a:srgbClr val="0000FF"/>
+              </a:buClr>
+              <a:buFont typeface="Arial" pitchFamily="34" charset="0"/>
+              <a:buChar char="»"/>
+              <a:defRPr sz="1600">
+                <a:solidFill>
+                  <a:schemeClr val="tx1"/>
+                </a:solidFill>
+                <a:latin typeface="Calibri" pitchFamily="34" charset="0"/>
+                <a:ea typeface="ＭＳ Ｐゴシック" pitchFamily="34" charset="-128"/>
+              </a:defRPr>
+            </a:lvl7pPr>
+            <a:lvl8pPr marL="3429000" indent="-228600" eaLnBrk="0" fontAlgn="base" hangingPunct="0">
+              <a:spcBef>
+                <a:spcPct val="20000"/>
+              </a:spcBef>
+              <a:spcAft>
+                <a:spcPct val="0"/>
+              </a:spcAft>
+              <a:buClr>
+                <a:srgbClr val="0000FF"/>
+              </a:buClr>
+              <a:buFont typeface="Arial" pitchFamily="34" charset="0"/>
+              <a:buChar char="»"/>
+              <a:defRPr sz="1600">
+                <a:solidFill>
+                  <a:schemeClr val="tx1"/>
+                </a:solidFill>
+                <a:latin typeface="Calibri" pitchFamily="34" charset="0"/>
+                <a:ea typeface="ＭＳ Ｐゴシック" pitchFamily="34" charset="-128"/>
+              </a:defRPr>
+            </a:lvl8pPr>
+            <a:lvl9pPr marL="3886200" indent="-228600" eaLnBrk="0" fontAlgn="base" hangingPunct="0">
+              <a:spcBef>
+                <a:spcPct val="20000"/>
+              </a:spcBef>
+              <a:spcAft>
+                <a:spcPct val="0"/>
+              </a:spcAft>
+              <a:buClr>
+                <a:srgbClr val="0000FF"/>
+              </a:buClr>
+              <a:buFont typeface="Arial" pitchFamily="34" charset="0"/>
+              <a:buChar char="»"/>
+              <a:defRPr sz="1600">
+                <a:solidFill>
+                  <a:schemeClr val="tx1"/>
+                </a:solidFill>
+                <a:latin typeface="Calibri" pitchFamily="34" charset="0"/>
+                <a:ea typeface="ＭＳ Ｐゴシック" pitchFamily="34" charset="-128"/>
+              </a:defRPr>
+            </a:lvl9pPr>
+          </a:lstStyle>
+          <a:p>
+            <a:pPr>
+              <a:spcBef>
+                <a:spcPct val="0"/>
+              </a:spcBef>
+              <a:buClrTx/>
+              <a:buSzTx/>
+              <a:buFontTx/>
+              <a:buNone/>
+            </a:pPr>
+            <a:fld id="{8CB6569F-7FDE-4939-B0EF-172A09659E2C}" type="slidenum">
+              <a:rPr lang="en-US" altLang="en-US" sz="1400" smtClean="0"/>
+              <a:pPr>
+                <a:spcBef>
+                  <a:spcPct val="0"/>
+                </a:spcBef>
+                <a:buClrTx/>
+                <a:buSzTx/>
+                <a:buFontTx/>
+                <a:buNone/>
+              </a:pPr>
+              <a:t>4</a:t>
+            </a:fld>
+            <a:endParaRPr lang="en-US" altLang="en-US" sz="1400"/>
+          </a:p>
+        </p:txBody>
+      </p:sp>
+      <p:pic>
+        <p:nvPicPr>
+          <p:cNvPr id="7" name="Picture 6">
+            <a:extLst>
+              <a:ext uri="{FF2B5EF4-FFF2-40B4-BE49-F238E27FC236}">
+                <a16:creationId xmlns:a16="http://schemas.microsoft.com/office/drawing/2014/main" id="{79161049-DED6-4CA7-9008-4E4D032539C4}"/>
+              </a:ext>
+            </a:extLst>
+          </p:cNvPr>
+          <p:cNvPicPr>
+            <a:picLocks noChangeAspect="1"/>
+          </p:cNvPicPr>
+          <p:nvPr/>
+        </p:nvPicPr>
+        <p:blipFill>
+          <a:blip r:embed="rId3"/>
+          <a:stretch>
+            <a:fillRect/>
+          </a:stretch>
+        </p:blipFill>
+        <p:spPr>
+          <a:xfrm>
+            <a:off x="2353541" y="1178673"/>
+            <a:ext cx="3715472" cy="2361235"/>
+          </a:xfrm>
+          <a:prstGeom prst="rect">
+            <a:avLst/>
+          </a:prstGeom>
+        </p:spPr>
+      </p:pic>
+    </p:spTree>
+  </p:cSld>
+  <p:clrMapOvr>
+    <a:masterClrMapping/>
+  </p:clrMapOvr>
+</p:sld>
+</file>
+
+<file path=ppt/slides/slide40.xml><?xml version="1.0" encoding="utf-8"?>
 <p:sld xmlns:a="http://schemas.openxmlformats.org/drawingml/2006/main" xmlns:r="http://schemas.openxmlformats.org/officeDocument/2006/relationships" xmlns:p="http://schemas.openxmlformats.org/presentationml/2006/main">
   <p:cSld>
     <p:spTree>
@@ -44039,7 +42652,7 @@
                 <a:buFontTx/>
                 <a:buNone/>
               </a:pPr>
-              <a:t>41</a:t>
+              <a:t>40</a:t>
             </a:fld>
             <a:endParaRPr lang="en-US" altLang="ko-KR" sz="1400"/>
           </a:p>
@@ -44185,7 +42798,7 @@
 </file>
 
 <file path=ppt/slides/slide5.xml><?xml version="1.0" encoding="utf-8"?>
-<p:sld xmlns:a="http://schemas.openxmlformats.org/drawingml/2006/main" xmlns:r="http://schemas.openxmlformats.org/officeDocument/2006/relationships" xmlns:p="http://schemas.openxmlformats.org/presentationml/2006/main">
+<p:sld xmlns:a="http://schemas.openxmlformats.org/drawingml/2006/main" xmlns:r="http://schemas.openxmlformats.org/officeDocument/2006/relationships" xmlns:p="http://schemas.openxmlformats.org/presentationml/2006/main" show="0">
   <p:cSld>
     <p:spTree>
       <p:nvGrpSpPr>
@@ -45341,7 +43954,7 @@
 </file>
 
 <file path=ppt/slides/slide6.xml><?xml version="1.0" encoding="utf-8"?>
-<p:sld xmlns:a="http://schemas.openxmlformats.org/drawingml/2006/main" xmlns:r="http://schemas.openxmlformats.org/officeDocument/2006/relationships" xmlns:p="http://schemas.openxmlformats.org/presentationml/2006/main">
+<p:sld xmlns:a="http://schemas.openxmlformats.org/drawingml/2006/main" xmlns:r="http://schemas.openxmlformats.org/officeDocument/2006/relationships" xmlns:p="http://schemas.openxmlformats.org/presentationml/2006/main" show="0">
   <p:cSld>
     <p:spTree>
       <p:nvGrpSpPr>
@@ -46545,7 +45158,7 @@
 </file>
 
 <file path=ppt/slides/slide7.xml><?xml version="1.0" encoding="utf-8"?>
-<p:sld xmlns:a="http://schemas.openxmlformats.org/drawingml/2006/main" xmlns:r="http://schemas.openxmlformats.org/officeDocument/2006/relationships" xmlns:p="http://schemas.openxmlformats.org/presentationml/2006/main">
+<p:sld xmlns:a="http://schemas.openxmlformats.org/drawingml/2006/main" xmlns:r="http://schemas.openxmlformats.org/officeDocument/2006/relationships" xmlns:p="http://schemas.openxmlformats.org/presentationml/2006/main" show="0">
   <p:cSld>
     <p:spTree>
       <p:nvGrpSpPr>
@@ -50269,15 +48882,6 @@
 </file>
 
 <file path=customXml/item1.xml><?xml version="1.0" encoding="utf-8"?>
-<?mso-contentType ?>
-<FormTemplates xmlns="http://schemas.microsoft.com/sharepoint/v3/contenttype/forms">
-  <Display>DocumentLibraryForm</Display>
-  <Edit>DocumentLibraryForm</Edit>
-  <New>DocumentLibraryForm</New>
-</FormTemplates>
-</file>
-
-<file path=customXml/item2.xml><?xml version="1.0" encoding="utf-8"?>
 <ct:contentTypeSchema xmlns:ct="http://schemas.microsoft.com/office/2006/metadata/contentType" xmlns:ma="http://schemas.microsoft.com/office/2006/metadata/properties/metaAttributes" ct:_="" ma:_="" ma:contentTypeName="Document" ma:contentTypeID="0x01010081A5D1C58639CC438A0985A5163AD7E3" ma:contentTypeVersion="17" ma:contentTypeDescription="Crée un document." ma:contentTypeScope="" ma:versionID="7795556d6530b0b9480380495134c4db">
   <xsd:schema xmlns:xsd="http://www.w3.org/2001/XMLSchema" xmlns:xs="http://www.w3.org/2001/XMLSchema" xmlns:p="http://schemas.microsoft.com/office/2006/metadata/properties" xmlns:ns2="be95ad7f-f2d3-4ad5-827d-a3392f6d419f" xmlns:ns3="461e6b72-1c26-445f-8625-322369705492" targetNamespace="http://schemas.microsoft.com/office/2006/metadata/properties" ma:root="true" ma:fieldsID="9d9b2d3b47b01b6398608d65909208f7" ns2:_="" ns3:_="">
     <xsd:import namespace="be95ad7f-f2d3-4ad5-827d-a3392f6d419f"/>
@@ -50520,7 +49124,7 @@
 </ct:contentTypeSchema>
 </file>
 
-<file path=customXml/item3.xml><?xml version="1.0" encoding="utf-8"?>
+<file path=customXml/item2.xml><?xml version="1.0" encoding="utf-8"?>
 <p:properties xmlns:p="http://schemas.microsoft.com/office/2006/metadata/properties" xmlns:xsi="http://www.w3.org/2001/XMLSchema-instance" xmlns:pc="http://schemas.microsoft.com/office/infopath/2007/PartnerControls">
   <documentManagement>
     <lcf76f155ced4ddcb4097134ff3c332f xmlns="be95ad7f-f2d3-4ad5-827d-a3392f6d419f">
@@ -50531,19 +49135,35 @@
 </p:properties>
 </file>
 
+<file path=customXml/item3.xml><?xml version="1.0" encoding="utf-8"?>
+<?mso-contentType ?>
+<FormTemplates xmlns="http://schemas.microsoft.com/sharepoint/v3/contenttype/forms">
+  <Display>DocumentLibraryForm</Display>
+  <Edit>DocumentLibraryForm</Edit>
+  <New>DocumentLibraryForm</New>
+</FormTemplates>
+</file>
+
 <file path=customXml/itemProps1.xml><?xml version="1.0" encoding="utf-8"?>
-<ds:datastoreItem xmlns:ds="http://schemas.openxmlformats.org/officeDocument/2006/customXml" ds:itemID="{147315A1-4C45-4A17-9AA5-E4D1FDBC2B5D}">
+<ds:datastoreItem xmlns:ds="http://schemas.openxmlformats.org/officeDocument/2006/customXml" ds:itemID="{3AE2BDF9-DC1F-42CD-93C5-FE22D243215C}">
   <ds:schemaRefs>
-    <ds:schemaRef ds:uri="http://schemas.microsoft.com/sharepoint/v3/contenttype/forms"/>
+    <ds:schemaRef ds:uri="http://schemas.microsoft.com/office/2006/metadata/contentType"/>
+    <ds:schemaRef ds:uri="http://schemas.microsoft.com/office/2006/metadata/properties/metaAttributes"/>
+    <ds:schemaRef ds:uri="http://www.w3.org/2001/XMLSchema"/>
+    <ds:schemaRef ds:uri="http://schemas.microsoft.com/office/2006/metadata/properties"/>
+    <ds:schemaRef ds:uri="be95ad7f-f2d3-4ad5-827d-a3392f6d419f"/>
+    <ds:schemaRef ds:uri="461e6b72-1c26-445f-8625-322369705492"/>
+    <ds:schemaRef ds:uri="http://schemas.microsoft.com/office/2006/documentManagement/types"/>
+    <ds:schemaRef ds:uri="http://schemas.microsoft.com/office/infopath/2007/PartnerControls"/>
+    <ds:schemaRef ds:uri="http://schemas.openxmlformats.org/package/2006/metadata/core-properties"/>
+    <ds:schemaRef ds:uri="http://purl.org/dc/elements/1.1/"/>
+    <ds:schemaRef ds:uri="http://purl.org/dc/terms/"/>
+    <ds:schemaRef ds:uri="http://schemas.microsoft.com/internal/obd"/>
   </ds:schemaRefs>
 </ds:datastoreItem>
 </file>
 
 <file path=customXml/itemProps2.xml><?xml version="1.0" encoding="utf-8"?>
-<ds:datastoreItem xmlns:ds="http://schemas.openxmlformats.org/officeDocument/2006/customXml" ds:itemID="{3AE2BDF9-DC1F-42CD-93C5-FE22D243215C}"/>
-</file>
-
-<file path=customXml/itemProps3.xml><?xml version="1.0" encoding="utf-8"?>
 <ds:datastoreItem xmlns:ds="http://schemas.openxmlformats.org/officeDocument/2006/customXml" ds:itemID="{4A913A9A-D462-4837-B7CA-94B378921D07}">
   <ds:schemaRefs>
     <ds:schemaRef ds:uri="461e6b72-1c26-445f-8625-322369705492"/>
@@ -50558,4 +49178,12 @@
     <ds:schemaRef ds:uri="http://www.w3.org/XML/1998/namespace"/>
   </ds:schemaRefs>
 </ds:datastoreItem>
+</file>
+
+<file path=customXml/itemProps3.xml><?xml version="1.0" encoding="utf-8"?>
+<ds:datastoreItem xmlns:ds="http://schemas.openxmlformats.org/officeDocument/2006/customXml" ds:itemID="{147315A1-4C45-4A17-9AA5-E4D1FDBC2B5D}">
+  <ds:schemaRefs>
+    <ds:schemaRef ds:uri="http://schemas.microsoft.com/sharepoint/v3/contenttype/forms"/>
+  </ds:schemaRefs>
+</ds:datastoreItem>
 </file>